--- a/docs/AddItem.pptx
+++ b/docs/AddItem.pptx
@@ -105,6 +105,11 @@
       </a:defRPr>
     </a:lvl9pPr>
   </p:defaultTextStyle>
+  <p:extLst>
+    <p:ext uri="{EFAFB233-063F-42B5-8137-9DF3F51BA10A}">
+      <p15:sldGuideLst xmlns:p15="http://schemas.microsoft.com/office/powerpoint/2012/main"/>
+    </p:ext>
+  </p:extLst>
 </p:presentation>
 </file>
 
@@ -257,7 +262,7 @@
           <a:p>
             <a:fld id="{D0611CAC-3318-4498-9BF9-6151DB04C0E7}" type="datetimeFigureOut">
               <a:rPr lang="en-SG" smtClean="0"/>
-              <a:t>24/3/2020</a:t>
+              <a:t>2/4/2020</a:t>
             </a:fld>
             <a:endParaRPr lang="en-SG"/>
           </a:p>
@@ -457,7 +462,7 @@
           <a:p>
             <a:fld id="{D0611CAC-3318-4498-9BF9-6151DB04C0E7}" type="datetimeFigureOut">
               <a:rPr lang="en-SG" smtClean="0"/>
-              <a:t>24/3/2020</a:t>
+              <a:t>2/4/2020</a:t>
             </a:fld>
             <a:endParaRPr lang="en-SG"/>
           </a:p>
@@ -667,7 +672,7 @@
           <a:p>
             <a:fld id="{D0611CAC-3318-4498-9BF9-6151DB04C0E7}" type="datetimeFigureOut">
               <a:rPr lang="en-SG" smtClean="0"/>
-              <a:t>24/3/2020</a:t>
+              <a:t>2/4/2020</a:t>
             </a:fld>
             <a:endParaRPr lang="en-SG"/>
           </a:p>
@@ -867,7 +872,7 @@
           <a:p>
             <a:fld id="{D0611CAC-3318-4498-9BF9-6151DB04C0E7}" type="datetimeFigureOut">
               <a:rPr lang="en-SG" smtClean="0"/>
-              <a:t>24/3/2020</a:t>
+              <a:t>2/4/2020</a:t>
             </a:fld>
             <a:endParaRPr lang="en-SG"/>
           </a:p>
@@ -1143,7 +1148,7 @@
           <a:p>
             <a:fld id="{D0611CAC-3318-4498-9BF9-6151DB04C0E7}" type="datetimeFigureOut">
               <a:rPr lang="en-SG" smtClean="0"/>
-              <a:t>24/3/2020</a:t>
+              <a:t>2/4/2020</a:t>
             </a:fld>
             <a:endParaRPr lang="en-SG"/>
           </a:p>
@@ -1411,7 +1416,7 @@
           <a:p>
             <a:fld id="{D0611CAC-3318-4498-9BF9-6151DB04C0E7}" type="datetimeFigureOut">
               <a:rPr lang="en-SG" smtClean="0"/>
-              <a:t>24/3/2020</a:t>
+              <a:t>2/4/2020</a:t>
             </a:fld>
             <a:endParaRPr lang="en-SG"/>
           </a:p>
@@ -1826,7 +1831,7 @@
           <a:p>
             <a:fld id="{D0611CAC-3318-4498-9BF9-6151DB04C0E7}" type="datetimeFigureOut">
               <a:rPr lang="en-SG" smtClean="0"/>
-              <a:t>24/3/2020</a:t>
+              <a:t>2/4/2020</a:t>
             </a:fld>
             <a:endParaRPr lang="en-SG"/>
           </a:p>
@@ -1968,7 +1973,7 @@
           <a:p>
             <a:fld id="{D0611CAC-3318-4498-9BF9-6151DB04C0E7}" type="datetimeFigureOut">
               <a:rPr lang="en-SG" smtClean="0"/>
-              <a:t>24/3/2020</a:t>
+              <a:t>2/4/2020</a:t>
             </a:fld>
             <a:endParaRPr lang="en-SG"/>
           </a:p>
@@ -2081,7 +2086,7 @@
           <a:p>
             <a:fld id="{D0611CAC-3318-4498-9BF9-6151DB04C0E7}" type="datetimeFigureOut">
               <a:rPr lang="en-SG" smtClean="0"/>
-              <a:t>24/3/2020</a:t>
+              <a:t>2/4/2020</a:t>
             </a:fld>
             <a:endParaRPr lang="en-SG"/>
           </a:p>
@@ -2394,7 +2399,7 @@
           <a:p>
             <a:fld id="{D0611CAC-3318-4498-9BF9-6151DB04C0E7}" type="datetimeFigureOut">
               <a:rPr lang="en-SG" smtClean="0"/>
-              <a:t>24/3/2020</a:t>
+              <a:t>2/4/2020</a:t>
             </a:fld>
             <a:endParaRPr lang="en-SG"/>
           </a:p>
@@ -2683,7 +2688,7 @@
           <a:p>
             <a:fld id="{D0611CAC-3318-4498-9BF9-6151DB04C0E7}" type="datetimeFigureOut">
               <a:rPr lang="en-SG" smtClean="0"/>
-              <a:t>24/3/2020</a:t>
+              <a:t>2/4/2020</a:t>
             </a:fld>
             <a:endParaRPr lang="en-SG"/>
           </a:p>
@@ -2926,7 +2931,7 @@
           <a:p>
             <a:fld id="{D0611CAC-3318-4498-9BF9-6151DB04C0E7}" type="datetimeFigureOut">
               <a:rPr lang="en-SG" smtClean="0"/>
-              <a:t>24/3/2020</a:t>
+              <a:t>2/4/2020</a:t>
             </a:fld>
             <a:endParaRPr lang="en-SG"/>
           </a:p>
@@ -3343,6 +3348,315 @@
           <a:chExt cx="0" cy="0"/>
         </a:xfrm>
       </p:grpSpPr>
+      <p:sp>
+        <p:nvSpPr>
+          <p:cNvPr id="48" name="Line 13">
+            <a:extLst>
+              <a:ext uri="{FF2B5EF4-FFF2-40B4-BE49-F238E27FC236}">
+                <a16:creationId xmlns:a16="http://schemas.microsoft.com/office/drawing/2014/main" id="{FB129375-0F38-48FB-9FDC-F0210852B96A}"/>
+              </a:ext>
+            </a:extLst>
+          </p:cNvPr>
+          <p:cNvSpPr>
+            <a:spLocks noChangeShapeType="1"/>
+          </p:cNvSpPr>
+          <p:nvPr/>
+        </p:nvSpPr>
+        <p:spPr bwMode="auto">
+          <a:xfrm>
+            <a:off x="9528991" y="3162300"/>
+            <a:ext cx="9191" cy="2875224"/>
+          </a:xfrm>
+          <a:prstGeom prst="line">
+            <a:avLst/>
+          </a:prstGeom>
+          <a:noFill/>
+          <a:ln w="25400" cap="flat" cmpd="sng" algn="ctr">
+            <a:solidFill>
+              <a:srgbClr val="EEECE1">
+                <a:lumMod val="50000"/>
+              </a:srgbClr>
+            </a:solidFill>
+            <a:prstDash val="sysDash"/>
+            <a:headEnd/>
+            <a:tailEnd/>
+          </a:ln>
+          <a:effectLst>
+            <a:outerShdw blurRad="40000" dist="20000" dir="5400000" rotWithShape="0">
+              <a:srgbClr val="000000">
+                <a:alpha val="38000"/>
+              </a:srgbClr>
+            </a:outerShdw>
+          </a:effectLst>
+        </p:spPr>
+        <p:txBody>
+          <a:bodyPr/>
+          <a:lstStyle/>
+          <a:p>
+            <a:pPr marL="0" marR="0" lvl="0" indent="0" defTabSz="872733" eaLnBrk="1" fontAlgn="auto" latinLnBrk="0" hangingPunct="1">
+              <a:lnSpc>
+                <a:spcPct val="100000"/>
+              </a:lnSpc>
+              <a:spcBef>
+                <a:spcPts val="0"/>
+              </a:spcBef>
+              <a:spcAft>
+                <a:spcPts val="0"/>
+              </a:spcAft>
+              <a:buClrTx/>
+              <a:buSzTx/>
+              <a:buFontTx/>
+              <a:buNone/>
+              <a:tabLst/>
+              <a:defRPr/>
+            </a:pPr>
+            <a:endParaRPr kumimoji="0" lang="en-US" sz="1500" b="0" i="0" u="none" strike="noStrike" kern="0" cap="none" spc="0" normalizeH="0" baseline="0" noProof="0" dirty="0">
+              <a:ln>
+                <a:noFill/>
+              </a:ln>
+              <a:solidFill>
+                <a:prstClr val="black"/>
+              </a:solidFill>
+              <a:effectLst/>
+              <a:uLnTx/>
+              <a:uFillTx/>
+              <a:latin typeface="Calibri"/>
+              <a:ea typeface="+mn-ea"/>
+              <a:cs typeface="+mn-cs"/>
+            </a:endParaRPr>
+          </a:p>
+        </p:txBody>
+      </p:sp>
+      <p:sp>
+        <p:nvSpPr>
+          <p:cNvPr id="46" name="Line 13">
+            <a:extLst>
+              <a:ext uri="{FF2B5EF4-FFF2-40B4-BE49-F238E27FC236}">
+                <a16:creationId xmlns:a16="http://schemas.microsoft.com/office/drawing/2014/main" id="{84F8CB40-774A-499F-A6E4-87E01BBE8239}"/>
+              </a:ext>
+            </a:extLst>
+          </p:cNvPr>
+          <p:cNvSpPr>
+            <a:spLocks noChangeShapeType="1"/>
+          </p:cNvSpPr>
+          <p:nvPr/>
+        </p:nvSpPr>
+        <p:spPr bwMode="auto">
+          <a:xfrm flipH="1">
+            <a:off x="7295307" y="2903703"/>
+            <a:ext cx="19587" cy="3031613"/>
+          </a:xfrm>
+          <a:prstGeom prst="line">
+            <a:avLst/>
+          </a:prstGeom>
+          <a:noFill/>
+          <a:ln w="25400" cap="flat" cmpd="sng" algn="ctr">
+            <a:solidFill>
+              <a:srgbClr val="9BBB59">
+                <a:lumMod val="75000"/>
+              </a:srgbClr>
+            </a:solidFill>
+            <a:prstDash val="sysDash"/>
+            <a:headEnd/>
+            <a:tailEnd/>
+          </a:ln>
+          <a:effectLst>
+            <a:outerShdw blurRad="40000" dist="20000" dir="5400000" rotWithShape="0">
+              <a:srgbClr val="000000">
+                <a:alpha val="38000"/>
+              </a:srgbClr>
+            </a:outerShdw>
+          </a:effectLst>
+        </p:spPr>
+        <p:txBody>
+          <a:bodyPr/>
+          <a:lstStyle/>
+          <a:p>
+            <a:pPr marL="0" marR="0" lvl="0" indent="0" defTabSz="872733" eaLnBrk="1" fontAlgn="auto" latinLnBrk="0" hangingPunct="1">
+              <a:lnSpc>
+                <a:spcPct val="100000"/>
+              </a:lnSpc>
+              <a:spcBef>
+                <a:spcPts val="0"/>
+              </a:spcBef>
+              <a:spcAft>
+                <a:spcPts val="0"/>
+              </a:spcAft>
+              <a:buClrTx/>
+              <a:buSzTx/>
+              <a:buFontTx/>
+              <a:buNone/>
+              <a:tabLst/>
+              <a:defRPr/>
+            </a:pPr>
+            <a:endParaRPr kumimoji="0" lang="en-US" sz="1500" b="0" i="0" u="none" strike="noStrike" kern="0" cap="none" spc="0" normalizeH="0" baseline="0" noProof="0" dirty="0">
+              <a:ln>
+                <a:noFill/>
+              </a:ln>
+              <a:solidFill>
+                <a:prstClr val="black"/>
+              </a:solidFill>
+              <a:effectLst/>
+              <a:uLnTx/>
+              <a:uFillTx/>
+              <a:latin typeface="Calibri"/>
+              <a:ea typeface="+mn-ea"/>
+              <a:cs typeface="+mn-cs"/>
+            </a:endParaRPr>
+          </a:p>
+        </p:txBody>
+      </p:sp>
+      <p:sp>
+        <p:nvSpPr>
+          <p:cNvPr id="44" name="Rectangle 43">
+            <a:extLst>
+              <a:ext uri="{FF2B5EF4-FFF2-40B4-BE49-F238E27FC236}">
+                <a16:creationId xmlns:a16="http://schemas.microsoft.com/office/drawing/2014/main" id="{F8CA9278-ADBB-4999-8AF5-10877D7F98BF}"/>
+              </a:ext>
+            </a:extLst>
+          </p:cNvPr>
+          <p:cNvSpPr/>
+          <p:nvPr/>
+        </p:nvSpPr>
+        <p:spPr>
+          <a:xfrm>
+            <a:off x="6809045" y="4155755"/>
+            <a:ext cx="3380529" cy="571011"/>
+          </a:xfrm>
+          <a:prstGeom prst="rect">
+            <a:avLst/>
+          </a:prstGeom>
+          <a:gradFill rotWithShape="1">
+            <a:gsLst>
+              <a:gs pos="0">
+                <a:srgbClr val="4F81BD">
+                  <a:tint val="50000"/>
+                  <a:satMod val="300000"/>
+                </a:srgbClr>
+              </a:gs>
+              <a:gs pos="35000">
+                <a:srgbClr val="4F81BD">
+                  <a:tint val="37000"/>
+                  <a:satMod val="300000"/>
+                </a:srgbClr>
+              </a:gs>
+              <a:gs pos="100000">
+                <a:srgbClr val="4F81BD">
+                  <a:tint val="15000"/>
+                  <a:satMod val="350000"/>
+                </a:srgbClr>
+              </a:gs>
+            </a:gsLst>
+            <a:lin ang="16200000" scaled="1"/>
+          </a:gradFill>
+          <a:ln w="9525" cap="flat" cmpd="sng" algn="ctr">
+            <a:solidFill>
+              <a:srgbClr val="4F81BD">
+                <a:shade val="95000"/>
+                <a:satMod val="105000"/>
+              </a:srgbClr>
+            </a:solidFill>
+            <a:prstDash val="solid"/>
+          </a:ln>
+          <a:effectLst>
+            <a:outerShdw blurRad="40000" dist="20000" dir="5400000" rotWithShape="0">
+              <a:srgbClr val="000000">
+                <a:alpha val="38000"/>
+              </a:srgbClr>
+            </a:outerShdw>
+          </a:effectLst>
+        </p:spPr>
+        <p:txBody>
+          <a:bodyPr rtlCol="0" anchor="ctr"/>
+          <a:lstStyle/>
+          <a:p>
+            <a:pPr marL="0" marR="0" lvl="0" indent="0" algn="ctr" defTabSz="914400" eaLnBrk="1" fontAlgn="auto" latinLnBrk="0" hangingPunct="1">
+              <a:lnSpc>
+                <a:spcPct val="100000"/>
+              </a:lnSpc>
+              <a:spcBef>
+                <a:spcPts val="0"/>
+              </a:spcBef>
+              <a:spcAft>
+                <a:spcPts val="0"/>
+              </a:spcAft>
+              <a:buClrTx/>
+              <a:buSzTx/>
+              <a:buFontTx/>
+              <a:buNone/>
+              <a:tabLst/>
+              <a:defRPr/>
+            </a:pPr>
+            <a:r>
+              <a:rPr kumimoji="0" lang="en-SG" sz="1800" b="0" i="0" u="none" strike="noStrike" kern="0" cap="none" spc="0" normalizeH="0" baseline="0" noProof="0" dirty="0">
+                <a:ln>
+                  <a:noFill/>
+                </a:ln>
+                <a:solidFill>
+                  <a:prstClr val="black"/>
+                </a:solidFill>
+                <a:effectLst/>
+                <a:uLnTx/>
+                <a:uFillTx/>
+                <a:latin typeface="Calibri"/>
+                <a:ea typeface="+mn-ea"/>
+                <a:cs typeface="+mn-cs"/>
+              </a:rPr>
+              <a:t>Add item value</a:t>
+            </a:r>
+          </a:p>
+        </p:txBody>
+      </p:sp>
+      <p:sp>
+        <p:nvSpPr>
+          <p:cNvPr id="45" name="Rectangle: Top Corners One Rounded and One Snipped 44">
+            <a:extLst>
+              <a:ext uri="{FF2B5EF4-FFF2-40B4-BE49-F238E27FC236}">
+                <a16:creationId xmlns:a16="http://schemas.microsoft.com/office/drawing/2014/main" id="{E9D4C0B2-2080-4DEA-8A65-8E92A1205A04}"/>
+              </a:ext>
+            </a:extLst>
+          </p:cNvPr>
+          <p:cNvSpPr/>
+          <p:nvPr/>
+        </p:nvSpPr>
+        <p:spPr>
+          <a:xfrm rot="10800000" flipH="1">
+            <a:off x="6828415" y="4155755"/>
+            <a:ext cx="885621" cy="285313"/>
+          </a:xfrm>
+          <a:prstGeom prst="snipRoundRect">
+            <a:avLst/>
+          </a:prstGeom>
+          <a:solidFill>
+            <a:schemeClr val="bg1">
+              <a:lumMod val="95000"/>
+            </a:schemeClr>
+          </a:solidFill>
+          <a:ln/>
+        </p:spPr>
+        <p:style>
+          <a:lnRef idx="1">
+            <a:schemeClr val="accent5"/>
+          </a:lnRef>
+          <a:fillRef idx="2">
+            <a:schemeClr val="accent5"/>
+          </a:fillRef>
+          <a:effectRef idx="1">
+            <a:schemeClr val="accent5"/>
+          </a:effectRef>
+          <a:fontRef idx="minor">
+            <a:schemeClr val="dk1"/>
+          </a:fontRef>
+        </p:style>
+        <p:txBody>
+          <a:bodyPr rtlCol="0" anchor="ctr"/>
+          <a:lstStyle/>
+          <a:p>
+            <a:pPr algn="ctr"/>
+            <a:endParaRPr lang="en-SG" dirty="0"/>
+          </a:p>
+        </p:txBody>
+      </p:sp>
       <p:grpSp>
         <p:nvGrpSpPr>
           <p:cNvPr id="87" name="Group 86">
@@ -3357,73 +3671,12 @@
         </p:nvGrpSpPr>
         <p:grpSpPr>
           <a:xfrm>
-            <a:off x="1790700" y="723900"/>
-            <a:ext cx="8610600" cy="5410200"/>
-            <a:chOff x="117858" y="197507"/>
-            <a:chExt cx="8554514" cy="6420490"/>
+            <a:off x="2421715" y="1328183"/>
+            <a:ext cx="5173025" cy="3314811"/>
+            <a:chOff x="744763" y="914632"/>
+            <a:chExt cx="5139330" cy="3933812"/>
           </a:xfrm>
         </p:grpSpPr>
-        <p:sp>
-          <p:nvSpPr>
-            <p:cNvPr id="88" name="Line 13">
-              <a:extLst>
-                <a:ext uri="{FF2B5EF4-FFF2-40B4-BE49-F238E27FC236}">
-                  <a16:creationId xmlns:a16="http://schemas.microsoft.com/office/drawing/2014/main" id="{7E3AE278-6826-4E07-B5E4-674143B9BDF4}"/>
-                </a:ext>
-              </a:extLst>
-            </p:cNvPr>
-            <p:cNvSpPr>
-              <a:spLocks noChangeShapeType="1"/>
-            </p:cNvSpPr>
-            <p:nvPr/>
-          </p:nvSpPr>
-          <p:spPr bwMode="auto">
-            <a:xfrm>
-              <a:off x="728768" y="839832"/>
-              <a:ext cx="10115" cy="3904336"/>
-            </a:xfrm>
-            <a:prstGeom prst="line">
-              <a:avLst/>
-            </a:prstGeom>
-            <a:ln>
-              <a:solidFill>
-                <a:schemeClr val="accent2">
-                  <a:lumMod val="60000"/>
-                  <a:lumOff val="40000"/>
-                </a:schemeClr>
-              </a:solidFill>
-              <a:prstDash val="sysDash"/>
-              <a:headEnd/>
-              <a:tailEnd/>
-            </a:ln>
-          </p:spPr>
-          <p:style>
-            <a:lnRef idx="2">
-              <a:schemeClr val="accent4"/>
-            </a:lnRef>
-            <a:fillRef idx="0">
-              <a:schemeClr val="accent4"/>
-            </a:fillRef>
-            <a:effectRef idx="1">
-              <a:schemeClr val="accent4"/>
-            </a:effectRef>
-            <a:fontRef idx="minor">
-              <a:schemeClr val="tx1"/>
-            </a:fontRef>
-          </p:style>
-          <p:txBody>
-            <a:bodyPr/>
-            <a:lstStyle/>
-            <a:p>
-              <a:pPr defTabSz="872733"/>
-              <a:endParaRPr lang="en-US" sz="1500">
-                <a:solidFill>
-                  <a:prstClr val="black"/>
-                </a:solidFill>
-              </a:endParaRPr>
-            </a:p>
-          </p:txBody>
-        </p:sp>
         <p:sp>
           <p:nvSpPr>
             <p:cNvPr id="89" name="Text Box 11">
@@ -3447,16 +3700,11 @@
               <a:avLst/>
             </a:prstGeom>
             <a:solidFill>
-              <a:schemeClr val="accent4">
-                <a:lumMod val="40000"/>
-                <a:lumOff val="60000"/>
-              </a:schemeClr>
+              <a:srgbClr val="CCC1DA"/>
             </a:solidFill>
             <a:ln w="19050">
               <a:solidFill>
-                <a:schemeClr val="accent4">
-                  <a:lumMod val="75000"/>
-                </a:schemeClr>
+                <a:schemeClr val="tx1"/>
               </a:solidFill>
               <a:headEnd/>
               <a:tailEnd/>
@@ -3502,206 +3750,6 @@
         </p:sp>
         <p:sp>
           <p:nvSpPr>
-            <p:cNvPr id="90" name="Rectangle 89">
-              <a:extLst>
-                <a:ext uri="{FF2B5EF4-FFF2-40B4-BE49-F238E27FC236}">
-                  <a16:creationId xmlns:a16="http://schemas.microsoft.com/office/drawing/2014/main" id="{6E01C37F-122E-46E9-82EA-08B5193ED5D3}"/>
-                </a:ext>
-              </a:extLst>
-            </p:cNvPr>
-            <p:cNvSpPr/>
-            <p:nvPr/>
-          </p:nvSpPr>
-          <p:spPr>
-            <a:xfrm>
-              <a:off x="603890" y="1120110"/>
-              <a:ext cx="225619" cy="3348432"/>
-            </a:xfrm>
-            <a:prstGeom prst="rect">
-              <a:avLst/>
-            </a:prstGeom>
-            <a:solidFill>
-              <a:schemeClr val="accent2">
-                <a:lumMod val="40000"/>
-                <a:lumOff val="60000"/>
-              </a:schemeClr>
-            </a:solidFill>
-            <a:ln>
-              <a:solidFill>
-                <a:schemeClr val="accent2">
-                  <a:lumMod val="60000"/>
-                  <a:lumOff val="40000"/>
-                </a:schemeClr>
-              </a:solidFill>
-            </a:ln>
-          </p:spPr>
-          <p:style>
-            <a:lnRef idx="2">
-              <a:schemeClr val="accent4"/>
-            </a:lnRef>
-            <a:fillRef idx="1">
-              <a:schemeClr val="lt1"/>
-            </a:fillRef>
-            <a:effectRef idx="0">
-              <a:schemeClr val="accent4"/>
-            </a:effectRef>
-            <a:fontRef idx="minor">
-              <a:schemeClr val="dk1"/>
-            </a:fontRef>
-          </p:style>
-          <p:txBody>
-            <a:bodyPr rtlCol="0" anchor="ctr"/>
-            <a:lstStyle/>
-            <a:p>
-              <a:pPr algn="ctr" defTabSz="872733"/>
-              <a:endParaRPr lang="en-US" sz="1500">
-                <a:solidFill>
-                  <a:prstClr val="black"/>
-                </a:solidFill>
-              </a:endParaRPr>
-            </a:p>
-          </p:txBody>
-        </p:sp>
-        <p:sp>
-          <p:nvSpPr>
-            <p:cNvPr id="91" name="Text Box 11">
-              <a:extLst>
-                <a:ext uri="{FF2B5EF4-FFF2-40B4-BE49-F238E27FC236}">
-                  <a16:creationId xmlns:a16="http://schemas.microsoft.com/office/drawing/2014/main" id="{EDF34DA4-8B8D-4150-B54D-2774E6B61589}"/>
-                </a:ext>
-              </a:extLst>
-            </p:cNvPr>
-            <p:cNvSpPr txBox="1">
-              <a:spLocks noChangeArrowheads="1"/>
-            </p:cNvSpPr>
-            <p:nvPr/>
-          </p:nvSpPr>
-          <p:spPr bwMode="auto">
-            <a:xfrm>
-              <a:off x="4822622" y="2211422"/>
-              <a:ext cx="1596653" cy="712237"/>
-            </a:xfrm>
-            <a:prstGeom prst="rect">
-              <a:avLst/>
-            </a:prstGeom>
-            <a:ln w="19050">
-              <a:headEnd/>
-              <a:tailEnd/>
-            </a:ln>
-          </p:spPr>
-          <p:style>
-            <a:lnRef idx="1">
-              <a:schemeClr val="accent3"/>
-            </a:lnRef>
-            <a:fillRef idx="2">
-              <a:schemeClr val="accent3"/>
-            </a:fillRef>
-            <a:effectRef idx="1">
-              <a:schemeClr val="accent3"/>
-            </a:effectRef>
-            <a:fontRef idx="minor">
-              <a:schemeClr val="dk1"/>
-            </a:fontRef>
-          </p:style>
-          <p:txBody>
-            <a:bodyPr wrap="square" tIns="182880" bIns="182880">
-              <a:spAutoFit/>
-            </a:bodyPr>
-            <a:lstStyle/>
-            <a:p>
-              <a:pPr algn="ctr" defTabSz="872733">
-                <a:spcBef>
-                  <a:spcPct val="50000"/>
-                </a:spcBef>
-                <a:buFont typeface="Wingdings" pitchFamily="2" charset="2"/>
-                <a:buNone/>
-              </a:pPr>
-              <a:r>
-                <a:rPr lang="en-US" sz="1500" dirty="0">
-                  <a:solidFill>
-                    <a:prstClr val="black"/>
-                  </a:solidFill>
-                </a:rPr>
-                <a:t>:</a:t>
-              </a:r>
-              <a:r>
-                <a:rPr lang="en-US" sz="1500" dirty="0" err="1">
-                  <a:solidFill>
-                    <a:prstClr val="black"/>
-                  </a:solidFill>
-                </a:rPr>
-                <a:t>AddCommand</a:t>
-              </a:r>
-              <a:endParaRPr lang="en-US" sz="1500" dirty="0">
-                <a:solidFill>
-                  <a:prstClr val="black"/>
-                </a:solidFill>
-              </a:endParaRPr>
-            </a:p>
-          </p:txBody>
-        </p:sp>
-        <p:sp>
-          <p:nvSpPr>
-            <p:cNvPr id="92" name="Line 13">
-              <a:extLst>
-                <a:ext uri="{FF2B5EF4-FFF2-40B4-BE49-F238E27FC236}">
-                  <a16:creationId xmlns:a16="http://schemas.microsoft.com/office/drawing/2014/main" id="{3C9C5C7F-4E5B-4774-9255-BBD2ACEE5A32}"/>
-                </a:ext>
-              </a:extLst>
-            </p:cNvPr>
-            <p:cNvSpPr>
-              <a:spLocks noChangeShapeType="1"/>
-            </p:cNvSpPr>
-            <p:nvPr/>
-          </p:nvSpPr>
-          <p:spPr bwMode="auto">
-            <a:xfrm flipH="1">
-              <a:off x="3018095" y="1536671"/>
-              <a:ext cx="8589" cy="1590924"/>
-            </a:xfrm>
-            <a:prstGeom prst="line">
-              <a:avLst/>
-            </a:prstGeom>
-            <a:ln>
-              <a:solidFill>
-                <a:schemeClr val="accent4">
-                  <a:lumMod val="75000"/>
-                </a:schemeClr>
-              </a:solidFill>
-              <a:prstDash val="sysDash"/>
-              <a:headEnd/>
-              <a:tailEnd/>
-            </a:ln>
-          </p:spPr>
-          <p:style>
-            <a:lnRef idx="2">
-              <a:schemeClr val="accent4"/>
-            </a:lnRef>
-            <a:fillRef idx="0">
-              <a:schemeClr val="accent4"/>
-            </a:fillRef>
-            <a:effectRef idx="1">
-              <a:schemeClr val="accent4"/>
-            </a:effectRef>
-            <a:fontRef idx="minor">
-              <a:schemeClr val="tx1"/>
-            </a:fontRef>
-          </p:style>
-          <p:txBody>
-            <a:bodyPr/>
-            <a:lstStyle/>
-            <a:p>
-              <a:pPr defTabSz="872733"/>
-              <a:endParaRPr lang="en-US" sz="1500" dirty="0">
-                <a:solidFill>
-                  <a:prstClr val="black"/>
-                </a:solidFill>
-              </a:endParaRPr>
-            </a:p>
-          </p:txBody>
-        </p:sp>
-        <p:sp>
-          <p:nvSpPr>
             <p:cNvPr id="93" name="Line 15">
               <a:extLst>
                 <a:ext uri="{FF2B5EF4-FFF2-40B4-BE49-F238E27FC236}">
@@ -3716,8 +3764,8 @@
           </p:nvSpPr>
           <p:spPr bwMode="auto">
             <a:xfrm flipV="1">
-              <a:off x="823868" y="1297145"/>
-              <a:ext cx="1747815" cy="12191"/>
+              <a:off x="744763" y="1297144"/>
+              <a:ext cx="1826920" cy="9827"/>
             </a:xfrm>
             <a:prstGeom prst="line">
               <a:avLst/>
@@ -3726,107 +3774,6 @@
             <a:ln w="19050">
               <a:solidFill>
                 <a:srgbClr val="7030A0"/>
-              </a:solidFill>
-              <a:round/>
-              <a:headEnd/>
-              <a:tailEnd type="triangle" w="lg" len="lg"/>
-            </a:ln>
-          </p:spPr>
-          <p:txBody>
-            <a:bodyPr/>
-            <a:lstStyle/>
-            <a:p>
-              <a:pPr defTabSz="872733"/>
-              <a:endParaRPr lang="en-US" sz="1500">
-                <a:solidFill>
-                  <a:prstClr val="black"/>
-                </a:solidFill>
-              </a:endParaRPr>
-            </a:p>
-          </p:txBody>
-        </p:sp>
-        <p:sp>
-          <p:nvSpPr>
-            <p:cNvPr id="94" name="Text Box 25">
-              <a:extLst>
-                <a:ext uri="{FF2B5EF4-FFF2-40B4-BE49-F238E27FC236}">
-                  <a16:creationId xmlns:a16="http://schemas.microsoft.com/office/drawing/2014/main" id="{D1C319FE-72D4-4C8B-8988-B5A3090CB3D5}"/>
-                </a:ext>
-              </a:extLst>
-            </p:cNvPr>
-            <p:cNvSpPr txBox="1">
-              <a:spLocks noChangeArrowheads="1"/>
-            </p:cNvSpPr>
-            <p:nvPr/>
-          </p:nvSpPr>
-          <p:spPr bwMode="auto">
-            <a:xfrm>
-              <a:off x="6061453" y="3443284"/>
-              <a:ext cx="1584515" cy="383512"/>
-            </a:xfrm>
-            <a:prstGeom prst="rect">
-              <a:avLst/>
-            </a:prstGeom>
-            <a:noFill/>
-            <a:ln w="12700" algn="ctr">
-              <a:noFill/>
-              <a:miter lim="800000"/>
-              <a:headEnd/>
-              <a:tailEnd/>
-            </a:ln>
-          </p:spPr>
-          <p:txBody>
-            <a:bodyPr wrap="square">
-              <a:spAutoFit/>
-            </a:bodyPr>
-            <a:lstStyle/>
-            <a:p>
-              <a:pPr defTabSz="872733">
-                <a:spcBef>
-                  <a:spcPct val="50000"/>
-                </a:spcBef>
-                <a:buFont typeface="Wingdings" pitchFamily="2" charset="2"/>
-                <a:buNone/>
-              </a:pPr>
-              <a:r>
-                <a:rPr lang="en-US" sz="1500" i="1" dirty="0" err="1"/>
-                <a:t>Items.add</a:t>
-              </a:r>
-              <a:r>
-                <a:rPr lang="en-US" sz="1500" i="1" dirty="0"/>
-                <a:t>(add)</a:t>
-              </a:r>
-            </a:p>
-          </p:txBody>
-        </p:sp>
-        <p:sp>
-          <p:nvSpPr>
-            <p:cNvPr id="95" name="Line 15">
-              <a:extLst>
-                <a:ext uri="{FF2B5EF4-FFF2-40B4-BE49-F238E27FC236}">
-                  <a16:creationId xmlns:a16="http://schemas.microsoft.com/office/drawing/2014/main" id="{953A1D58-DE3A-4BC5-9768-1EE43CBB9FCC}"/>
-                </a:ext>
-              </a:extLst>
-            </p:cNvPr>
-            <p:cNvSpPr>
-              <a:spLocks noChangeShapeType="1"/>
-            </p:cNvSpPr>
-            <p:nvPr/>
-          </p:nvSpPr>
-          <p:spPr bwMode="auto">
-            <a:xfrm flipV="1">
-              <a:off x="3194466" y="2531036"/>
-              <a:ext cx="1628156" cy="7946"/>
-            </a:xfrm>
-            <a:prstGeom prst="line">
-              <a:avLst/>
-            </a:prstGeom>
-            <a:noFill/>
-            <a:ln w="19050">
-              <a:solidFill>
-                <a:schemeClr val="accent3">
-                  <a:lumMod val="75000"/>
-                </a:schemeClr>
               </a:solidFill>
               <a:round/>
               <a:headEnd/>
@@ -3965,66 +3912,6 @@
         </p:sp>
         <p:sp>
           <p:nvSpPr>
-            <p:cNvPr id="98" name="Line 13">
-              <a:extLst>
-                <a:ext uri="{FF2B5EF4-FFF2-40B4-BE49-F238E27FC236}">
-                  <a16:creationId xmlns:a16="http://schemas.microsoft.com/office/drawing/2014/main" id="{DBAEB2B7-E83B-4EE0-A340-3CC2CDBBEA36}"/>
-                </a:ext>
-              </a:extLst>
-            </p:cNvPr>
-            <p:cNvSpPr>
-              <a:spLocks noChangeShapeType="1"/>
-            </p:cNvSpPr>
-            <p:nvPr/>
-          </p:nvSpPr>
-          <p:spPr bwMode="auto">
-            <a:xfrm flipH="1">
-              <a:off x="5593778" y="2795355"/>
-              <a:ext cx="11119" cy="2835500"/>
-            </a:xfrm>
-            <a:prstGeom prst="line">
-              <a:avLst/>
-            </a:prstGeom>
-            <a:ln>
-              <a:solidFill>
-                <a:schemeClr val="accent3">
-                  <a:lumMod val="75000"/>
-                </a:schemeClr>
-              </a:solidFill>
-              <a:prstDash val="sysDash"/>
-              <a:headEnd/>
-              <a:tailEnd/>
-            </a:ln>
-          </p:spPr>
-          <p:style>
-            <a:lnRef idx="2">
-              <a:schemeClr val="accent4"/>
-            </a:lnRef>
-            <a:fillRef idx="0">
-              <a:schemeClr val="accent4"/>
-            </a:fillRef>
-            <a:effectRef idx="1">
-              <a:schemeClr val="accent4"/>
-            </a:effectRef>
-            <a:fontRef idx="minor">
-              <a:schemeClr val="tx1"/>
-            </a:fontRef>
-          </p:style>
-          <p:txBody>
-            <a:bodyPr/>
-            <a:lstStyle/>
-            <a:p>
-              <a:pPr defTabSz="872733"/>
-              <a:endParaRPr lang="en-US" sz="1500">
-                <a:solidFill>
-                  <a:prstClr val="black"/>
-                </a:solidFill>
-              </a:endParaRPr>
-            </a:p>
-          </p:txBody>
-        </p:sp>
-        <p:sp>
-          <p:nvSpPr>
             <p:cNvPr id="99" name="Line 15">
               <a:extLst>
                 <a:ext uri="{FF2B5EF4-FFF2-40B4-BE49-F238E27FC236}">
@@ -4039,8 +3926,8 @@
           </p:nvSpPr>
           <p:spPr bwMode="auto">
             <a:xfrm flipV="1">
-              <a:off x="863760" y="2095125"/>
-              <a:ext cx="2040971" cy="1"/>
+              <a:off x="744763" y="2085683"/>
+              <a:ext cx="2294537" cy="21942"/>
             </a:xfrm>
             <a:prstGeom prst="line">
               <a:avLst/>
@@ -4120,379 +4007,6 @@
         </p:sp>
         <p:sp>
           <p:nvSpPr>
-            <p:cNvPr id="101" name="Rectangle 100">
-              <a:extLst>
-                <a:ext uri="{FF2B5EF4-FFF2-40B4-BE49-F238E27FC236}">
-                  <a16:creationId xmlns:a16="http://schemas.microsoft.com/office/drawing/2014/main" id="{DC59D3EA-EB95-4D93-BC1D-247F4966A9AA}"/>
-                </a:ext>
-              </a:extLst>
-            </p:cNvPr>
-            <p:cNvSpPr/>
-            <p:nvPr/>
-          </p:nvSpPr>
-          <p:spPr>
-            <a:xfrm>
-              <a:off x="5474656" y="3465195"/>
-              <a:ext cx="321233" cy="1716405"/>
-            </a:xfrm>
-            <a:prstGeom prst="rect">
-              <a:avLst/>
-            </a:prstGeom>
-            <a:solidFill>
-              <a:schemeClr val="accent3">
-                <a:lumMod val="20000"/>
-                <a:lumOff val="80000"/>
-              </a:schemeClr>
-            </a:solidFill>
-            <a:ln>
-              <a:solidFill>
-                <a:schemeClr val="accent3">
-                  <a:lumMod val="75000"/>
-                </a:schemeClr>
-              </a:solidFill>
-            </a:ln>
-          </p:spPr>
-          <p:style>
-            <a:lnRef idx="2">
-              <a:schemeClr val="accent4"/>
-            </a:lnRef>
-            <a:fillRef idx="1">
-              <a:schemeClr val="lt1"/>
-            </a:fillRef>
-            <a:effectRef idx="0">
-              <a:schemeClr val="accent4"/>
-            </a:effectRef>
-            <a:fontRef idx="minor">
-              <a:schemeClr val="dk1"/>
-            </a:fontRef>
-          </p:style>
-          <p:txBody>
-            <a:bodyPr rtlCol="0" anchor="ctr"/>
-            <a:lstStyle/>
-            <a:p>
-              <a:pPr algn="ctr" defTabSz="872733"/>
-              <a:endParaRPr lang="en-US" sz="1500">
-                <a:solidFill>
-                  <a:prstClr val="black"/>
-                </a:solidFill>
-              </a:endParaRPr>
-            </a:p>
-          </p:txBody>
-        </p:sp>
-        <p:sp>
-          <p:nvSpPr>
-            <p:cNvPr id="102" name="Text Box 11">
-              <a:extLst>
-                <a:ext uri="{FF2B5EF4-FFF2-40B4-BE49-F238E27FC236}">
-                  <a16:creationId xmlns:a16="http://schemas.microsoft.com/office/drawing/2014/main" id="{0A5C4813-758B-44AB-9D4B-7B0DA59CEB42}"/>
-                </a:ext>
-              </a:extLst>
-            </p:cNvPr>
-            <p:cNvSpPr txBox="1">
-              <a:spLocks noChangeArrowheads="1"/>
-            </p:cNvSpPr>
-            <p:nvPr/>
-          </p:nvSpPr>
-          <p:spPr bwMode="auto">
-            <a:xfrm>
-              <a:off x="6995972" y="2511504"/>
-              <a:ext cx="1676400" cy="600164"/>
-            </a:xfrm>
-            <a:prstGeom prst="rect">
-              <a:avLst/>
-            </a:prstGeom>
-            <a:solidFill>
-              <a:schemeClr val="bg2">
-                <a:lumMod val="75000"/>
-              </a:schemeClr>
-            </a:solidFill>
-            <a:ln w="19050">
-              <a:solidFill>
-                <a:schemeClr val="bg2">
-                  <a:lumMod val="50000"/>
-                </a:schemeClr>
-              </a:solidFill>
-              <a:headEnd/>
-              <a:tailEnd/>
-            </a:ln>
-          </p:spPr>
-          <p:style>
-            <a:lnRef idx="1">
-              <a:schemeClr val="accent4"/>
-            </a:lnRef>
-            <a:fillRef idx="2">
-              <a:schemeClr val="accent4"/>
-            </a:fillRef>
-            <a:effectRef idx="1">
-              <a:schemeClr val="accent4"/>
-            </a:effectRef>
-            <a:fontRef idx="minor">
-              <a:schemeClr val="dk1"/>
-            </a:fontRef>
-          </p:style>
-          <p:txBody>
-            <a:bodyPr wrap="square" tIns="182880" bIns="182880">
-              <a:spAutoFit/>
-            </a:bodyPr>
-            <a:lstStyle/>
-            <a:p>
-              <a:pPr algn="ctr" defTabSz="872733">
-                <a:spcBef>
-                  <a:spcPct val="50000"/>
-                </a:spcBef>
-                <a:buFont typeface="Wingdings" pitchFamily="2" charset="2"/>
-                <a:buNone/>
-              </a:pPr>
-              <a:r>
-                <a:rPr lang="en-US" sz="1500" dirty="0" err="1">
-                  <a:solidFill>
-                    <a:prstClr val="black"/>
-                  </a:solidFill>
-                </a:rPr>
-                <a:t>items:ShoppingList</a:t>
-              </a:r>
-              <a:endParaRPr lang="en-US" sz="1500" dirty="0">
-                <a:solidFill>
-                  <a:prstClr val="black"/>
-                </a:solidFill>
-              </a:endParaRPr>
-            </a:p>
-          </p:txBody>
-        </p:sp>
-        <p:sp>
-          <p:nvSpPr>
-            <p:cNvPr id="103" name="Text Box 11">
-              <a:extLst>
-                <a:ext uri="{FF2B5EF4-FFF2-40B4-BE49-F238E27FC236}">
-                  <a16:creationId xmlns:a16="http://schemas.microsoft.com/office/drawing/2014/main" id="{81837196-17D8-4E74-9CA6-ECC8D80D8EF7}"/>
-                </a:ext>
-              </a:extLst>
-            </p:cNvPr>
-            <p:cNvSpPr txBox="1">
-              <a:spLocks noChangeArrowheads="1"/>
-            </p:cNvSpPr>
-            <p:nvPr/>
-          </p:nvSpPr>
-          <p:spPr bwMode="auto">
-            <a:xfrm>
-              <a:off x="117858" y="197507"/>
-              <a:ext cx="1295400" cy="600164"/>
-            </a:xfrm>
-            <a:prstGeom prst="rect">
-              <a:avLst/>
-            </a:prstGeom>
-            <a:solidFill>
-              <a:schemeClr val="accent2">
-                <a:lumMod val="40000"/>
-                <a:lumOff val="60000"/>
-              </a:schemeClr>
-            </a:solidFill>
-            <a:ln w="19050">
-              <a:solidFill>
-                <a:schemeClr val="accent2">
-                  <a:lumMod val="60000"/>
-                  <a:lumOff val="40000"/>
-                </a:schemeClr>
-              </a:solidFill>
-              <a:headEnd/>
-              <a:tailEnd/>
-            </a:ln>
-          </p:spPr>
-          <p:style>
-            <a:lnRef idx="1">
-              <a:schemeClr val="accent4"/>
-            </a:lnRef>
-            <a:fillRef idx="2">
-              <a:schemeClr val="accent4"/>
-            </a:fillRef>
-            <a:effectRef idx="1">
-              <a:schemeClr val="accent4"/>
-            </a:effectRef>
-            <a:fontRef idx="minor">
-              <a:schemeClr val="dk1"/>
-            </a:fontRef>
-          </p:style>
-          <p:txBody>
-            <a:bodyPr tIns="182880" bIns="182880">
-              <a:spAutoFit/>
-            </a:bodyPr>
-            <a:lstStyle/>
-            <a:p>
-              <a:pPr algn="ctr" defTabSz="872733">
-                <a:spcBef>
-                  <a:spcPct val="50000"/>
-                </a:spcBef>
-                <a:buFont typeface="Wingdings" pitchFamily="2" charset="2"/>
-                <a:buNone/>
-              </a:pPr>
-              <a:r>
-                <a:rPr lang="en-US" sz="1500" dirty="0">
-                  <a:solidFill>
-                    <a:prstClr val="black"/>
-                  </a:solidFill>
-                </a:rPr>
-                <a:t>:Duke</a:t>
-              </a:r>
-            </a:p>
-          </p:txBody>
-        </p:sp>
-        <p:sp>
-          <p:nvSpPr>
-            <p:cNvPr id="104" name="Rectangle 103">
-              <a:extLst>
-                <a:ext uri="{FF2B5EF4-FFF2-40B4-BE49-F238E27FC236}">
-                  <a16:creationId xmlns:a16="http://schemas.microsoft.com/office/drawing/2014/main" id="{0DCA1B06-B503-4FA0-9EF5-D3C8B78EC963}"/>
-                </a:ext>
-              </a:extLst>
-            </p:cNvPr>
-            <p:cNvSpPr/>
-            <p:nvPr/>
-          </p:nvSpPr>
-          <p:spPr>
-            <a:xfrm>
-              <a:off x="2888219" y="2097347"/>
-              <a:ext cx="286905" cy="893938"/>
-            </a:xfrm>
-            <a:prstGeom prst="rect">
-              <a:avLst/>
-            </a:prstGeom>
-            <a:solidFill>
-              <a:schemeClr val="accent4">
-                <a:lumMod val="40000"/>
-                <a:lumOff val="60000"/>
-              </a:schemeClr>
-            </a:solidFill>
-            <a:ln>
-              <a:solidFill>
-                <a:schemeClr val="accent4">
-                  <a:lumMod val="75000"/>
-                </a:schemeClr>
-              </a:solidFill>
-            </a:ln>
-          </p:spPr>
-          <p:style>
-            <a:lnRef idx="2">
-              <a:schemeClr val="accent4"/>
-            </a:lnRef>
-            <a:fillRef idx="1">
-              <a:schemeClr val="lt1"/>
-            </a:fillRef>
-            <a:effectRef idx="0">
-              <a:schemeClr val="accent4"/>
-            </a:effectRef>
-            <a:fontRef idx="minor">
-              <a:schemeClr val="dk1"/>
-            </a:fontRef>
-          </p:style>
-          <p:txBody>
-            <a:bodyPr rtlCol="0" anchor="ctr"/>
-            <a:lstStyle/>
-            <a:p>
-              <a:pPr algn="ctr" defTabSz="872733"/>
-              <a:endParaRPr lang="en-US" sz="1500">
-                <a:solidFill>
-                  <a:prstClr val="black"/>
-                </a:solidFill>
-              </a:endParaRPr>
-            </a:p>
-          </p:txBody>
-        </p:sp>
-        <p:sp>
-          <p:nvSpPr>
-            <p:cNvPr id="105" name="Line 15">
-              <a:extLst>
-                <a:ext uri="{FF2B5EF4-FFF2-40B4-BE49-F238E27FC236}">
-                  <a16:creationId xmlns:a16="http://schemas.microsoft.com/office/drawing/2014/main" id="{4913C949-4D28-49BF-BA12-8ADF5D50FBFB}"/>
-                </a:ext>
-              </a:extLst>
-            </p:cNvPr>
-            <p:cNvSpPr>
-              <a:spLocks noChangeShapeType="1"/>
-            </p:cNvSpPr>
-            <p:nvPr/>
-          </p:nvSpPr>
-          <p:spPr bwMode="auto">
-            <a:xfrm flipV="1">
-              <a:off x="875317" y="3457250"/>
-              <a:ext cx="4588585" cy="7945"/>
-            </a:xfrm>
-            <a:prstGeom prst="line">
-              <a:avLst/>
-            </a:prstGeom>
-            <a:noFill/>
-            <a:ln w="19050">
-              <a:solidFill>
-                <a:schemeClr val="accent3">
-                  <a:lumMod val="75000"/>
-                </a:schemeClr>
-              </a:solidFill>
-              <a:round/>
-              <a:headEnd/>
-              <a:tailEnd type="triangle" w="lg" len="lg"/>
-            </a:ln>
-          </p:spPr>
-          <p:txBody>
-            <a:bodyPr/>
-            <a:lstStyle/>
-            <a:p>
-              <a:pPr defTabSz="872733"/>
-              <a:endParaRPr lang="en-US" sz="1500">
-                <a:solidFill>
-                  <a:prstClr val="black"/>
-                </a:solidFill>
-              </a:endParaRPr>
-            </a:p>
-          </p:txBody>
-        </p:sp>
-        <p:sp>
-          <p:nvSpPr>
-            <p:cNvPr id="106" name="Line 15">
-              <a:extLst>
-                <a:ext uri="{FF2B5EF4-FFF2-40B4-BE49-F238E27FC236}">
-                  <a16:creationId xmlns:a16="http://schemas.microsoft.com/office/drawing/2014/main" id="{3BC7B8D6-AF09-4EFC-BBC8-6230EC48B227}"/>
-                </a:ext>
-              </a:extLst>
-            </p:cNvPr>
-            <p:cNvSpPr>
-              <a:spLocks noChangeShapeType="1"/>
-            </p:cNvSpPr>
-            <p:nvPr/>
-          </p:nvSpPr>
-          <p:spPr bwMode="auto">
-            <a:xfrm>
-              <a:off x="5801997" y="3766449"/>
-              <a:ext cx="1970403" cy="11401"/>
-            </a:xfrm>
-            <a:prstGeom prst="line">
-              <a:avLst/>
-            </a:prstGeom>
-            <a:noFill/>
-            <a:ln w="19050">
-              <a:solidFill>
-                <a:schemeClr val="bg2">
-                  <a:lumMod val="50000"/>
-                </a:schemeClr>
-              </a:solidFill>
-              <a:round/>
-              <a:headEnd/>
-              <a:tailEnd type="triangle" w="lg" len="lg"/>
-            </a:ln>
-          </p:spPr>
-          <p:txBody>
-            <a:bodyPr/>
-            <a:lstStyle/>
-            <a:p>
-              <a:pPr defTabSz="872733"/>
-              <a:endParaRPr lang="en-US" sz="1500">
-                <a:solidFill>
-                  <a:prstClr val="black"/>
-                </a:solidFill>
-              </a:endParaRPr>
-            </a:p>
-          </p:txBody>
-        </p:sp>
-        <p:sp>
-          <p:nvSpPr>
             <p:cNvPr id="107" name="Text Box 25">
               <a:extLst>
                 <a:ext uri="{FF2B5EF4-FFF2-40B4-BE49-F238E27FC236}">
@@ -4507,7 +4021,7 @@
           </p:nvSpPr>
           <p:spPr bwMode="auto">
             <a:xfrm>
-              <a:off x="3174259" y="2225671"/>
+              <a:off x="3207676" y="2055978"/>
               <a:ext cx="2129261" cy="383512"/>
             </a:xfrm>
             <a:prstGeom prst="rect">
@@ -4545,138 +4059,6 @@
             </a:p>
           </p:txBody>
         </p:sp>
-        <p:sp>
-          <p:nvSpPr>
-            <p:cNvPr id="108" name="Line 16">
-              <a:extLst>
-                <a:ext uri="{FF2B5EF4-FFF2-40B4-BE49-F238E27FC236}">
-                  <a16:creationId xmlns:a16="http://schemas.microsoft.com/office/drawing/2014/main" id="{757C0522-BE0F-4BA1-8432-59F0C72E21FD}"/>
-                </a:ext>
-              </a:extLst>
-            </p:cNvPr>
-            <p:cNvSpPr>
-              <a:spLocks noChangeShapeType="1"/>
-            </p:cNvSpPr>
-            <p:nvPr/>
-          </p:nvSpPr>
-          <p:spPr bwMode="auto">
-            <a:xfrm flipH="1">
-              <a:off x="852246" y="2972051"/>
-              <a:ext cx="2016629" cy="7945"/>
-            </a:xfrm>
-            <a:prstGeom prst="line">
-              <a:avLst/>
-            </a:prstGeom>
-            <a:noFill/>
-            <a:ln w="19050">
-              <a:solidFill>
-                <a:schemeClr val="accent4"/>
-              </a:solidFill>
-              <a:prstDash val="sysDash"/>
-              <a:round/>
-              <a:headEnd/>
-              <a:tailEnd type="triangle" w="lg" len="lg"/>
-            </a:ln>
-          </p:spPr>
-          <p:txBody>
-            <a:bodyPr/>
-            <a:lstStyle/>
-            <a:p>
-              <a:pPr defTabSz="872733"/>
-              <a:endParaRPr lang="en-US" sz="1500">
-                <a:solidFill>
-                  <a:prstClr val="black"/>
-                </a:solidFill>
-              </a:endParaRPr>
-            </a:p>
-          </p:txBody>
-        </p:sp>
-        <p:cxnSp>
-          <p:nvCxnSpPr>
-            <p:cNvPr id="109" name="Straight Connector 108">
-              <a:extLst>
-                <a:ext uri="{FF2B5EF4-FFF2-40B4-BE49-F238E27FC236}">
-                  <a16:creationId xmlns:a16="http://schemas.microsoft.com/office/drawing/2014/main" id="{3B72E2DA-157E-43DE-B1F8-45B67BCA9782}"/>
-                </a:ext>
-              </a:extLst>
-            </p:cNvPr>
-            <p:cNvCxnSpPr/>
-            <p:nvPr/>
-          </p:nvCxnSpPr>
-          <p:spPr>
-            <a:xfrm rot="16200000" flipV="1">
-              <a:off x="2879243" y="3078093"/>
-              <a:ext cx="284430" cy="267655"/>
-            </a:xfrm>
-            <a:prstGeom prst="line">
-              <a:avLst/>
-            </a:prstGeom>
-            <a:ln w="19050">
-              <a:solidFill>
-                <a:schemeClr val="accent4">
-                  <a:lumMod val="75000"/>
-                </a:schemeClr>
-              </a:solidFill>
-            </a:ln>
-          </p:spPr>
-          <p:style>
-            <a:lnRef idx="1">
-              <a:schemeClr val="accent1"/>
-            </a:lnRef>
-            <a:fillRef idx="0">
-              <a:schemeClr val="accent1"/>
-            </a:fillRef>
-            <a:effectRef idx="0">
-              <a:schemeClr val="accent1"/>
-            </a:effectRef>
-            <a:fontRef idx="minor">
-              <a:schemeClr val="tx1"/>
-            </a:fontRef>
-          </p:style>
-        </p:cxnSp>
-        <p:cxnSp>
-          <p:nvCxnSpPr>
-            <p:cNvPr id="110" name="Straight Connector 109">
-              <a:extLst>
-                <a:ext uri="{FF2B5EF4-FFF2-40B4-BE49-F238E27FC236}">
-                  <a16:creationId xmlns:a16="http://schemas.microsoft.com/office/drawing/2014/main" id="{51ED3ECB-25B7-4BF0-AE51-6F46B0473726}"/>
-                </a:ext>
-              </a:extLst>
-            </p:cNvPr>
-            <p:cNvCxnSpPr/>
-            <p:nvPr/>
-          </p:nvCxnSpPr>
-          <p:spPr>
-            <a:xfrm rot="5400000">
-              <a:off x="2872653" y="3082587"/>
-              <a:ext cx="288175" cy="266007"/>
-            </a:xfrm>
-            <a:prstGeom prst="line">
-              <a:avLst/>
-            </a:prstGeom>
-            <a:ln w="19050">
-              <a:solidFill>
-                <a:schemeClr val="accent4">
-                  <a:lumMod val="75000"/>
-                </a:schemeClr>
-              </a:solidFill>
-            </a:ln>
-          </p:spPr>
-          <p:style>
-            <a:lnRef idx="1">
-              <a:schemeClr val="accent1"/>
-            </a:lnRef>
-            <a:fillRef idx="0">
-              <a:schemeClr val="accent1"/>
-            </a:fillRef>
-            <a:effectRef idx="0">
-              <a:schemeClr val="accent1"/>
-            </a:effectRef>
-            <a:fontRef idx="minor">
-              <a:schemeClr val="tx1"/>
-            </a:fontRef>
-          </p:style>
-        </p:cxnSp>
         <p:sp>
           <p:nvSpPr>
             <p:cNvPr id="111" name="Text Box 25">
@@ -4729,355 +4111,6 @@
         </p:sp>
         <p:sp>
           <p:nvSpPr>
-            <p:cNvPr id="112" name="Line 13">
-              <a:extLst>
-                <a:ext uri="{FF2B5EF4-FFF2-40B4-BE49-F238E27FC236}">
-                  <a16:creationId xmlns:a16="http://schemas.microsoft.com/office/drawing/2014/main" id="{E647F09F-5494-4C2B-A704-DF4D6633D30D}"/>
-                </a:ext>
-              </a:extLst>
-            </p:cNvPr>
-            <p:cNvSpPr>
-              <a:spLocks noChangeShapeType="1"/>
-            </p:cNvSpPr>
-            <p:nvPr/>
-          </p:nvSpPr>
-          <p:spPr bwMode="auto">
-            <a:xfrm>
-              <a:off x="7827642" y="3139118"/>
-              <a:ext cx="43793" cy="3478879"/>
-            </a:xfrm>
-            <a:prstGeom prst="line">
-              <a:avLst/>
-            </a:prstGeom>
-            <a:ln>
-              <a:solidFill>
-                <a:schemeClr val="bg2">
-                  <a:lumMod val="50000"/>
-                </a:schemeClr>
-              </a:solidFill>
-              <a:prstDash val="sysDash"/>
-              <a:headEnd/>
-              <a:tailEnd/>
-            </a:ln>
-          </p:spPr>
-          <p:style>
-            <a:lnRef idx="2">
-              <a:schemeClr val="accent4"/>
-            </a:lnRef>
-            <a:fillRef idx="0">
-              <a:schemeClr val="accent4"/>
-            </a:fillRef>
-            <a:effectRef idx="1">
-              <a:schemeClr val="accent4"/>
-            </a:effectRef>
-            <a:fontRef idx="minor">
-              <a:schemeClr val="tx1"/>
-            </a:fontRef>
-          </p:style>
-          <p:txBody>
-            <a:bodyPr/>
-            <a:lstStyle/>
-            <a:p>
-              <a:pPr defTabSz="872733"/>
-              <a:endParaRPr lang="en-US" sz="1500">
-                <a:solidFill>
-                  <a:prstClr val="black"/>
-                </a:solidFill>
-              </a:endParaRPr>
-            </a:p>
-          </p:txBody>
-        </p:sp>
-        <p:sp>
-          <p:nvSpPr>
-            <p:cNvPr id="113" name="Rectangle 112">
-              <a:extLst>
-                <a:ext uri="{FF2B5EF4-FFF2-40B4-BE49-F238E27FC236}">
-                  <a16:creationId xmlns:a16="http://schemas.microsoft.com/office/drawing/2014/main" id="{2058F69D-5981-46E3-850F-1C576AFA312F}"/>
-                </a:ext>
-              </a:extLst>
-            </p:cNvPr>
-            <p:cNvSpPr/>
-            <p:nvPr/>
-          </p:nvSpPr>
-          <p:spPr>
-            <a:xfrm>
-              <a:off x="7749639" y="3766447"/>
-              <a:ext cx="251361" cy="1864407"/>
-            </a:xfrm>
-            <a:prstGeom prst="rect">
-              <a:avLst/>
-            </a:prstGeom>
-            <a:solidFill>
-              <a:schemeClr val="bg2">
-                <a:lumMod val="75000"/>
-              </a:schemeClr>
-            </a:solidFill>
-            <a:ln>
-              <a:solidFill>
-                <a:schemeClr val="bg2">
-                  <a:lumMod val="50000"/>
-                </a:schemeClr>
-              </a:solidFill>
-            </a:ln>
-          </p:spPr>
-          <p:style>
-            <a:lnRef idx="2">
-              <a:schemeClr val="accent4"/>
-            </a:lnRef>
-            <a:fillRef idx="1">
-              <a:schemeClr val="lt1"/>
-            </a:fillRef>
-            <a:effectRef idx="0">
-              <a:schemeClr val="accent4"/>
-            </a:effectRef>
-            <a:fontRef idx="minor">
-              <a:schemeClr val="dk1"/>
-            </a:fontRef>
-          </p:style>
-          <p:txBody>
-            <a:bodyPr rtlCol="0" anchor="ctr"/>
-            <a:lstStyle/>
-            <a:p>
-              <a:pPr algn="ctr" defTabSz="872733"/>
-              <a:endParaRPr lang="en-US" sz="1500">
-                <a:solidFill>
-                  <a:prstClr val="black"/>
-                </a:solidFill>
-              </a:endParaRPr>
-            </a:p>
-          </p:txBody>
-        </p:sp>
-        <p:cxnSp>
-          <p:nvCxnSpPr>
-            <p:cNvPr id="114" name="Straight Connector 113">
-              <a:extLst>
-                <a:ext uri="{FF2B5EF4-FFF2-40B4-BE49-F238E27FC236}">
-                  <a16:creationId xmlns:a16="http://schemas.microsoft.com/office/drawing/2014/main" id="{4697F763-EEB5-49FB-A3CB-8912523129B9}"/>
-                </a:ext>
-              </a:extLst>
-            </p:cNvPr>
-            <p:cNvCxnSpPr/>
-            <p:nvPr/>
-          </p:nvCxnSpPr>
-          <p:spPr>
-            <a:xfrm rot="16200000" flipV="1">
-              <a:off x="5459408" y="5597682"/>
-              <a:ext cx="284430" cy="267655"/>
-            </a:xfrm>
-            <a:prstGeom prst="line">
-              <a:avLst/>
-            </a:prstGeom>
-            <a:ln w="19050">
-              <a:solidFill>
-                <a:schemeClr val="accent3">
-                  <a:lumMod val="75000"/>
-                </a:schemeClr>
-              </a:solidFill>
-            </a:ln>
-          </p:spPr>
-          <p:style>
-            <a:lnRef idx="1">
-              <a:schemeClr val="accent1"/>
-            </a:lnRef>
-            <a:fillRef idx="0">
-              <a:schemeClr val="accent1"/>
-            </a:fillRef>
-            <a:effectRef idx="0">
-              <a:schemeClr val="accent1"/>
-            </a:effectRef>
-            <a:fontRef idx="minor">
-              <a:schemeClr val="tx1"/>
-            </a:fontRef>
-          </p:style>
-        </p:cxnSp>
-        <p:cxnSp>
-          <p:nvCxnSpPr>
-            <p:cNvPr id="115" name="Straight Connector 114">
-              <a:extLst>
-                <a:ext uri="{FF2B5EF4-FFF2-40B4-BE49-F238E27FC236}">
-                  <a16:creationId xmlns:a16="http://schemas.microsoft.com/office/drawing/2014/main" id="{182D8779-2EB9-4717-A474-9A3FE00EB31A}"/>
-                </a:ext>
-              </a:extLst>
-            </p:cNvPr>
-            <p:cNvCxnSpPr/>
-            <p:nvPr/>
-          </p:nvCxnSpPr>
-          <p:spPr>
-            <a:xfrm rot="5400000">
-              <a:off x="5452818" y="5602176"/>
-              <a:ext cx="288175" cy="266007"/>
-            </a:xfrm>
-            <a:prstGeom prst="line">
-              <a:avLst/>
-            </a:prstGeom>
-            <a:ln w="19050">
-              <a:solidFill>
-                <a:schemeClr val="accent3">
-                  <a:lumMod val="75000"/>
-                </a:schemeClr>
-              </a:solidFill>
-            </a:ln>
-          </p:spPr>
-          <p:style>
-            <a:lnRef idx="1">
-              <a:schemeClr val="accent1"/>
-            </a:lnRef>
-            <a:fillRef idx="0">
-              <a:schemeClr val="accent1"/>
-            </a:fillRef>
-            <a:effectRef idx="0">
-              <a:schemeClr val="accent1"/>
-            </a:effectRef>
-            <a:fontRef idx="minor">
-              <a:schemeClr val="tx1"/>
-            </a:fontRef>
-          </p:style>
-        </p:cxnSp>
-        <p:sp>
-          <p:nvSpPr>
-            <p:cNvPr id="116" name="Line 16">
-              <a:extLst>
-                <a:ext uri="{FF2B5EF4-FFF2-40B4-BE49-F238E27FC236}">
-                  <a16:creationId xmlns:a16="http://schemas.microsoft.com/office/drawing/2014/main" id="{9C50A62B-DCD1-48B7-981F-0FC2C67C1D1E}"/>
-                </a:ext>
-              </a:extLst>
-            </p:cNvPr>
-            <p:cNvSpPr>
-              <a:spLocks noChangeShapeType="1"/>
-            </p:cNvSpPr>
-            <p:nvPr/>
-          </p:nvSpPr>
-          <p:spPr bwMode="auto">
-            <a:xfrm flipH="1" flipV="1">
-              <a:off x="5806643" y="4042808"/>
-              <a:ext cx="1936888" cy="11401"/>
-            </a:xfrm>
-            <a:prstGeom prst="line">
-              <a:avLst/>
-            </a:prstGeom>
-            <a:noFill/>
-            <a:ln w="19050">
-              <a:solidFill>
-                <a:schemeClr val="bg2">
-                  <a:lumMod val="50000"/>
-                </a:schemeClr>
-              </a:solidFill>
-              <a:prstDash val="sysDash"/>
-              <a:round/>
-              <a:headEnd/>
-              <a:tailEnd type="triangle" w="lg" len="lg"/>
-            </a:ln>
-          </p:spPr>
-          <p:txBody>
-            <a:bodyPr/>
-            <a:lstStyle/>
-            <a:p>
-              <a:pPr defTabSz="872733"/>
-              <a:endParaRPr lang="en-US" sz="1500">
-                <a:solidFill>
-                  <a:prstClr val="black"/>
-                </a:solidFill>
-              </a:endParaRPr>
-            </a:p>
-          </p:txBody>
-        </p:sp>
-        <p:sp>
-          <p:nvSpPr>
-            <p:cNvPr id="117" name="Rectangle 116">
-              <a:extLst>
-                <a:ext uri="{FF2B5EF4-FFF2-40B4-BE49-F238E27FC236}">
-                  <a16:creationId xmlns:a16="http://schemas.microsoft.com/office/drawing/2014/main" id="{D52E911C-63C8-44D5-B3A1-BE9F7893936F}"/>
-                </a:ext>
-              </a:extLst>
-            </p:cNvPr>
-            <p:cNvSpPr/>
-            <p:nvPr/>
-          </p:nvSpPr>
-          <p:spPr>
-            <a:xfrm>
-              <a:off x="5181600" y="4330145"/>
-              <a:ext cx="3358510" cy="677640"/>
-            </a:xfrm>
-            <a:prstGeom prst="rect">
-              <a:avLst/>
-            </a:prstGeom>
-            <a:ln/>
-          </p:spPr>
-          <p:style>
-            <a:lnRef idx="1">
-              <a:schemeClr val="accent1"/>
-            </a:lnRef>
-            <a:fillRef idx="2">
-              <a:schemeClr val="accent1"/>
-            </a:fillRef>
-            <a:effectRef idx="1">
-              <a:schemeClr val="accent1"/>
-            </a:effectRef>
-            <a:fontRef idx="minor">
-              <a:schemeClr val="dk1"/>
-            </a:fontRef>
-          </p:style>
-          <p:txBody>
-            <a:bodyPr rtlCol="0" anchor="ctr"/>
-            <a:lstStyle/>
-            <a:p>
-              <a:pPr algn="ctr"/>
-              <a:endParaRPr lang="en-SG"/>
-            </a:p>
-          </p:txBody>
-        </p:sp>
-        <p:sp>
-          <p:nvSpPr>
-            <p:cNvPr id="118" name="Rectangle: Top Corners One Rounded and One Snipped 117">
-              <a:extLst>
-                <a:ext uri="{FF2B5EF4-FFF2-40B4-BE49-F238E27FC236}">
-                  <a16:creationId xmlns:a16="http://schemas.microsoft.com/office/drawing/2014/main" id="{CEDA5A0C-8037-4F6B-A1D8-5ACF70F214BB}"/>
-                </a:ext>
-              </a:extLst>
-            </p:cNvPr>
-            <p:cNvSpPr/>
-            <p:nvPr/>
-          </p:nvSpPr>
-          <p:spPr>
-            <a:xfrm rot="10800000" flipH="1">
-              <a:off x="5181601" y="4330372"/>
-              <a:ext cx="879852" cy="338592"/>
-            </a:xfrm>
-            <a:prstGeom prst="snipRoundRect">
-              <a:avLst/>
-            </a:prstGeom>
-            <a:solidFill>
-              <a:schemeClr val="bg1">
-                <a:lumMod val="95000"/>
-              </a:schemeClr>
-            </a:solidFill>
-            <a:ln/>
-          </p:spPr>
-          <p:style>
-            <a:lnRef idx="1">
-              <a:schemeClr val="accent5"/>
-            </a:lnRef>
-            <a:fillRef idx="2">
-              <a:schemeClr val="accent5"/>
-            </a:fillRef>
-            <a:effectRef idx="1">
-              <a:schemeClr val="accent5"/>
-            </a:effectRef>
-            <a:fontRef idx="minor">
-              <a:schemeClr val="dk1"/>
-            </a:fontRef>
-          </p:style>
-          <p:txBody>
-            <a:bodyPr rtlCol="0" anchor="ctr"/>
-            <a:lstStyle/>
-            <a:p>
-              <a:pPr algn="ctr"/>
-              <a:endParaRPr lang="en-SG" dirty="0"/>
-            </a:p>
-          </p:txBody>
-        </p:sp>
-        <p:sp>
-          <p:nvSpPr>
             <p:cNvPr id="119" name="TextBox 118">
               <a:extLst>
                 <a:ext uri="{FF2B5EF4-FFF2-40B4-BE49-F238E27FC236}">
@@ -5090,7 +4123,7 @@
           </p:nvSpPr>
           <p:spPr>
             <a:xfrm>
-              <a:off x="5359819" y="4293697"/>
+              <a:off x="5361835" y="4202113"/>
               <a:ext cx="522258" cy="646331"/>
             </a:xfrm>
             <a:prstGeom prst="rect">
@@ -5114,42 +4147,1031 @@
             </a:p>
           </p:txBody>
         </p:sp>
-        <p:sp>
-          <p:nvSpPr>
-            <p:cNvPr id="120" name="TextBox 119">
-              <a:extLst>
-                <a:ext uri="{FF2B5EF4-FFF2-40B4-BE49-F238E27FC236}">
-                  <a16:creationId xmlns:a16="http://schemas.microsoft.com/office/drawing/2014/main" id="{42BB2938-4003-4F1B-8660-D5A75058ADB1}"/>
-                </a:ext>
-              </a:extLst>
-            </p:cNvPr>
-            <p:cNvSpPr txBox="1"/>
-            <p:nvPr/>
-          </p:nvSpPr>
-          <p:spPr>
-            <a:xfrm>
-              <a:off x="6050831" y="4468542"/>
-              <a:ext cx="1674611" cy="438300"/>
-            </a:xfrm>
-            <a:prstGeom prst="rect">
-              <a:avLst/>
-            </a:prstGeom>
-            <a:noFill/>
-          </p:spPr>
-          <p:txBody>
-            <a:bodyPr wrap="none" rtlCol="0">
-              <a:spAutoFit/>
-            </a:bodyPr>
-            <a:lstStyle/>
-            <a:p>
-              <a:r>
-                <a:rPr lang="en-SG" dirty="0"/>
-                <a:t>Add item values</a:t>
-              </a:r>
-            </a:p>
-          </p:txBody>
-        </p:sp>
       </p:grpSp>
+      <p:sp>
+        <p:nvSpPr>
+          <p:cNvPr id="37" name="Text Box 11">
+            <a:extLst>
+              <a:ext uri="{FF2B5EF4-FFF2-40B4-BE49-F238E27FC236}">
+                <a16:creationId xmlns:a16="http://schemas.microsoft.com/office/drawing/2014/main" id="{54118027-4A8E-421B-BAE3-D7C628849D42}"/>
+              </a:ext>
+            </a:extLst>
+          </p:cNvPr>
+          <p:cNvSpPr txBox="1">
+            <a:spLocks noChangeArrowheads="1"/>
+          </p:cNvSpPr>
+          <p:nvPr/>
+        </p:nvSpPr>
+        <p:spPr bwMode="auto">
+          <a:xfrm>
+            <a:off x="6528339" y="2279952"/>
+            <a:ext cx="1607121" cy="600164"/>
+          </a:xfrm>
+          <a:prstGeom prst="rect">
+            <a:avLst/>
+          </a:prstGeom>
+          <a:gradFill rotWithShape="1">
+            <a:gsLst>
+              <a:gs pos="0">
+                <a:srgbClr val="9BBB59">
+                  <a:tint val="50000"/>
+                  <a:satMod val="300000"/>
+                </a:srgbClr>
+              </a:gs>
+              <a:gs pos="35000">
+                <a:srgbClr val="9BBB59">
+                  <a:tint val="37000"/>
+                  <a:satMod val="300000"/>
+                </a:srgbClr>
+              </a:gs>
+              <a:gs pos="100000">
+                <a:srgbClr val="9BBB59">
+                  <a:tint val="15000"/>
+                  <a:satMod val="350000"/>
+                </a:srgbClr>
+              </a:gs>
+            </a:gsLst>
+            <a:lin ang="16200000" scaled="1"/>
+          </a:gradFill>
+          <a:ln w="19050" cap="flat" cmpd="sng" algn="ctr">
+            <a:solidFill>
+              <a:srgbClr val="9BBB59">
+                <a:shade val="95000"/>
+                <a:satMod val="105000"/>
+              </a:srgbClr>
+            </a:solidFill>
+            <a:prstDash val="solid"/>
+            <a:headEnd/>
+            <a:tailEnd/>
+          </a:ln>
+          <a:effectLst>
+            <a:outerShdw blurRad="40000" dist="20000" dir="5400000" rotWithShape="0">
+              <a:srgbClr val="000000">
+                <a:alpha val="38000"/>
+              </a:srgbClr>
+            </a:outerShdw>
+          </a:effectLst>
+        </p:spPr>
+        <p:txBody>
+          <a:bodyPr wrap="square" tIns="182880" bIns="182880">
+            <a:spAutoFit/>
+          </a:bodyPr>
+          <a:lstStyle/>
+          <a:p>
+            <a:pPr marL="0" marR="0" lvl="0" indent="0" algn="ctr" defTabSz="872733" eaLnBrk="1" fontAlgn="auto" latinLnBrk="0" hangingPunct="1">
+              <a:lnSpc>
+                <a:spcPct val="100000"/>
+              </a:lnSpc>
+              <a:spcBef>
+                <a:spcPct val="50000"/>
+              </a:spcBef>
+              <a:spcAft>
+                <a:spcPts val="0"/>
+              </a:spcAft>
+              <a:buClrTx/>
+              <a:buSzTx/>
+              <a:buFont typeface="Wingdings" pitchFamily="2" charset="2"/>
+              <a:buNone/>
+              <a:tabLst/>
+              <a:defRPr/>
+            </a:pPr>
+            <a:r>
+              <a:rPr kumimoji="0" lang="en-US" sz="1500" b="0" i="0" u="none" strike="noStrike" kern="0" cap="none" spc="0" normalizeH="0" baseline="0" noProof="0" dirty="0">
+                <a:ln>
+                  <a:noFill/>
+                </a:ln>
+                <a:solidFill>
+                  <a:prstClr val="black"/>
+                </a:solidFill>
+                <a:effectLst/>
+                <a:uLnTx/>
+                <a:uFillTx/>
+                <a:latin typeface="Calibri"/>
+                <a:ea typeface="+mn-ea"/>
+                <a:cs typeface="+mn-cs"/>
+              </a:rPr>
+              <a:t>:</a:t>
+            </a:r>
+            <a:r>
+              <a:rPr lang="en-US" sz="1500" kern="0" dirty="0">
+                <a:solidFill>
+                  <a:prstClr val="black"/>
+                </a:solidFill>
+                <a:latin typeface="Calibri"/>
+              </a:rPr>
+              <a:t>Add</a:t>
+            </a:r>
+            <a:r>
+              <a:rPr kumimoji="0" lang="en-US" sz="1500" b="0" i="0" u="none" strike="noStrike" kern="0" cap="none" spc="0" normalizeH="0" baseline="0" noProof="0" dirty="0">
+                <a:ln>
+                  <a:noFill/>
+                </a:ln>
+                <a:solidFill>
+                  <a:prstClr val="black"/>
+                </a:solidFill>
+                <a:effectLst/>
+                <a:uLnTx/>
+                <a:uFillTx/>
+                <a:latin typeface="Calibri"/>
+                <a:ea typeface="+mn-ea"/>
+                <a:cs typeface="+mn-cs"/>
+              </a:rPr>
+              <a:t>Command</a:t>
+            </a:r>
+          </a:p>
+        </p:txBody>
+      </p:sp>
+      <p:sp>
+        <p:nvSpPr>
+          <p:cNvPr id="38" name="Text Box 11">
+            <a:extLst>
+              <a:ext uri="{FF2B5EF4-FFF2-40B4-BE49-F238E27FC236}">
+                <a16:creationId xmlns:a16="http://schemas.microsoft.com/office/drawing/2014/main" id="{043404F8-7B88-4F8D-9CFD-8AC4A4F2E0DC}"/>
+              </a:ext>
+            </a:extLst>
+          </p:cNvPr>
+          <p:cNvSpPr txBox="1">
+            <a:spLocks noChangeArrowheads="1"/>
+          </p:cNvSpPr>
+          <p:nvPr/>
+        </p:nvSpPr>
+        <p:spPr bwMode="auto">
+          <a:xfrm>
+            <a:off x="8729376" y="2666857"/>
+            <a:ext cx="1687391" cy="505726"/>
+          </a:xfrm>
+          <a:prstGeom prst="rect">
+            <a:avLst/>
+          </a:prstGeom>
+          <a:solidFill>
+            <a:srgbClr val="EEECE1">
+              <a:lumMod val="75000"/>
+            </a:srgbClr>
+          </a:solidFill>
+          <a:ln w="19050" cap="flat" cmpd="sng" algn="ctr">
+            <a:solidFill>
+              <a:srgbClr val="EEECE1">
+                <a:lumMod val="50000"/>
+              </a:srgbClr>
+            </a:solidFill>
+            <a:prstDash val="solid"/>
+            <a:headEnd/>
+            <a:tailEnd/>
+          </a:ln>
+          <a:effectLst>
+            <a:outerShdw blurRad="40000" dist="20000" dir="5400000" rotWithShape="0">
+              <a:srgbClr val="000000">
+                <a:alpha val="38000"/>
+              </a:srgbClr>
+            </a:outerShdw>
+          </a:effectLst>
+        </p:spPr>
+        <p:txBody>
+          <a:bodyPr wrap="square" tIns="182880" bIns="182880">
+            <a:spAutoFit/>
+          </a:bodyPr>
+          <a:lstStyle/>
+          <a:p>
+            <a:pPr marL="0" marR="0" lvl="0" indent="0" algn="ctr" defTabSz="872733" eaLnBrk="1" fontAlgn="auto" latinLnBrk="0" hangingPunct="1">
+              <a:lnSpc>
+                <a:spcPct val="100000"/>
+              </a:lnSpc>
+              <a:spcBef>
+                <a:spcPct val="50000"/>
+              </a:spcBef>
+              <a:spcAft>
+                <a:spcPts val="0"/>
+              </a:spcAft>
+              <a:buClrTx/>
+              <a:buSzTx/>
+              <a:buFont typeface="Wingdings" pitchFamily="2" charset="2"/>
+              <a:buNone/>
+              <a:tabLst/>
+              <a:defRPr/>
+            </a:pPr>
+            <a:r>
+              <a:rPr kumimoji="0" lang="en-US" sz="1500" b="0" i="0" u="none" strike="noStrike" kern="0" cap="none" spc="0" normalizeH="0" baseline="0" noProof="0" dirty="0" err="1">
+                <a:ln>
+                  <a:noFill/>
+                </a:ln>
+                <a:solidFill>
+                  <a:prstClr val="black"/>
+                </a:solidFill>
+                <a:effectLst/>
+                <a:uLnTx/>
+                <a:uFillTx/>
+                <a:latin typeface="Calibri"/>
+                <a:ea typeface="+mn-ea"/>
+                <a:cs typeface="+mn-cs"/>
+              </a:rPr>
+              <a:t>items:ShoppingList</a:t>
+            </a:r>
+            <a:endParaRPr kumimoji="0" lang="en-US" sz="1500" b="0" i="0" u="none" strike="noStrike" kern="0" cap="none" spc="0" normalizeH="0" baseline="0" noProof="0" dirty="0">
+              <a:ln>
+                <a:noFill/>
+              </a:ln>
+              <a:solidFill>
+                <a:prstClr val="black"/>
+              </a:solidFill>
+              <a:effectLst/>
+              <a:uLnTx/>
+              <a:uFillTx/>
+              <a:latin typeface="Calibri"/>
+              <a:ea typeface="+mn-ea"/>
+              <a:cs typeface="+mn-cs"/>
+            </a:endParaRPr>
+          </a:p>
+        </p:txBody>
+      </p:sp>
+      <p:sp>
+        <p:nvSpPr>
+          <p:cNvPr id="39" name="Line 13">
+            <a:extLst>
+              <a:ext uri="{FF2B5EF4-FFF2-40B4-BE49-F238E27FC236}">
+                <a16:creationId xmlns:a16="http://schemas.microsoft.com/office/drawing/2014/main" id="{D0F61AED-B849-4DC8-A7C5-65593EB08BD5}"/>
+              </a:ext>
+            </a:extLst>
+          </p:cNvPr>
+          <p:cNvSpPr>
+            <a:spLocks noChangeShapeType="1"/>
+          </p:cNvSpPr>
+          <p:nvPr/>
+        </p:nvSpPr>
+        <p:spPr bwMode="auto">
+          <a:xfrm>
+            <a:off x="2434908" y="1184711"/>
+            <a:ext cx="15362" cy="5131868"/>
+          </a:xfrm>
+          <a:prstGeom prst="line">
+            <a:avLst/>
+          </a:prstGeom>
+          <a:noFill/>
+          <a:ln w="25400" cap="flat" cmpd="sng" algn="ctr">
+            <a:solidFill>
+              <a:srgbClr val="C0504D">
+                <a:lumMod val="60000"/>
+                <a:lumOff val="40000"/>
+              </a:srgbClr>
+            </a:solidFill>
+            <a:prstDash val="sysDash"/>
+            <a:headEnd/>
+            <a:tailEnd/>
+          </a:ln>
+          <a:effectLst>
+            <a:outerShdw blurRad="40000" dist="20000" dir="5400000" rotWithShape="0">
+              <a:srgbClr val="000000">
+                <a:alpha val="38000"/>
+              </a:srgbClr>
+            </a:outerShdw>
+          </a:effectLst>
+        </p:spPr>
+        <p:txBody>
+          <a:bodyPr/>
+          <a:lstStyle/>
+          <a:p>
+            <a:pPr marL="0" marR="0" lvl="0" indent="0" defTabSz="872733" eaLnBrk="1" fontAlgn="auto" latinLnBrk="0" hangingPunct="1">
+              <a:lnSpc>
+                <a:spcPct val="100000"/>
+              </a:lnSpc>
+              <a:spcBef>
+                <a:spcPts val="0"/>
+              </a:spcBef>
+              <a:spcAft>
+                <a:spcPts val="0"/>
+              </a:spcAft>
+              <a:buClrTx/>
+              <a:buSzTx/>
+              <a:buFontTx/>
+              <a:buNone/>
+              <a:tabLst/>
+              <a:defRPr/>
+            </a:pPr>
+            <a:endParaRPr kumimoji="0" lang="en-US" sz="1500" b="0" i="0" u="none" strike="noStrike" kern="0" cap="none" spc="0" normalizeH="0" baseline="0" noProof="0">
+              <a:ln>
+                <a:noFill/>
+              </a:ln>
+              <a:solidFill>
+                <a:prstClr val="black"/>
+              </a:solidFill>
+              <a:effectLst/>
+              <a:uLnTx/>
+              <a:uFillTx/>
+              <a:latin typeface="Calibri"/>
+              <a:ea typeface="+mn-ea"/>
+              <a:cs typeface="+mn-cs"/>
+            </a:endParaRPr>
+          </a:p>
+        </p:txBody>
+      </p:sp>
+      <p:sp>
+        <p:nvSpPr>
+          <p:cNvPr id="40" name="Line 13">
+            <a:extLst>
+              <a:ext uri="{FF2B5EF4-FFF2-40B4-BE49-F238E27FC236}">
+                <a16:creationId xmlns:a16="http://schemas.microsoft.com/office/drawing/2014/main" id="{6C770B5C-0777-458D-82AA-2C9A24C3F4B2}"/>
+              </a:ext>
+            </a:extLst>
+          </p:cNvPr>
+          <p:cNvSpPr>
+            <a:spLocks noChangeShapeType="1"/>
+          </p:cNvSpPr>
+          <p:nvPr/>
+        </p:nvSpPr>
+        <p:spPr bwMode="auto">
+          <a:xfrm flipH="1">
+            <a:off x="4722653" y="1870004"/>
+            <a:ext cx="8645" cy="1340586"/>
+          </a:xfrm>
+          <a:prstGeom prst="line">
+            <a:avLst/>
+          </a:prstGeom>
+          <a:noFill/>
+          <a:ln w="25400" cap="flat" cmpd="sng" algn="ctr">
+            <a:solidFill>
+              <a:srgbClr val="8064A2">
+                <a:lumMod val="75000"/>
+              </a:srgbClr>
+            </a:solidFill>
+            <a:prstDash val="sysDash"/>
+            <a:headEnd/>
+            <a:tailEnd/>
+          </a:ln>
+          <a:effectLst>
+            <a:outerShdw blurRad="40000" dist="20000" dir="5400000" rotWithShape="0">
+              <a:srgbClr val="000000">
+                <a:alpha val="38000"/>
+              </a:srgbClr>
+            </a:outerShdw>
+          </a:effectLst>
+        </p:spPr>
+        <p:txBody>
+          <a:bodyPr/>
+          <a:lstStyle/>
+          <a:p>
+            <a:pPr marL="0" marR="0" lvl="0" indent="0" defTabSz="872733" eaLnBrk="1" fontAlgn="auto" latinLnBrk="0" hangingPunct="1">
+              <a:lnSpc>
+                <a:spcPct val="100000"/>
+              </a:lnSpc>
+              <a:spcBef>
+                <a:spcPts val="0"/>
+              </a:spcBef>
+              <a:spcAft>
+                <a:spcPts val="0"/>
+              </a:spcAft>
+              <a:buClrTx/>
+              <a:buSzTx/>
+              <a:buFontTx/>
+              <a:buNone/>
+              <a:tabLst/>
+              <a:defRPr/>
+            </a:pPr>
+            <a:endParaRPr kumimoji="0" lang="en-US" sz="1500" b="0" i="0" u="none" strike="noStrike" kern="0" cap="none" spc="0" normalizeH="0" baseline="0" noProof="0" dirty="0">
+              <a:ln>
+                <a:noFill/>
+              </a:ln>
+              <a:solidFill>
+                <a:prstClr val="black"/>
+              </a:solidFill>
+              <a:effectLst/>
+              <a:uLnTx/>
+              <a:uFillTx/>
+              <a:latin typeface="Calibri"/>
+              <a:ea typeface="+mn-ea"/>
+              <a:cs typeface="+mn-cs"/>
+            </a:endParaRPr>
+          </a:p>
+        </p:txBody>
+      </p:sp>
+      <p:cxnSp>
+        <p:nvCxnSpPr>
+          <p:cNvPr id="41" name="Straight Connector 40">
+            <a:extLst>
+              <a:ext uri="{FF2B5EF4-FFF2-40B4-BE49-F238E27FC236}">
+                <a16:creationId xmlns:a16="http://schemas.microsoft.com/office/drawing/2014/main" id="{3289DF2C-E671-4C9E-ACAD-FB6369AFA448}"/>
+              </a:ext>
+            </a:extLst>
+          </p:cNvPr>
+          <p:cNvCxnSpPr/>
+          <p:nvPr/>
+        </p:nvCxnSpPr>
+        <p:spPr>
+          <a:xfrm rot="16200000" flipV="1">
+            <a:off x="4600017" y="3147872"/>
+            <a:ext cx="239674" cy="269410"/>
+          </a:xfrm>
+          <a:prstGeom prst="line">
+            <a:avLst/>
+          </a:prstGeom>
+          <a:noFill/>
+          <a:ln w="19050" cap="flat" cmpd="sng" algn="ctr">
+            <a:solidFill>
+              <a:srgbClr val="8064A2">
+                <a:lumMod val="75000"/>
+              </a:srgbClr>
+            </a:solidFill>
+            <a:prstDash val="solid"/>
+          </a:ln>
+          <a:effectLst/>
+        </p:spPr>
+      </p:cxnSp>
+      <p:cxnSp>
+        <p:nvCxnSpPr>
+          <p:cNvPr id="42" name="Straight Connector 41">
+            <a:extLst>
+              <a:ext uri="{FF2B5EF4-FFF2-40B4-BE49-F238E27FC236}">
+                <a16:creationId xmlns:a16="http://schemas.microsoft.com/office/drawing/2014/main" id="{663D6EDE-DC66-4EB4-BF74-DEFD29D3B656}"/>
+              </a:ext>
+            </a:extLst>
+          </p:cNvPr>
+          <p:cNvCxnSpPr/>
+          <p:nvPr/>
+        </p:nvCxnSpPr>
+        <p:spPr>
+          <a:xfrm rot="5400000">
+            <a:off x="4593691" y="3151794"/>
+            <a:ext cx="242830" cy="267751"/>
+          </a:xfrm>
+          <a:prstGeom prst="line">
+            <a:avLst/>
+          </a:prstGeom>
+          <a:noFill/>
+          <a:ln w="19050" cap="flat" cmpd="sng" algn="ctr">
+            <a:solidFill>
+              <a:srgbClr val="8064A2">
+                <a:lumMod val="75000"/>
+              </a:srgbClr>
+            </a:solidFill>
+            <a:prstDash val="solid"/>
+          </a:ln>
+          <a:effectLst/>
+        </p:spPr>
+      </p:cxnSp>
+      <p:sp>
+        <p:nvSpPr>
+          <p:cNvPr id="43" name="Line 16">
+            <a:extLst>
+              <a:ext uri="{FF2B5EF4-FFF2-40B4-BE49-F238E27FC236}">
+                <a16:creationId xmlns:a16="http://schemas.microsoft.com/office/drawing/2014/main" id="{CAD9E54B-E694-4FE0-8C3D-5DA6746126D0}"/>
+              </a:ext>
+            </a:extLst>
+          </p:cNvPr>
+          <p:cNvSpPr>
+            <a:spLocks noChangeShapeType="1"/>
+          </p:cNvSpPr>
+          <p:nvPr/>
+        </p:nvSpPr>
+        <p:spPr bwMode="auto">
+          <a:xfrm flipH="1">
+            <a:off x="2406832" y="3062493"/>
+            <a:ext cx="2324465" cy="8282"/>
+          </a:xfrm>
+          <a:prstGeom prst="line">
+            <a:avLst/>
+          </a:prstGeom>
+          <a:noFill/>
+          <a:ln w="19050">
+            <a:solidFill>
+              <a:srgbClr val="8064A2"/>
+            </a:solidFill>
+            <a:prstDash val="sysDash"/>
+            <a:round/>
+            <a:headEnd/>
+            <a:tailEnd type="triangle" w="lg" len="lg"/>
+          </a:ln>
+        </p:spPr>
+        <p:txBody>
+          <a:bodyPr/>
+          <a:lstStyle/>
+          <a:p>
+            <a:pPr marL="0" marR="0" lvl="0" indent="0" defTabSz="872733" eaLnBrk="1" fontAlgn="auto" latinLnBrk="0" hangingPunct="1">
+              <a:lnSpc>
+                <a:spcPct val="100000"/>
+              </a:lnSpc>
+              <a:spcBef>
+                <a:spcPts val="0"/>
+              </a:spcBef>
+              <a:spcAft>
+                <a:spcPts val="0"/>
+              </a:spcAft>
+              <a:buClrTx/>
+              <a:buSzTx/>
+              <a:buFontTx/>
+              <a:buNone/>
+              <a:tabLst/>
+              <a:defRPr/>
+            </a:pPr>
+            <a:endParaRPr kumimoji="0" lang="en-US" sz="1500" b="0" i="0" u="none" strike="noStrike" kern="0" cap="none" spc="0" normalizeH="0" baseline="0" noProof="0">
+              <a:ln>
+                <a:noFill/>
+              </a:ln>
+              <a:solidFill>
+                <a:prstClr val="black"/>
+              </a:solidFill>
+              <a:effectLst/>
+              <a:uLnTx/>
+              <a:uFillTx/>
+            </a:endParaRPr>
+          </a:p>
+        </p:txBody>
+      </p:sp>
+      <p:sp>
+        <p:nvSpPr>
+          <p:cNvPr id="49" name="Text Box 11">
+            <a:extLst>
+              <a:ext uri="{FF2B5EF4-FFF2-40B4-BE49-F238E27FC236}">
+                <a16:creationId xmlns:a16="http://schemas.microsoft.com/office/drawing/2014/main" id="{E5413838-EC09-4617-AE41-23786EDEEF66}"/>
+              </a:ext>
+            </a:extLst>
+          </p:cNvPr>
+          <p:cNvSpPr txBox="1">
+            <a:spLocks noChangeArrowheads="1"/>
+          </p:cNvSpPr>
+          <p:nvPr/>
+        </p:nvSpPr>
+        <p:spPr bwMode="auto">
+          <a:xfrm>
+            <a:off x="1754885" y="633547"/>
+            <a:ext cx="1303893" cy="505726"/>
+          </a:xfrm>
+          <a:prstGeom prst="rect">
+            <a:avLst/>
+          </a:prstGeom>
+          <a:solidFill>
+            <a:srgbClr val="E6B9B8"/>
+          </a:solidFill>
+          <a:ln w="19050" cap="flat" cmpd="sng" algn="ctr">
+            <a:solidFill>
+              <a:srgbClr val="C0504D">
+                <a:lumMod val="60000"/>
+                <a:lumOff val="40000"/>
+              </a:srgbClr>
+            </a:solidFill>
+            <a:prstDash val="solid"/>
+            <a:headEnd/>
+            <a:tailEnd/>
+          </a:ln>
+          <a:effectLst>
+            <a:outerShdw blurRad="40000" dist="20000" dir="5400000" rotWithShape="0">
+              <a:srgbClr val="000000">
+                <a:alpha val="38000"/>
+              </a:srgbClr>
+            </a:outerShdw>
+          </a:effectLst>
+        </p:spPr>
+        <p:txBody>
+          <a:bodyPr tIns="182880" bIns="182880">
+            <a:spAutoFit/>
+          </a:bodyPr>
+          <a:lstStyle/>
+          <a:p>
+            <a:pPr marL="0" marR="0" lvl="0" indent="0" algn="ctr" defTabSz="872733" eaLnBrk="1" fontAlgn="auto" latinLnBrk="0" hangingPunct="1">
+              <a:lnSpc>
+                <a:spcPct val="100000"/>
+              </a:lnSpc>
+              <a:spcBef>
+                <a:spcPct val="50000"/>
+              </a:spcBef>
+              <a:spcAft>
+                <a:spcPts val="0"/>
+              </a:spcAft>
+              <a:buClrTx/>
+              <a:buSzTx/>
+              <a:buFont typeface="Wingdings" pitchFamily="2" charset="2"/>
+              <a:buNone/>
+              <a:tabLst/>
+              <a:defRPr/>
+            </a:pPr>
+            <a:r>
+              <a:rPr kumimoji="0" lang="en-US" sz="1500" b="0" i="0" u="none" strike="noStrike" kern="0" cap="none" spc="0" normalizeH="0" baseline="0" noProof="0" dirty="0">
+                <a:ln>
+                  <a:noFill/>
+                </a:ln>
+                <a:solidFill>
+                  <a:prstClr val="black"/>
+                </a:solidFill>
+                <a:effectLst/>
+                <a:uLnTx/>
+                <a:uFillTx/>
+                <a:latin typeface="Calibri"/>
+                <a:ea typeface="+mn-ea"/>
+                <a:cs typeface="+mn-cs"/>
+              </a:rPr>
+              <a:t>:Duke</a:t>
+            </a:r>
+          </a:p>
+        </p:txBody>
+      </p:sp>
+      <p:sp>
+        <p:nvSpPr>
+          <p:cNvPr id="50" name="Line 15">
+            <a:extLst>
+              <a:ext uri="{FF2B5EF4-FFF2-40B4-BE49-F238E27FC236}">
+                <a16:creationId xmlns:a16="http://schemas.microsoft.com/office/drawing/2014/main" id="{F2D1AB24-BFB4-4283-8BDE-B062047D5435}"/>
+              </a:ext>
+            </a:extLst>
+          </p:cNvPr>
+          <p:cNvSpPr>
+            <a:spLocks noChangeShapeType="1"/>
+          </p:cNvSpPr>
+          <p:nvPr/>
+        </p:nvSpPr>
+        <p:spPr bwMode="auto">
+          <a:xfrm flipV="1">
+            <a:off x="2455848" y="3534705"/>
+            <a:ext cx="4821468" cy="8283"/>
+          </a:xfrm>
+          <a:prstGeom prst="line">
+            <a:avLst/>
+          </a:prstGeom>
+          <a:noFill/>
+          <a:ln w="19050">
+            <a:solidFill>
+              <a:srgbClr val="9BBB59">
+                <a:lumMod val="75000"/>
+              </a:srgbClr>
+            </a:solidFill>
+            <a:round/>
+            <a:headEnd/>
+            <a:tailEnd type="triangle" w="lg" len="lg"/>
+          </a:ln>
+        </p:spPr>
+        <p:txBody>
+          <a:bodyPr/>
+          <a:lstStyle/>
+          <a:p>
+            <a:pPr marL="0" marR="0" lvl="0" indent="0" defTabSz="872733" eaLnBrk="1" fontAlgn="auto" latinLnBrk="0" hangingPunct="1">
+              <a:lnSpc>
+                <a:spcPct val="100000"/>
+              </a:lnSpc>
+              <a:spcBef>
+                <a:spcPts val="0"/>
+              </a:spcBef>
+              <a:spcAft>
+                <a:spcPts val="0"/>
+              </a:spcAft>
+              <a:buClrTx/>
+              <a:buSzTx/>
+              <a:buFontTx/>
+              <a:buNone/>
+              <a:tabLst/>
+              <a:defRPr/>
+            </a:pPr>
+            <a:endParaRPr kumimoji="0" lang="en-US" sz="1500" b="0" i="0" u="none" strike="noStrike" kern="0" cap="none" spc="0" normalizeH="0" baseline="0" noProof="0">
+              <a:ln>
+                <a:noFill/>
+              </a:ln>
+              <a:solidFill>
+                <a:prstClr val="black"/>
+              </a:solidFill>
+              <a:effectLst/>
+              <a:uLnTx/>
+              <a:uFillTx/>
+            </a:endParaRPr>
+          </a:p>
+        </p:txBody>
+      </p:sp>
+      <p:sp>
+        <p:nvSpPr>
+          <p:cNvPr id="51" name="Line 15">
+            <a:extLst>
+              <a:ext uri="{FF2B5EF4-FFF2-40B4-BE49-F238E27FC236}">
+                <a16:creationId xmlns:a16="http://schemas.microsoft.com/office/drawing/2014/main" id="{3529361E-FFDF-47B4-9265-E05FE04D7D37}"/>
+              </a:ext>
+            </a:extLst>
+          </p:cNvPr>
+          <p:cNvSpPr>
+            <a:spLocks noChangeShapeType="1"/>
+          </p:cNvSpPr>
+          <p:nvPr/>
+        </p:nvSpPr>
+        <p:spPr bwMode="auto">
+          <a:xfrm flipV="1">
+            <a:off x="4750177" y="2603117"/>
+            <a:ext cx="1778162" cy="12505"/>
+          </a:xfrm>
+          <a:prstGeom prst="line">
+            <a:avLst/>
+          </a:prstGeom>
+          <a:noFill/>
+          <a:ln w="19050">
+            <a:solidFill>
+              <a:srgbClr val="9BBB59">
+                <a:lumMod val="75000"/>
+              </a:srgbClr>
+            </a:solidFill>
+            <a:round/>
+            <a:headEnd/>
+            <a:tailEnd type="triangle" w="lg" len="lg"/>
+          </a:ln>
+        </p:spPr>
+        <p:txBody>
+          <a:bodyPr/>
+          <a:lstStyle/>
+          <a:p>
+            <a:pPr marL="0" marR="0" lvl="0" indent="0" defTabSz="872733" eaLnBrk="1" fontAlgn="auto" latinLnBrk="0" hangingPunct="1">
+              <a:lnSpc>
+                <a:spcPct val="100000"/>
+              </a:lnSpc>
+              <a:spcBef>
+                <a:spcPts val="0"/>
+              </a:spcBef>
+              <a:spcAft>
+                <a:spcPts val="0"/>
+              </a:spcAft>
+              <a:buClrTx/>
+              <a:buSzTx/>
+              <a:buFontTx/>
+              <a:buNone/>
+              <a:tabLst/>
+              <a:defRPr/>
+            </a:pPr>
+            <a:endParaRPr kumimoji="0" lang="en-US" sz="1500" b="0" i="0" u="none" strike="noStrike" kern="0" cap="none" spc="0" normalizeH="0" baseline="0" noProof="0" dirty="0">
+              <a:ln>
+                <a:noFill/>
+              </a:ln>
+              <a:solidFill>
+                <a:prstClr val="black"/>
+              </a:solidFill>
+              <a:effectLst/>
+              <a:uLnTx/>
+              <a:uFillTx/>
+            </a:endParaRPr>
+          </a:p>
+        </p:txBody>
+      </p:sp>
+      <p:sp>
+        <p:nvSpPr>
+          <p:cNvPr id="52" name="Line 15">
+            <a:extLst>
+              <a:ext uri="{FF2B5EF4-FFF2-40B4-BE49-F238E27FC236}">
+                <a16:creationId xmlns:a16="http://schemas.microsoft.com/office/drawing/2014/main" id="{A63F8FF4-AFC2-4337-B57E-49D18D2F9FA2}"/>
+              </a:ext>
+            </a:extLst>
+          </p:cNvPr>
+          <p:cNvSpPr>
+            <a:spLocks noChangeShapeType="1"/>
+          </p:cNvSpPr>
+          <p:nvPr/>
+        </p:nvSpPr>
+        <p:spPr bwMode="auto">
+          <a:xfrm>
+            <a:off x="7331898" y="3740822"/>
+            <a:ext cx="2206283" cy="0"/>
+          </a:xfrm>
+          <a:prstGeom prst="line">
+            <a:avLst/>
+          </a:prstGeom>
+          <a:noFill/>
+          <a:ln w="19050">
+            <a:solidFill>
+              <a:srgbClr val="EEECE1">
+                <a:lumMod val="50000"/>
+              </a:srgbClr>
+            </a:solidFill>
+            <a:round/>
+            <a:headEnd/>
+            <a:tailEnd type="triangle" w="lg" len="lg"/>
+          </a:ln>
+        </p:spPr>
+        <p:txBody>
+          <a:bodyPr/>
+          <a:lstStyle/>
+          <a:p>
+            <a:pPr marL="0" marR="0" lvl="0" indent="0" defTabSz="872733" eaLnBrk="1" fontAlgn="auto" latinLnBrk="0" hangingPunct="1">
+              <a:lnSpc>
+                <a:spcPct val="100000"/>
+              </a:lnSpc>
+              <a:spcBef>
+                <a:spcPts val="0"/>
+              </a:spcBef>
+              <a:spcAft>
+                <a:spcPts val="0"/>
+              </a:spcAft>
+              <a:buClrTx/>
+              <a:buSzTx/>
+              <a:buFontTx/>
+              <a:buNone/>
+              <a:tabLst/>
+              <a:defRPr/>
+            </a:pPr>
+            <a:endParaRPr kumimoji="0" lang="en-US" sz="1500" b="0" i="0" u="none" strike="noStrike" kern="0" cap="none" spc="0" normalizeH="0" baseline="0" noProof="0">
+              <a:ln>
+                <a:noFill/>
+              </a:ln>
+              <a:solidFill>
+                <a:prstClr val="black"/>
+              </a:solidFill>
+              <a:effectLst/>
+              <a:uLnTx/>
+              <a:uFillTx/>
+            </a:endParaRPr>
+          </a:p>
+        </p:txBody>
+      </p:sp>
+      <p:sp>
+        <p:nvSpPr>
+          <p:cNvPr id="53" name="Line 16">
+            <a:extLst>
+              <a:ext uri="{FF2B5EF4-FFF2-40B4-BE49-F238E27FC236}">
+                <a16:creationId xmlns:a16="http://schemas.microsoft.com/office/drawing/2014/main" id="{29C15E04-F492-40E2-AA94-6DEE5632AA32}"/>
+              </a:ext>
+            </a:extLst>
+          </p:cNvPr>
+          <p:cNvSpPr>
+            <a:spLocks noChangeShapeType="1"/>
+          </p:cNvSpPr>
+          <p:nvPr/>
+        </p:nvSpPr>
+        <p:spPr bwMode="auto">
+          <a:xfrm flipH="1">
+            <a:off x="7288779" y="3941837"/>
+            <a:ext cx="2206282" cy="3807"/>
+          </a:xfrm>
+          <a:prstGeom prst="line">
+            <a:avLst/>
+          </a:prstGeom>
+          <a:noFill/>
+          <a:ln w="19050">
+            <a:solidFill>
+              <a:srgbClr val="EEECE1">
+                <a:lumMod val="50000"/>
+              </a:srgbClr>
+            </a:solidFill>
+            <a:prstDash val="sysDash"/>
+            <a:round/>
+            <a:headEnd/>
+            <a:tailEnd type="triangle" w="lg" len="lg"/>
+          </a:ln>
+        </p:spPr>
+        <p:txBody>
+          <a:bodyPr/>
+          <a:lstStyle/>
+          <a:p>
+            <a:pPr marL="0" marR="0" lvl="0" indent="0" defTabSz="872733" eaLnBrk="1" fontAlgn="auto" latinLnBrk="0" hangingPunct="1">
+              <a:lnSpc>
+                <a:spcPct val="100000"/>
+              </a:lnSpc>
+              <a:spcBef>
+                <a:spcPts val="0"/>
+              </a:spcBef>
+              <a:spcAft>
+                <a:spcPts val="0"/>
+              </a:spcAft>
+              <a:buClrTx/>
+              <a:buSzTx/>
+              <a:buFontTx/>
+              <a:buNone/>
+              <a:tabLst/>
+              <a:defRPr/>
+            </a:pPr>
+            <a:endParaRPr kumimoji="0" lang="en-US" sz="1500" b="0" i="0" u="none" strike="noStrike" kern="0" cap="none" spc="0" normalizeH="0" baseline="0" noProof="0">
+              <a:ln>
+                <a:noFill/>
+              </a:ln>
+              <a:solidFill>
+                <a:prstClr val="black"/>
+              </a:solidFill>
+              <a:effectLst/>
+              <a:uLnTx/>
+              <a:uFillTx/>
+            </a:endParaRPr>
+          </a:p>
+        </p:txBody>
+      </p:sp>
+      <p:sp>
+        <p:nvSpPr>
+          <p:cNvPr id="54" name="Line 15">
+            <a:extLst>
+              <a:ext uri="{FF2B5EF4-FFF2-40B4-BE49-F238E27FC236}">
+                <a16:creationId xmlns:a16="http://schemas.microsoft.com/office/drawing/2014/main" id="{E023DA83-5D83-4FA1-BE22-4783D5207731}"/>
+              </a:ext>
+            </a:extLst>
+          </p:cNvPr>
+          <p:cNvSpPr>
+            <a:spLocks noChangeShapeType="1"/>
+          </p:cNvSpPr>
+          <p:nvPr/>
+        </p:nvSpPr>
+        <p:spPr bwMode="auto">
+          <a:xfrm flipH="1" flipV="1">
+            <a:off x="2465193" y="4999082"/>
+            <a:ext cx="4821468" cy="8283"/>
+          </a:xfrm>
+          <a:prstGeom prst="line">
+            <a:avLst/>
+          </a:prstGeom>
+          <a:noFill/>
+          <a:ln w="19050">
+            <a:solidFill>
+              <a:srgbClr val="9BBB59">
+                <a:lumMod val="75000"/>
+              </a:srgbClr>
+            </a:solidFill>
+            <a:prstDash val="sysDash"/>
+            <a:round/>
+            <a:headEnd/>
+            <a:tailEnd type="triangle" w="lg" len="lg"/>
+          </a:ln>
+        </p:spPr>
+        <p:txBody>
+          <a:bodyPr/>
+          <a:lstStyle/>
+          <a:p>
+            <a:pPr marL="0" marR="0" lvl="0" indent="0" defTabSz="872733" eaLnBrk="1" fontAlgn="auto" latinLnBrk="0" hangingPunct="1">
+              <a:lnSpc>
+                <a:spcPct val="100000"/>
+              </a:lnSpc>
+              <a:spcBef>
+                <a:spcPts val="0"/>
+              </a:spcBef>
+              <a:spcAft>
+                <a:spcPts val="0"/>
+              </a:spcAft>
+              <a:buClrTx/>
+              <a:buSzTx/>
+              <a:buFontTx/>
+              <a:buNone/>
+              <a:tabLst/>
+              <a:defRPr/>
+            </a:pPr>
+            <a:endParaRPr kumimoji="0" lang="en-US" sz="1500" b="0" i="0" u="none" strike="noStrike" kern="0" cap="none" spc="0" normalizeH="0" baseline="0" noProof="0" dirty="0">
+              <a:ln>
+                <a:noFill/>
+              </a:ln>
+              <a:solidFill>
+                <a:prstClr val="black"/>
+              </a:solidFill>
+              <a:effectLst/>
+              <a:uLnTx/>
+              <a:uFillTx/>
+            </a:endParaRPr>
+          </a:p>
+        </p:txBody>
+      </p:sp>
+      <p:cxnSp>
+        <p:nvCxnSpPr>
+          <p:cNvPr id="55" name="Straight Connector 54">
+            <a:extLst>
+              <a:ext uri="{FF2B5EF4-FFF2-40B4-BE49-F238E27FC236}">
+                <a16:creationId xmlns:a16="http://schemas.microsoft.com/office/drawing/2014/main" id="{3D7B3AE4-4A62-495B-8950-645D01733499}"/>
+              </a:ext>
+            </a:extLst>
+          </p:cNvPr>
+          <p:cNvCxnSpPr/>
+          <p:nvPr/>
+        </p:nvCxnSpPr>
+        <p:spPr>
+          <a:xfrm rot="16200000" flipV="1">
+            <a:off x="7162226" y="5844862"/>
+            <a:ext cx="239674" cy="269410"/>
+          </a:xfrm>
+          <a:prstGeom prst="line">
+            <a:avLst/>
+          </a:prstGeom>
+          <a:noFill/>
+          <a:ln w="19050" cap="flat" cmpd="sng" algn="ctr">
+            <a:solidFill>
+              <a:srgbClr val="9BBB59">
+                <a:lumMod val="75000"/>
+              </a:srgbClr>
+            </a:solidFill>
+            <a:prstDash val="solid"/>
+          </a:ln>
+          <a:effectLst/>
+        </p:spPr>
+      </p:cxnSp>
+      <p:cxnSp>
+        <p:nvCxnSpPr>
+          <p:cNvPr id="56" name="Straight Connector 55">
+            <a:extLst>
+              <a:ext uri="{FF2B5EF4-FFF2-40B4-BE49-F238E27FC236}">
+                <a16:creationId xmlns:a16="http://schemas.microsoft.com/office/drawing/2014/main" id="{5934E1FD-BA98-4EAF-B904-A57B7CFDCBAC}"/>
+              </a:ext>
+            </a:extLst>
+          </p:cNvPr>
+          <p:cNvCxnSpPr/>
+          <p:nvPr/>
+        </p:nvCxnSpPr>
+        <p:spPr>
+          <a:xfrm rot="5400000">
+            <a:off x="7155900" y="5848784"/>
+            <a:ext cx="242830" cy="267751"/>
+          </a:xfrm>
+          <a:prstGeom prst="line">
+            <a:avLst/>
+          </a:prstGeom>
+          <a:noFill/>
+          <a:ln w="19050" cap="flat" cmpd="sng" algn="ctr">
+            <a:solidFill>
+              <a:srgbClr val="9BBB59">
+                <a:lumMod val="75000"/>
+              </a:srgbClr>
+            </a:solidFill>
+            <a:prstDash val="solid"/>
+          </a:ln>
+          <a:effectLst/>
+        </p:spPr>
+      </p:cxnSp>
     </p:spTree>
     <p:extLst>
       <p:ext uri="{BB962C8B-B14F-4D97-AF65-F5344CB8AC3E}">
@@ -5180,12 +5202,1178 @@
           <a:chExt cx="0" cy="0"/>
         </a:xfrm>
       </p:grpSpPr>
+      <p:sp>
+        <p:nvSpPr>
+          <p:cNvPr id="36" name="Rectangle 35">
+            <a:extLst>
+              <a:ext uri="{FF2B5EF4-FFF2-40B4-BE49-F238E27FC236}">
+                <a16:creationId xmlns:a16="http://schemas.microsoft.com/office/drawing/2014/main" id="{39183ACC-D476-4CC4-AA56-47E7A41B3D53}"/>
+              </a:ext>
+            </a:extLst>
+          </p:cNvPr>
+          <p:cNvSpPr/>
+          <p:nvPr/>
+        </p:nvSpPr>
+        <p:spPr bwMode="auto">
+          <a:xfrm>
+            <a:off x="4957402" y="2107714"/>
+            <a:ext cx="3878455" cy="575122"/>
+          </a:xfrm>
+          <a:prstGeom prst="rect">
+            <a:avLst/>
+          </a:prstGeom>
+          <a:noFill/>
+          <a:ln>
+            <a:noFill/>
+          </a:ln>
+        </p:spPr>
+        <p:style>
+          <a:lnRef idx="2">
+            <a:schemeClr val="accent1">
+              <a:shade val="50000"/>
+            </a:schemeClr>
+          </a:lnRef>
+          <a:fillRef idx="1">
+            <a:schemeClr val="accent1"/>
+          </a:fillRef>
+          <a:effectRef idx="0">
+            <a:schemeClr val="accent1"/>
+          </a:effectRef>
+          <a:fontRef idx="minor">
+            <a:schemeClr val="lt1"/>
+          </a:fontRef>
+        </p:style>
+        <p:txBody>
+          <a:bodyPr anchor="ctr"/>
+          <a:lstStyle>
+            <a:defPPr>
+              <a:defRPr lang="en-SG"/>
+            </a:defPPr>
+            <a:lvl1pPr algn="l" rtl="0" fontAlgn="base">
+              <a:spcBef>
+                <a:spcPct val="0"/>
+              </a:spcBef>
+              <a:spcAft>
+                <a:spcPct val="0"/>
+              </a:spcAft>
+              <a:defRPr kern="1200">
+                <a:solidFill>
+                  <a:schemeClr val="lt1"/>
+                </a:solidFill>
+                <a:latin typeface="+mn-lt"/>
+                <a:ea typeface="+mn-ea"/>
+                <a:cs typeface="+mn-cs"/>
+              </a:defRPr>
+            </a:lvl1pPr>
+            <a:lvl2pPr marL="457200" algn="l" rtl="0" fontAlgn="base">
+              <a:spcBef>
+                <a:spcPct val="0"/>
+              </a:spcBef>
+              <a:spcAft>
+                <a:spcPct val="0"/>
+              </a:spcAft>
+              <a:defRPr kern="1200">
+                <a:solidFill>
+                  <a:schemeClr val="lt1"/>
+                </a:solidFill>
+                <a:latin typeface="+mn-lt"/>
+                <a:ea typeface="+mn-ea"/>
+                <a:cs typeface="+mn-cs"/>
+              </a:defRPr>
+            </a:lvl2pPr>
+            <a:lvl3pPr marL="914400" algn="l" rtl="0" fontAlgn="base">
+              <a:spcBef>
+                <a:spcPct val="0"/>
+              </a:spcBef>
+              <a:spcAft>
+                <a:spcPct val="0"/>
+              </a:spcAft>
+              <a:defRPr kern="1200">
+                <a:solidFill>
+                  <a:schemeClr val="lt1"/>
+                </a:solidFill>
+                <a:latin typeface="+mn-lt"/>
+                <a:ea typeface="+mn-ea"/>
+                <a:cs typeface="+mn-cs"/>
+              </a:defRPr>
+            </a:lvl3pPr>
+            <a:lvl4pPr marL="1371600" algn="l" rtl="0" fontAlgn="base">
+              <a:spcBef>
+                <a:spcPct val="0"/>
+              </a:spcBef>
+              <a:spcAft>
+                <a:spcPct val="0"/>
+              </a:spcAft>
+              <a:defRPr kern="1200">
+                <a:solidFill>
+                  <a:schemeClr val="lt1"/>
+                </a:solidFill>
+                <a:latin typeface="+mn-lt"/>
+                <a:ea typeface="+mn-ea"/>
+                <a:cs typeface="+mn-cs"/>
+              </a:defRPr>
+            </a:lvl4pPr>
+            <a:lvl5pPr marL="1828800" algn="l" rtl="0" fontAlgn="base">
+              <a:spcBef>
+                <a:spcPct val="0"/>
+              </a:spcBef>
+              <a:spcAft>
+                <a:spcPct val="0"/>
+              </a:spcAft>
+              <a:defRPr kern="1200">
+                <a:solidFill>
+                  <a:schemeClr val="lt1"/>
+                </a:solidFill>
+                <a:latin typeface="+mn-lt"/>
+                <a:ea typeface="+mn-ea"/>
+                <a:cs typeface="+mn-cs"/>
+              </a:defRPr>
+            </a:lvl5pPr>
+            <a:lvl6pPr marL="2286000" algn="l" defTabSz="914400" rtl="0" eaLnBrk="1" latinLnBrk="0" hangingPunct="1">
+              <a:defRPr kern="1200">
+                <a:solidFill>
+                  <a:schemeClr val="lt1"/>
+                </a:solidFill>
+                <a:latin typeface="+mn-lt"/>
+                <a:ea typeface="+mn-ea"/>
+                <a:cs typeface="+mn-cs"/>
+              </a:defRPr>
+            </a:lvl6pPr>
+            <a:lvl7pPr marL="2743200" algn="l" defTabSz="914400" rtl="0" eaLnBrk="1" latinLnBrk="0" hangingPunct="1">
+              <a:defRPr kern="1200">
+                <a:solidFill>
+                  <a:schemeClr val="lt1"/>
+                </a:solidFill>
+                <a:latin typeface="+mn-lt"/>
+                <a:ea typeface="+mn-ea"/>
+                <a:cs typeface="+mn-cs"/>
+              </a:defRPr>
+            </a:lvl7pPr>
+            <a:lvl8pPr marL="3200400" algn="l" defTabSz="914400" rtl="0" eaLnBrk="1" latinLnBrk="0" hangingPunct="1">
+              <a:defRPr kern="1200">
+                <a:solidFill>
+                  <a:schemeClr val="lt1"/>
+                </a:solidFill>
+                <a:latin typeface="+mn-lt"/>
+                <a:ea typeface="+mn-ea"/>
+                <a:cs typeface="+mn-cs"/>
+              </a:defRPr>
+            </a:lvl8pPr>
+            <a:lvl9pPr marL="3657600" algn="l" defTabSz="914400" rtl="0" eaLnBrk="1" latinLnBrk="0" hangingPunct="1">
+              <a:defRPr kern="1200">
+                <a:solidFill>
+                  <a:schemeClr val="lt1"/>
+                </a:solidFill>
+                <a:latin typeface="+mn-lt"/>
+                <a:ea typeface="+mn-ea"/>
+                <a:cs typeface="+mn-cs"/>
+              </a:defRPr>
+            </a:lvl9pPr>
+          </a:lstStyle>
+          <a:p>
+            <a:pPr defTabSz="872733"/>
+            <a:r>
+              <a:rPr lang="en-US" sz="1100" dirty="0">
+                <a:solidFill>
+                  <a:schemeClr val="tx2"/>
+                </a:solidFill>
+                <a:cs typeface="Arial" charset="0"/>
+              </a:rPr>
+              <a:t> [description and price not empty, quantity empty]</a:t>
+            </a:r>
+          </a:p>
+        </p:txBody>
+      </p:sp>
+      <p:sp>
+        <p:nvSpPr>
+          <p:cNvPr id="37" name="Rectangle 36">
+            <a:extLst>
+              <a:ext uri="{FF2B5EF4-FFF2-40B4-BE49-F238E27FC236}">
+                <a16:creationId xmlns:a16="http://schemas.microsoft.com/office/drawing/2014/main" id="{F2F69418-5DDE-419B-A5B3-29E532DD05F9}"/>
+              </a:ext>
+            </a:extLst>
+          </p:cNvPr>
+          <p:cNvSpPr/>
+          <p:nvPr/>
+        </p:nvSpPr>
+        <p:spPr bwMode="auto">
+          <a:xfrm>
+            <a:off x="5486361" y="2516306"/>
+            <a:ext cx="2489602" cy="389739"/>
+          </a:xfrm>
+          <a:prstGeom prst="rect">
+            <a:avLst/>
+          </a:prstGeom>
+          <a:noFill/>
+          <a:ln>
+            <a:noFill/>
+          </a:ln>
+        </p:spPr>
+        <p:style>
+          <a:lnRef idx="2">
+            <a:schemeClr val="accent1">
+              <a:shade val="50000"/>
+            </a:schemeClr>
+          </a:lnRef>
+          <a:fillRef idx="1">
+            <a:schemeClr val="accent1"/>
+          </a:fillRef>
+          <a:effectRef idx="0">
+            <a:schemeClr val="accent1"/>
+          </a:effectRef>
+          <a:fontRef idx="minor">
+            <a:schemeClr val="lt1"/>
+          </a:fontRef>
+        </p:style>
+        <p:txBody>
+          <a:bodyPr anchor="ctr"/>
+          <a:lstStyle>
+            <a:defPPr>
+              <a:defRPr lang="en-SG"/>
+            </a:defPPr>
+            <a:lvl1pPr algn="l" rtl="0" fontAlgn="base">
+              <a:spcBef>
+                <a:spcPct val="0"/>
+              </a:spcBef>
+              <a:spcAft>
+                <a:spcPct val="0"/>
+              </a:spcAft>
+              <a:defRPr kern="1200">
+                <a:solidFill>
+                  <a:schemeClr val="lt1"/>
+                </a:solidFill>
+                <a:latin typeface="+mn-lt"/>
+                <a:ea typeface="+mn-ea"/>
+                <a:cs typeface="+mn-cs"/>
+              </a:defRPr>
+            </a:lvl1pPr>
+            <a:lvl2pPr marL="457200" algn="l" rtl="0" fontAlgn="base">
+              <a:spcBef>
+                <a:spcPct val="0"/>
+              </a:spcBef>
+              <a:spcAft>
+                <a:spcPct val="0"/>
+              </a:spcAft>
+              <a:defRPr kern="1200">
+                <a:solidFill>
+                  <a:schemeClr val="lt1"/>
+                </a:solidFill>
+                <a:latin typeface="+mn-lt"/>
+                <a:ea typeface="+mn-ea"/>
+                <a:cs typeface="+mn-cs"/>
+              </a:defRPr>
+            </a:lvl2pPr>
+            <a:lvl3pPr marL="914400" algn="l" rtl="0" fontAlgn="base">
+              <a:spcBef>
+                <a:spcPct val="0"/>
+              </a:spcBef>
+              <a:spcAft>
+                <a:spcPct val="0"/>
+              </a:spcAft>
+              <a:defRPr kern="1200">
+                <a:solidFill>
+                  <a:schemeClr val="lt1"/>
+                </a:solidFill>
+                <a:latin typeface="+mn-lt"/>
+                <a:ea typeface="+mn-ea"/>
+                <a:cs typeface="+mn-cs"/>
+              </a:defRPr>
+            </a:lvl3pPr>
+            <a:lvl4pPr marL="1371600" algn="l" rtl="0" fontAlgn="base">
+              <a:spcBef>
+                <a:spcPct val="0"/>
+              </a:spcBef>
+              <a:spcAft>
+                <a:spcPct val="0"/>
+              </a:spcAft>
+              <a:defRPr kern="1200">
+                <a:solidFill>
+                  <a:schemeClr val="lt1"/>
+                </a:solidFill>
+                <a:latin typeface="+mn-lt"/>
+                <a:ea typeface="+mn-ea"/>
+                <a:cs typeface="+mn-cs"/>
+              </a:defRPr>
+            </a:lvl4pPr>
+            <a:lvl5pPr marL="1828800" algn="l" rtl="0" fontAlgn="base">
+              <a:spcBef>
+                <a:spcPct val="0"/>
+              </a:spcBef>
+              <a:spcAft>
+                <a:spcPct val="0"/>
+              </a:spcAft>
+              <a:defRPr kern="1200">
+                <a:solidFill>
+                  <a:schemeClr val="lt1"/>
+                </a:solidFill>
+                <a:latin typeface="+mn-lt"/>
+                <a:ea typeface="+mn-ea"/>
+                <a:cs typeface="+mn-cs"/>
+              </a:defRPr>
+            </a:lvl5pPr>
+            <a:lvl6pPr marL="2286000" algn="l" defTabSz="914400" rtl="0" eaLnBrk="1" latinLnBrk="0" hangingPunct="1">
+              <a:defRPr kern="1200">
+                <a:solidFill>
+                  <a:schemeClr val="lt1"/>
+                </a:solidFill>
+                <a:latin typeface="+mn-lt"/>
+                <a:ea typeface="+mn-ea"/>
+                <a:cs typeface="+mn-cs"/>
+              </a:defRPr>
+            </a:lvl6pPr>
+            <a:lvl7pPr marL="2743200" algn="l" defTabSz="914400" rtl="0" eaLnBrk="1" latinLnBrk="0" hangingPunct="1">
+              <a:defRPr kern="1200">
+                <a:solidFill>
+                  <a:schemeClr val="lt1"/>
+                </a:solidFill>
+                <a:latin typeface="+mn-lt"/>
+                <a:ea typeface="+mn-ea"/>
+                <a:cs typeface="+mn-cs"/>
+              </a:defRPr>
+            </a:lvl7pPr>
+            <a:lvl8pPr marL="3200400" algn="l" defTabSz="914400" rtl="0" eaLnBrk="1" latinLnBrk="0" hangingPunct="1">
+              <a:defRPr kern="1200">
+                <a:solidFill>
+                  <a:schemeClr val="lt1"/>
+                </a:solidFill>
+                <a:latin typeface="+mn-lt"/>
+                <a:ea typeface="+mn-ea"/>
+                <a:cs typeface="+mn-cs"/>
+              </a:defRPr>
+            </a:lvl8pPr>
+            <a:lvl9pPr marL="3657600" algn="l" defTabSz="914400" rtl="0" eaLnBrk="1" latinLnBrk="0" hangingPunct="1">
+              <a:defRPr kern="1200">
+                <a:solidFill>
+                  <a:schemeClr val="lt1"/>
+                </a:solidFill>
+                <a:latin typeface="+mn-lt"/>
+                <a:ea typeface="+mn-ea"/>
+                <a:cs typeface="+mn-cs"/>
+              </a:defRPr>
+            </a:lvl9pPr>
+          </a:lstStyle>
+          <a:p>
+            <a:pPr defTabSz="872733"/>
+            <a:r>
+              <a:rPr lang="en-US" sz="1100" dirty="0" err="1">
+                <a:solidFill>
+                  <a:schemeClr val="tx2"/>
+                </a:solidFill>
+                <a:cs typeface="Arial" charset="0"/>
+              </a:rPr>
+              <a:t>items.add</a:t>
+            </a:r>
+            <a:r>
+              <a:rPr lang="en-US" sz="1100" dirty="0">
+                <a:solidFill>
+                  <a:schemeClr val="tx2"/>
+                </a:solidFill>
+                <a:cs typeface="Arial" charset="0"/>
+              </a:rPr>
+              <a:t>(add)</a:t>
+            </a:r>
+          </a:p>
+        </p:txBody>
+      </p:sp>
+      <p:sp>
+        <p:nvSpPr>
+          <p:cNvPr id="38" name="Rectangle 37">
+            <a:extLst>
+              <a:ext uri="{FF2B5EF4-FFF2-40B4-BE49-F238E27FC236}">
+                <a16:creationId xmlns:a16="http://schemas.microsoft.com/office/drawing/2014/main" id="{6EEA974F-AE0C-4CAC-84C8-66102D509D37}"/>
+              </a:ext>
+            </a:extLst>
+          </p:cNvPr>
+          <p:cNvSpPr/>
+          <p:nvPr/>
+        </p:nvSpPr>
+        <p:spPr bwMode="auto">
+          <a:xfrm>
+            <a:off x="4931229" y="2931683"/>
+            <a:ext cx="3878455" cy="575122"/>
+          </a:xfrm>
+          <a:prstGeom prst="rect">
+            <a:avLst/>
+          </a:prstGeom>
+          <a:noFill/>
+          <a:ln>
+            <a:noFill/>
+          </a:ln>
+        </p:spPr>
+        <p:style>
+          <a:lnRef idx="2">
+            <a:schemeClr val="accent1">
+              <a:shade val="50000"/>
+            </a:schemeClr>
+          </a:lnRef>
+          <a:fillRef idx="1">
+            <a:schemeClr val="accent1"/>
+          </a:fillRef>
+          <a:effectRef idx="0">
+            <a:schemeClr val="accent1"/>
+          </a:effectRef>
+          <a:fontRef idx="minor">
+            <a:schemeClr val="lt1"/>
+          </a:fontRef>
+        </p:style>
+        <p:txBody>
+          <a:bodyPr anchor="ctr"/>
+          <a:lstStyle>
+            <a:defPPr>
+              <a:defRPr lang="en-SG"/>
+            </a:defPPr>
+            <a:lvl1pPr algn="l" rtl="0" fontAlgn="base">
+              <a:spcBef>
+                <a:spcPct val="0"/>
+              </a:spcBef>
+              <a:spcAft>
+                <a:spcPct val="0"/>
+              </a:spcAft>
+              <a:defRPr kern="1200">
+                <a:solidFill>
+                  <a:schemeClr val="lt1"/>
+                </a:solidFill>
+                <a:latin typeface="+mn-lt"/>
+                <a:ea typeface="+mn-ea"/>
+                <a:cs typeface="+mn-cs"/>
+              </a:defRPr>
+            </a:lvl1pPr>
+            <a:lvl2pPr marL="457200" algn="l" rtl="0" fontAlgn="base">
+              <a:spcBef>
+                <a:spcPct val="0"/>
+              </a:spcBef>
+              <a:spcAft>
+                <a:spcPct val="0"/>
+              </a:spcAft>
+              <a:defRPr kern="1200">
+                <a:solidFill>
+                  <a:schemeClr val="lt1"/>
+                </a:solidFill>
+                <a:latin typeface="+mn-lt"/>
+                <a:ea typeface="+mn-ea"/>
+                <a:cs typeface="+mn-cs"/>
+              </a:defRPr>
+            </a:lvl2pPr>
+            <a:lvl3pPr marL="914400" algn="l" rtl="0" fontAlgn="base">
+              <a:spcBef>
+                <a:spcPct val="0"/>
+              </a:spcBef>
+              <a:spcAft>
+                <a:spcPct val="0"/>
+              </a:spcAft>
+              <a:defRPr kern="1200">
+                <a:solidFill>
+                  <a:schemeClr val="lt1"/>
+                </a:solidFill>
+                <a:latin typeface="+mn-lt"/>
+                <a:ea typeface="+mn-ea"/>
+                <a:cs typeface="+mn-cs"/>
+              </a:defRPr>
+            </a:lvl3pPr>
+            <a:lvl4pPr marL="1371600" algn="l" rtl="0" fontAlgn="base">
+              <a:spcBef>
+                <a:spcPct val="0"/>
+              </a:spcBef>
+              <a:spcAft>
+                <a:spcPct val="0"/>
+              </a:spcAft>
+              <a:defRPr kern="1200">
+                <a:solidFill>
+                  <a:schemeClr val="lt1"/>
+                </a:solidFill>
+                <a:latin typeface="+mn-lt"/>
+                <a:ea typeface="+mn-ea"/>
+                <a:cs typeface="+mn-cs"/>
+              </a:defRPr>
+            </a:lvl4pPr>
+            <a:lvl5pPr marL="1828800" algn="l" rtl="0" fontAlgn="base">
+              <a:spcBef>
+                <a:spcPct val="0"/>
+              </a:spcBef>
+              <a:spcAft>
+                <a:spcPct val="0"/>
+              </a:spcAft>
+              <a:defRPr kern="1200">
+                <a:solidFill>
+                  <a:schemeClr val="lt1"/>
+                </a:solidFill>
+                <a:latin typeface="+mn-lt"/>
+                <a:ea typeface="+mn-ea"/>
+                <a:cs typeface="+mn-cs"/>
+              </a:defRPr>
+            </a:lvl5pPr>
+            <a:lvl6pPr marL="2286000" algn="l" defTabSz="914400" rtl="0" eaLnBrk="1" latinLnBrk="0" hangingPunct="1">
+              <a:defRPr kern="1200">
+                <a:solidFill>
+                  <a:schemeClr val="lt1"/>
+                </a:solidFill>
+                <a:latin typeface="+mn-lt"/>
+                <a:ea typeface="+mn-ea"/>
+                <a:cs typeface="+mn-cs"/>
+              </a:defRPr>
+            </a:lvl6pPr>
+            <a:lvl7pPr marL="2743200" algn="l" defTabSz="914400" rtl="0" eaLnBrk="1" latinLnBrk="0" hangingPunct="1">
+              <a:defRPr kern="1200">
+                <a:solidFill>
+                  <a:schemeClr val="lt1"/>
+                </a:solidFill>
+                <a:latin typeface="+mn-lt"/>
+                <a:ea typeface="+mn-ea"/>
+                <a:cs typeface="+mn-cs"/>
+              </a:defRPr>
+            </a:lvl7pPr>
+            <a:lvl8pPr marL="3200400" algn="l" defTabSz="914400" rtl="0" eaLnBrk="1" latinLnBrk="0" hangingPunct="1">
+              <a:defRPr kern="1200">
+                <a:solidFill>
+                  <a:schemeClr val="lt1"/>
+                </a:solidFill>
+                <a:latin typeface="+mn-lt"/>
+                <a:ea typeface="+mn-ea"/>
+                <a:cs typeface="+mn-cs"/>
+              </a:defRPr>
+            </a:lvl8pPr>
+            <a:lvl9pPr marL="3657600" algn="l" defTabSz="914400" rtl="0" eaLnBrk="1" latinLnBrk="0" hangingPunct="1">
+              <a:defRPr kern="1200">
+                <a:solidFill>
+                  <a:schemeClr val="lt1"/>
+                </a:solidFill>
+                <a:latin typeface="+mn-lt"/>
+                <a:ea typeface="+mn-ea"/>
+                <a:cs typeface="+mn-cs"/>
+              </a:defRPr>
+            </a:lvl9pPr>
+          </a:lstStyle>
+          <a:p>
+            <a:pPr defTabSz="872733"/>
+            <a:r>
+              <a:rPr lang="en-US" sz="1100" dirty="0">
+                <a:solidFill>
+                  <a:schemeClr val="tx2"/>
+                </a:solidFill>
+                <a:cs typeface="Arial" charset="0"/>
+              </a:rPr>
+              <a:t> [description and quantity not empty, price empty]</a:t>
+            </a:r>
+          </a:p>
+        </p:txBody>
+      </p:sp>
+      <p:sp>
+        <p:nvSpPr>
+          <p:cNvPr id="39" name="Rectangle 38">
+            <a:extLst>
+              <a:ext uri="{FF2B5EF4-FFF2-40B4-BE49-F238E27FC236}">
+                <a16:creationId xmlns:a16="http://schemas.microsoft.com/office/drawing/2014/main" id="{D22731AF-A866-4CE8-ADA1-23B10D16A26E}"/>
+              </a:ext>
+            </a:extLst>
+          </p:cNvPr>
+          <p:cNvSpPr/>
+          <p:nvPr/>
+        </p:nvSpPr>
+        <p:spPr bwMode="auto">
+          <a:xfrm>
+            <a:off x="5487164" y="3410203"/>
+            <a:ext cx="2489602" cy="389739"/>
+          </a:xfrm>
+          <a:prstGeom prst="rect">
+            <a:avLst/>
+          </a:prstGeom>
+          <a:noFill/>
+          <a:ln>
+            <a:noFill/>
+          </a:ln>
+        </p:spPr>
+        <p:style>
+          <a:lnRef idx="2">
+            <a:schemeClr val="accent1">
+              <a:shade val="50000"/>
+            </a:schemeClr>
+          </a:lnRef>
+          <a:fillRef idx="1">
+            <a:schemeClr val="accent1"/>
+          </a:fillRef>
+          <a:effectRef idx="0">
+            <a:schemeClr val="accent1"/>
+          </a:effectRef>
+          <a:fontRef idx="minor">
+            <a:schemeClr val="lt1"/>
+          </a:fontRef>
+        </p:style>
+        <p:txBody>
+          <a:bodyPr anchor="ctr"/>
+          <a:lstStyle>
+            <a:defPPr>
+              <a:defRPr lang="en-SG"/>
+            </a:defPPr>
+            <a:lvl1pPr algn="l" rtl="0" fontAlgn="base">
+              <a:spcBef>
+                <a:spcPct val="0"/>
+              </a:spcBef>
+              <a:spcAft>
+                <a:spcPct val="0"/>
+              </a:spcAft>
+              <a:defRPr kern="1200">
+                <a:solidFill>
+                  <a:schemeClr val="lt1"/>
+                </a:solidFill>
+                <a:latin typeface="+mn-lt"/>
+                <a:ea typeface="+mn-ea"/>
+                <a:cs typeface="+mn-cs"/>
+              </a:defRPr>
+            </a:lvl1pPr>
+            <a:lvl2pPr marL="457200" algn="l" rtl="0" fontAlgn="base">
+              <a:spcBef>
+                <a:spcPct val="0"/>
+              </a:spcBef>
+              <a:spcAft>
+                <a:spcPct val="0"/>
+              </a:spcAft>
+              <a:defRPr kern="1200">
+                <a:solidFill>
+                  <a:schemeClr val="lt1"/>
+                </a:solidFill>
+                <a:latin typeface="+mn-lt"/>
+                <a:ea typeface="+mn-ea"/>
+                <a:cs typeface="+mn-cs"/>
+              </a:defRPr>
+            </a:lvl2pPr>
+            <a:lvl3pPr marL="914400" algn="l" rtl="0" fontAlgn="base">
+              <a:spcBef>
+                <a:spcPct val="0"/>
+              </a:spcBef>
+              <a:spcAft>
+                <a:spcPct val="0"/>
+              </a:spcAft>
+              <a:defRPr kern="1200">
+                <a:solidFill>
+                  <a:schemeClr val="lt1"/>
+                </a:solidFill>
+                <a:latin typeface="+mn-lt"/>
+                <a:ea typeface="+mn-ea"/>
+                <a:cs typeface="+mn-cs"/>
+              </a:defRPr>
+            </a:lvl3pPr>
+            <a:lvl4pPr marL="1371600" algn="l" rtl="0" fontAlgn="base">
+              <a:spcBef>
+                <a:spcPct val="0"/>
+              </a:spcBef>
+              <a:spcAft>
+                <a:spcPct val="0"/>
+              </a:spcAft>
+              <a:defRPr kern="1200">
+                <a:solidFill>
+                  <a:schemeClr val="lt1"/>
+                </a:solidFill>
+                <a:latin typeface="+mn-lt"/>
+                <a:ea typeface="+mn-ea"/>
+                <a:cs typeface="+mn-cs"/>
+              </a:defRPr>
+            </a:lvl4pPr>
+            <a:lvl5pPr marL="1828800" algn="l" rtl="0" fontAlgn="base">
+              <a:spcBef>
+                <a:spcPct val="0"/>
+              </a:spcBef>
+              <a:spcAft>
+                <a:spcPct val="0"/>
+              </a:spcAft>
+              <a:defRPr kern="1200">
+                <a:solidFill>
+                  <a:schemeClr val="lt1"/>
+                </a:solidFill>
+                <a:latin typeface="+mn-lt"/>
+                <a:ea typeface="+mn-ea"/>
+                <a:cs typeface="+mn-cs"/>
+              </a:defRPr>
+            </a:lvl5pPr>
+            <a:lvl6pPr marL="2286000" algn="l" defTabSz="914400" rtl="0" eaLnBrk="1" latinLnBrk="0" hangingPunct="1">
+              <a:defRPr kern="1200">
+                <a:solidFill>
+                  <a:schemeClr val="lt1"/>
+                </a:solidFill>
+                <a:latin typeface="+mn-lt"/>
+                <a:ea typeface="+mn-ea"/>
+                <a:cs typeface="+mn-cs"/>
+              </a:defRPr>
+            </a:lvl6pPr>
+            <a:lvl7pPr marL="2743200" algn="l" defTabSz="914400" rtl="0" eaLnBrk="1" latinLnBrk="0" hangingPunct="1">
+              <a:defRPr kern="1200">
+                <a:solidFill>
+                  <a:schemeClr val="lt1"/>
+                </a:solidFill>
+                <a:latin typeface="+mn-lt"/>
+                <a:ea typeface="+mn-ea"/>
+                <a:cs typeface="+mn-cs"/>
+              </a:defRPr>
+            </a:lvl7pPr>
+            <a:lvl8pPr marL="3200400" algn="l" defTabSz="914400" rtl="0" eaLnBrk="1" latinLnBrk="0" hangingPunct="1">
+              <a:defRPr kern="1200">
+                <a:solidFill>
+                  <a:schemeClr val="lt1"/>
+                </a:solidFill>
+                <a:latin typeface="+mn-lt"/>
+                <a:ea typeface="+mn-ea"/>
+                <a:cs typeface="+mn-cs"/>
+              </a:defRPr>
+            </a:lvl8pPr>
+            <a:lvl9pPr marL="3657600" algn="l" defTabSz="914400" rtl="0" eaLnBrk="1" latinLnBrk="0" hangingPunct="1">
+              <a:defRPr kern="1200">
+                <a:solidFill>
+                  <a:schemeClr val="lt1"/>
+                </a:solidFill>
+                <a:latin typeface="+mn-lt"/>
+                <a:ea typeface="+mn-ea"/>
+                <a:cs typeface="+mn-cs"/>
+              </a:defRPr>
+            </a:lvl9pPr>
+          </a:lstStyle>
+          <a:p>
+            <a:pPr defTabSz="872733"/>
+            <a:r>
+              <a:rPr lang="en-US" sz="1100" dirty="0" err="1">
+                <a:solidFill>
+                  <a:schemeClr val="tx2"/>
+                </a:solidFill>
+                <a:cs typeface="Arial" charset="0"/>
+              </a:rPr>
+              <a:t>items.add</a:t>
+            </a:r>
+            <a:r>
+              <a:rPr lang="en-US" sz="1100" dirty="0">
+                <a:solidFill>
+                  <a:schemeClr val="tx2"/>
+                </a:solidFill>
+                <a:cs typeface="Arial" charset="0"/>
+              </a:rPr>
+              <a:t>(add)</a:t>
+            </a:r>
+          </a:p>
+        </p:txBody>
+      </p:sp>
+      <p:sp>
+        <p:nvSpPr>
+          <p:cNvPr id="41" name="Line 15">
+            <a:extLst>
+              <a:ext uri="{FF2B5EF4-FFF2-40B4-BE49-F238E27FC236}">
+                <a16:creationId xmlns:a16="http://schemas.microsoft.com/office/drawing/2014/main" id="{43807C3F-C65C-41C0-81A3-C627E9D6D1A2}"/>
+              </a:ext>
+            </a:extLst>
+          </p:cNvPr>
+          <p:cNvSpPr>
+            <a:spLocks noChangeShapeType="1"/>
+          </p:cNvSpPr>
+          <p:nvPr/>
+        </p:nvSpPr>
+        <p:spPr bwMode="auto">
+          <a:xfrm>
+            <a:off x="5033384" y="4149689"/>
+            <a:ext cx="3724121" cy="19902"/>
+          </a:xfrm>
+          <a:prstGeom prst="line">
+            <a:avLst/>
+          </a:prstGeom>
+          <a:noFill/>
+          <a:ln w="19050">
+            <a:solidFill>
+              <a:schemeClr val="bg2">
+                <a:lumMod val="50000"/>
+              </a:schemeClr>
+            </a:solidFill>
+            <a:round/>
+            <a:headEnd/>
+            <a:tailEnd type="triangle" w="lg" len="lg"/>
+          </a:ln>
+        </p:spPr>
+        <p:txBody>
+          <a:bodyPr/>
+          <a:lstStyle/>
+          <a:p>
+            <a:pPr defTabSz="872733"/>
+            <a:endParaRPr lang="en-US" sz="1500" dirty="0">
+              <a:solidFill>
+                <a:prstClr val="black"/>
+              </a:solidFill>
+            </a:endParaRPr>
+          </a:p>
+        </p:txBody>
+      </p:sp>
+      <p:sp>
+        <p:nvSpPr>
+          <p:cNvPr id="43" name="Rectangle 42">
+            <a:extLst>
+              <a:ext uri="{FF2B5EF4-FFF2-40B4-BE49-F238E27FC236}">
+                <a16:creationId xmlns:a16="http://schemas.microsoft.com/office/drawing/2014/main" id="{CEB379D8-C523-4733-924A-D499CE3F7FB6}"/>
+              </a:ext>
+            </a:extLst>
+          </p:cNvPr>
+          <p:cNvSpPr/>
+          <p:nvPr/>
+        </p:nvSpPr>
+        <p:spPr bwMode="auto">
+          <a:xfrm>
+            <a:off x="4967175" y="3743701"/>
+            <a:ext cx="3878455" cy="575122"/>
+          </a:xfrm>
+          <a:prstGeom prst="rect">
+            <a:avLst/>
+          </a:prstGeom>
+          <a:noFill/>
+          <a:ln>
+            <a:noFill/>
+          </a:ln>
+        </p:spPr>
+        <p:style>
+          <a:lnRef idx="2">
+            <a:schemeClr val="accent1">
+              <a:shade val="50000"/>
+            </a:schemeClr>
+          </a:lnRef>
+          <a:fillRef idx="1">
+            <a:schemeClr val="accent1"/>
+          </a:fillRef>
+          <a:effectRef idx="0">
+            <a:schemeClr val="accent1"/>
+          </a:effectRef>
+          <a:fontRef idx="minor">
+            <a:schemeClr val="lt1"/>
+          </a:fontRef>
+        </p:style>
+        <p:txBody>
+          <a:bodyPr anchor="ctr"/>
+          <a:lstStyle>
+            <a:defPPr>
+              <a:defRPr lang="en-SG"/>
+            </a:defPPr>
+            <a:lvl1pPr algn="l" rtl="0" fontAlgn="base">
+              <a:spcBef>
+                <a:spcPct val="0"/>
+              </a:spcBef>
+              <a:spcAft>
+                <a:spcPct val="0"/>
+              </a:spcAft>
+              <a:defRPr kern="1200">
+                <a:solidFill>
+                  <a:schemeClr val="lt1"/>
+                </a:solidFill>
+                <a:latin typeface="+mn-lt"/>
+                <a:ea typeface="+mn-ea"/>
+                <a:cs typeface="+mn-cs"/>
+              </a:defRPr>
+            </a:lvl1pPr>
+            <a:lvl2pPr marL="457200" algn="l" rtl="0" fontAlgn="base">
+              <a:spcBef>
+                <a:spcPct val="0"/>
+              </a:spcBef>
+              <a:spcAft>
+                <a:spcPct val="0"/>
+              </a:spcAft>
+              <a:defRPr kern="1200">
+                <a:solidFill>
+                  <a:schemeClr val="lt1"/>
+                </a:solidFill>
+                <a:latin typeface="+mn-lt"/>
+                <a:ea typeface="+mn-ea"/>
+                <a:cs typeface="+mn-cs"/>
+              </a:defRPr>
+            </a:lvl2pPr>
+            <a:lvl3pPr marL="914400" algn="l" rtl="0" fontAlgn="base">
+              <a:spcBef>
+                <a:spcPct val="0"/>
+              </a:spcBef>
+              <a:spcAft>
+                <a:spcPct val="0"/>
+              </a:spcAft>
+              <a:defRPr kern="1200">
+                <a:solidFill>
+                  <a:schemeClr val="lt1"/>
+                </a:solidFill>
+                <a:latin typeface="+mn-lt"/>
+                <a:ea typeface="+mn-ea"/>
+                <a:cs typeface="+mn-cs"/>
+              </a:defRPr>
+            </a:lvl3pPr>
+            <a:lvl4pPr marL="1371600" algn="l" rtl="0" fontAlgn="base">
+              <a:spcBef>
+                <a:spcPct val="0"/>
+              </a:spcBef>
+              <a:spcAft>
+                <a:spcPct val="0"/>
+              </a:spcAft>
+              <a:defRPr kern="1200">
+                <a:solidFill>
+                  <a:schemeClr val="lt1"/>
+                </a:solidFill>
+                <a:latin typeface="+mn-lt"/>
+                <a:ea typeface="+mn-ea"/>
+                <a:cs typeface="+mn-cs"/>
+              </a:defRPr>
+            </a:lvl4pPr>
+            <a:lvl5pPr marL="1828800" algn="l" rtl="0" fontAlgn="base">
+              <a:spcBef>
+                <a:spcPct val="0"/>
+              </a:spcBef>
+              <a:spcAft>
+                <a:spcPct val="0"/>
+              </a:spcAft>
+              <a:defRPr kern="1200">
+                <a:solidFill>
+                  <a:schemeClr val="lt1"/>
+                </a:solidFill>
+                <a:latin typeface="+mn-lt"/>
+                <a:ea typeface="+mn-ea"/>
+                <a:cs typeface="+mn-cs"/>
+              </a:defRPr>
+            </a:lvl5pPr>
+            <a:lvl6pPr marL="2286000" algn="l" defTabSz="914400" rtl="0" eaLnBrk="1" latinLnBrk="0" hangingPunct="1">
+              <a:defRPr kern="1200">
+                <a:solidFill>
+                  <a:schemeClr val="lt1"/>
+                </a:solidFill>
+                <a:latin typeface="+mn-lt"/>
+                <a:ea typeface="+mn-ea"/>
+                <a:cs typeface="+mn-cs"/>
+              </a:defRPr>
+            </a:lvl6pPr>
+            <a:lvl7pPr marL="2743200" algn="l" defTabSz="914400" rtl="0" eaLnBrk="1" latinLnBrk="0" hangingPunct="1">
+              <a:defRPr kern="1200">
+                <a:solidFill>
+                  <a:schemeClr val="lt1"/>
+                </a:solidFill>
+                <a:latin typeface="+mn-lt"/>
+                <a:ea typeface="+mn-ea"/>
+                <a:cs typeface="+mn-cs"/>
+              </a:defRPr>
+            </a:lvl7pPr>
+            <a:lvl8pPr marL="3200400" algn="l" defTabSz="914400" rtl="0" eaLnBrk="1" latinLnBrk="0" hangingPunct="1">
+              <a:defRPr kern="1200">
+                <a:solidFill>
+                  <a:schemeClr val="lt1"/>
+                </a:solidFill>
+                <a:latin typeface="+mn-lt"/>
+                <a:ea typeface="+mn-ea"/>
+                <a:cs typeface="+mn-cs"/>
+              </a:defRPr>
+            </a:lvl8pPr>
+            <a:lvl9pPr marL="3657600" algn="l" defTabSz="914400" rtl="0" eaLnBrk="1" latinLnBrk="0" hangingPunct="1">
+              <a:defRPr kern="1200">
+                <a:solidFill>
+                  <a:schemeClr val="lt1"/>
+                </a:solidFill>
+                <a:latin typeface="+mn-lt"/>
+                <a:ea typeface="+mn-ea"/>
+                <a:cs typeface="+mn-cs"/>
+              </a:defRPr>
+            </a:lvl9pPr>
+          </a:lstStyle>
+          <a:p>
+            <a:pPr defTabSz="872733"/>
+            <a:r>
+              <a:rPr lang="en-US" sz="1100" dirty="0">
+                <a:solidFill>
+                  <a:schemeClr val="tx2"/>
+                </a:solidFill>
+                <a:cs typeface="Arial" charset="0"/>
+              </a:rPr>
+              <a:t> [description price and quantity are not empty ]</a:t>
+            </a:r>
+          </a:p>
+        </p:txBody>
+      </p:sp>
+      <p:sp>
+        <p:nvSpPr>
+          <p:cNvPr id="44" name="Rectangle 43">
+            <a:extLst>
+              <a:ext uri="{FF2B5EF4-FFF2-40B4-BE49-F238E27FC236}">
+                <a16:creationId xmlns:a16="http://schemas.microsoft.com/office/drawing/2014/main" id="{070262F8-296A-42BC-B145-450329A2FC54}"/>
+              </a:ext>
+            </a:extLst>
+          </p:cNvPr>
+          <p:cNvSpPr/>
+          <p:nvPr/>
+        </p:nvSpPr>
+        <p:spPr bwMode="auto">
+          <a:xfrm>
+            <a:off x="5475756" y="4140986"/>
+            <a:ext cx="2489602" cy="389739"/>
+          </a:xfrm>
+          <a:prstGeom prst="rect">
+            <a:avLst/>
+          </a:prstGeom>
+          <a:noFill/>
+          <a:ln>
+            <a:noFill/>
+          </a:ln>
+        </p:spPr>
+        <p:style>
+          <a:lnRef idx="2">
+            <a:schemeClr val="accent1">
+              <a:shade val="50000"/>
+            </a:schemeClr>
+          </a:lnRef>
+          <a:fillRef idx="1">
+            <a:schemeClr val="accent1"/>
+          </a:fillRef>
+          <a:effectRef idx="0">
+            <a:schemeClr val="accent1"/>
+          </a:effectRef>
+          <a:fontRef idx="minor">
+            <a:schemeClr val="lt1"/>
+          </a:fontRef>
+        </p:style>
+        <p:txBody>
+          <a:bodyPr anchor="ctr"/>
+          <a:lstStyle>
+            <a:defPPr>
+              <a:defRPr lang="en-SG"/>
+            </a:defPPr>
+            <a:lvl1pPr algn="l" rtl="0" fontAlgn="base">
+              <a:spcBef>
+                <a:spcPct val="0"/>
+              </a:spcBef>
+              <a:spcAft>
+                <a:spcPct val="0"/>
+              </a:spcAft>
+              <a:defRPr kern="1200">
+                <a:solidFill>
+                  <a:schemeClr val="lt1"/>
+                </a:solidFill>
+                <a:latin typeface="+mn-lt"/>
+                <a:ea typeface="+mn-ea"/>
+                <a:cs typeface="+mn-cs"/>
+              </a:defRPr>
+            </a:lvl1pPr>
+            <a:lvl2pPr marL="457200" algn="l" rtl="0" fontAlgn="base">
+              <a:spcBef>
+                <a:spcPct val="0"/>
+              </a:spcBef>
+              <a:spcAft>
+                <a:spcPct val="0"/>
+              </a:spcAft>
+              <a:defRPr kern="1200">
+                <a:solidFill>
+                  <a:schemeClr val="lt1"/>
+                </a:solidFill>
+                <a:latin typeface="+mn-lt"/>
+                <a:ea typeface="+mn-ea"/>
+                <a:cs typeface="+mn-cs"/>
+              </a:defRPr>
+            </a:lvl2pPr>
+            <a:lvl3pPr marL="914400" algn="l" rtl="0" fontAlgn="base">
+              <a:spcBef>
+                <a:spcPct val="0"/>
+              </a:spcBef>
+              <a:spcAft>
+                <a:spcPct val="0"/>
+              </a:spcAft>
+              <a:defRPr kern="1200">
+                <a:solidFill>
+                  <a:schemeClr val="lt1"/>
+                </a:solidFill>
+                <a:latin typeface="+mn-lt"/>
+                <a:ea typeface="+mn-ea"/>
+                <a:cs typeface="+mn-cs"/>
+              </a:defRPr>
+            </a:lvl3pPr>
+            <a:lvl4pPr marL="1371600" algn="l" rtl="0" fontAlgn="base">
+              <a:spcBef>
+                <a:spcPct val="0"/>
+              </a:spcBef>
+              <a:spcAft>
+                <a:spcPct val="0"/>
+              </a:spcAft>
+              <a:defRPr kern="1200">
+                <a:solidFill>
+                  <a:schemeClr val="lt1"/>
+                </a:solidFill>
+                <a:latin typeface="+mn-lt"/>
+                <a:ea typeface="+mn-ea"/>
+                <a:cs typeface="+mn-cs"/>
+              </a:defRPr>
+            </a:lvl4pPr>
+            <a:lvl5pPr marL="1828800" algn="l" rtl="0" fontAlgn="base">
+              <a:spcBef>
+                <a:spcPct val="0"/>
+              </a:spcBef>
+              <a:spcAft>
+                <a:spcPct val="0"/>
+              </a:spcAft>
+              <a:defRPr kern="1200">
+                <a:solidFill>
+                  <a:schemeClr val="lt1"/>
+                </a:solidFill>
+                <a:latin typeface="+mn-lt"/>
+                <a:ea typeface="+mn-ea"/>
+                <a:cs typeface="+mn-cs"/>
+              </a:defRPr>
+            </a:lvl5pPr>
+            <a:lvl6pPr marL="2286000" algn="l" defTabSz="914400" rtl="0" eaLnBrk="1" latinLnBrk="0" hangingPunct="1">
+              <a:defRPr kern="1200">
+                <a:solidFill>
+                  <a:schemeClr val="lt1"/>
+                </a:solidFill>
+                <a:latin typeface="+mn-lt"/>
+                <a:ea typeface="+mn-ea"/>
+                <a:cs typeface="+mn-cs"/>
+              </a:defRPr>
+            </a:lvl6pPr>
+            <a:lvl7pPr marL="2743200" algn="l" defTabSz="914400" rtl="0" eaLnBrk="1" latinLnBrk="0" hangingPunct="1">
+              <a:defRPr kern="1200">
+                <a:solidFill>
+                  <a:schemeClr val="lt1"/>
+                </a:solidFill>
+                <a:latin typeface="+mn-lt"/>
+                <a:ea typeface="+mn-ea"/>
+                <a:cs typeface="+mn-cs"/>
+              </a:defRPr>
+            </a:lvl7pPr>
+            <a:lvl8pPr marL="3200400" algn="l" defTabSz="914400" rtl="0" eaLnBrk="1" latinLnBrk="0" hangingPunct="1">
+              <a:defRPr kern="1200">
+                <a:solidFill>
+                  <a:schemeClr val="lt1"/>
+                </a:solidFill>
+                <a:latin typeface="+mn-lt"/>
+                <a:ea typeface="+mn-ea"/>
+                <a:cs typeface="+mn-cs"/>
+              </a:defRPr>
+            </a:lvl8pPr>
+            <a:lvl9pPr marL="3657600" algn="l" defTabSz="914400" rtl="0" eaLnBrk="1" latinLnBrk="0" hangingPunct="1">
+              <a:defRPr kern="1200">
+                <a:solidFill>
+                  <a:schemeClr val="lt1"/>
+                </a:solidFill>
+                <a:latin typeface="+mn-lt"/>
+                <a:ea typeface="+mn-ea"/>
+                <a:cs typeface="+mn-cs"/>
+              </a:defRPr>
+            </a:lvl9pPr>
+          </a:lstStyle>
+          <a:p>
+            <a:pPr defTabSz="872733"/>
+            <a:r>
+              <a:rPr lang="en-US" sz="1100" dirty="0" err="1">
+                <a:solidFill>
+                  <a:schemeClr val="tx2"/>
+                </a:solidFill>
+                <a:cs typeface="Arial" charset="0"/>
+              </a:rPr>
+              <a:t>items.add</a:t>
+            </a:r>
+            <a:r>
+              <a:rPr lang="en-US" sz="1100" dirty="0">
+                <a:solidFill>
+                  <a:schemeClr val="tx2"/>
+                </a:solidFill>
+                <a:cs typeface="Arial" charset="0"/>
+              </a:rPr>
+              <a:t>(add)</a:t>
+            </a:r>
+          </a:p>
+        </p:txBody>
+      </p:sp>
       <p:grpSp>
         <p:nvGrpSpPr>
-          <p:cNvPr id="2" name="Group 1">
+          <p:cNvPr id="45" name="Group 44">
             <a:extLst>
               <a:ext uri="{FF2B5EF4-FFF2-40B4-BE49-F238E27FC236}">
-                <a16:creationId xmlns:a16="http://schemas.microsoft.com/office/drawing/2014/main" id="{A924A052-E644-416E-A67D-4F095B9DE4A6}"/>
+                <a16:creationId xmlns:a16="http://schemas.microsoft.com/office/drawing/2014/main" id="{FCBEF41C-5C0A-4E61-97FA-21F78166BF1D}"/>
               </a:ext>
             </a:extLst>
           </p:cNvPr>
@@ -5194,18 +6382,18 @@
         </p:nvGrpSpPr>
         <p:grpSpPr>
           <a:xfrm>
-            <a:off x="2362200" y="640478"/>
-            <a:ext cx="7467600" cy="5197617"/>
-            <a:chOff x="398286" y="343960"/>
-            <a:chExt cx="8593314" cy="6455288"/>
+            <a:off x="1559434" y="236179"/>
+            <a:ext cx="8703502" cy="6068367"/>
+            <a:chOff x="398286" y="343957"/>
+            <a:chExt cx="8593314" cy="6056843"/>
           </a:xfrm>
         </p:grpSpPr>
         <p:grpSp>
           <p:nvGrpSpPr>
-            <p:cNvPr id="3" name="Group 2">
+            <p:cNvPr id="46" name="Group 45">
               <a:extLst>
                 <a:ext uri="{FF2B5EF4-FFF2-40B4-BE49-F238E27FC236}">
-                  <a16:creationId xmlns:a16="http://schemas.microsoft.com/office/drawing/2014/main" id="{C32F861D-7F38-4097-A81E-F4310EAA12BD}"/>
+                  <a16:creationId xmlns:a16="http://schemas.microsoft.com/office/drawing/2014/main" id="{522CEE17-757D-4251-8588-E6E49BFFC1C0}"/>
                 </a:ext>
               </a:extLst>
             </p:cNvPr>
@@ -5214,18 +6402,18 @@
           </p:nvGrpSpPr>
           <p:grpSpPr>
             <a:xfrm>
-              <a:off x="398286" y="343960"/>
-              <a:ext cx="8593314" cy="6455288"/>
+              <a:off x="398286" y="343957"/>
+              <a:ext cx="8593314" cy="6056843"/>
               <a:chOff x="4975006" y="4278451"/>
-              <a:chExt cx="3358510" cy="722218"/>
+              <a:chExt cx="3358510" cy="677640"/>
             </a:xfrm>
           </p:grpSpPr>
           <p:sp>
             <p:nvSpPr>
-              <p:cNvPr id="31" name="Rectangle 30">
+              <p:cNvPr id="74" name="Rectangle 73">
                 <a:extLst>
                   <a:ext uri="{FF2B5EF4-FFF2-40B4-BE49-F238E27FC236}">
-                    <a16:creationId xmlns:a16="http://schemas.microsoft.com/office/drawing/2014/main" id="{54E1D0AD-2DC1-4977-8D7B-015A3168922C}"/>
+                    <a16:creationId xmlns:a16="http://schemas.microsoft.com/office/drawing/2014/main" id="{55CAA59E-D271-448C-9156-B9BE17228570}"/>
                   </a:ext>
                 </a:extLst>
               </p:cNvPr>
@@ -5235,42 +6423,95 @@
             <p:spPr>
               <a:xfrm>
                 <a:off x="4975006" y="4278451"/>
-                <a:ext cx="3358510" cy="722218"/>
+                <a:ext cx="3358510" cy="677640"/>
               </a:xfrm>
               <a:prstGeom prst="rect">
                 <a:avLst/>
               </a:prstGeom>
-              <a:ln/>
+              <a:gradFill rotWithShape="1">
+                <a:gsLst>
+                  <a:gs pos="0">
+                    <a:srgbClr val="4F81BD">
+                      <a:tint val="50000"/>
+                      <a:satMod val="300000"/>
+                    </a:srgbClr>
+                  </a:gs>
+                  <a:gs pos="35000">
+                    <a:srgbClr val="4F81BD">
+                      <a:tint val="37000"/>
+                      <a:satMod val="300000"/>
+                    </a:srgbClr>
+                  </a:gs>
+                  <a:gs pos="100000">
+                    <a:srgbClr val="4F81BD">
+                      <a:tint val="15000"/>
+                      <a:satMod val="350000"/>
+                    </a:srgbClr>
+                  </a:gs>
+                </a:gsLst>
+                <a:lin ang="16200000" scaled="1"/>
+              </a:gradFill>
+              <a:ln w="9525" cap="flat" cmpd="sng" algn="ctr">
+                <a:solidFill>
+                  <a:srgbClr val="4F81BD">
+                    <a:shade val="95000"/>
+                    <a:satMod val="105000"/>
+                  </a:srgbClr>
+                </a:solidFill>
+                <a:prstDash val="solid"/>
+              </a:ln>
+              <a:effectLst>
+                <a:outerShdw blurRad="40000" dist="20000" dir="5400000" rotWithShape="0">
+                  <a:srgbClr val="000000">
+                    <a:alpha val="38000"/>
+                  </a:srgbClr>
+                </a:outerShdw>
+              </a:effectLst>
             </p:spPr>
-            <p:style>
-              <a:lnRef idx="1">
-                <a:schemeClr val="accent1"/>
-              </a:lnRef>
-              <a:fillRef idx="2">
-                <a:schemeClr val="accent1"/>
-              </a:fillRef>
-              <a:effectRef idx="1">
-                <a:schemeClr val="accent1"/>
-              </a:effectRef>
-              <a:fontRef idx="minor">
-                <a:schemeClr val="dk1"/>
-              </a:fontRef>
-            </p:style>
             <p:txBody>
               <a:bodyPr rtlCol="0" anchor="ctr"/>
               <a:lstStyle/>
               <a:p>
-                <a:pPr algn="ctr"/>
-                <a:endParaRPr lang="en-SG"/>
+                <a:pPr marL="0" marR="0" lvl="0" indent="0" algn="ctr" defTabSz="914400" eaLnBrk="1" fontAlgn="auto" latinLnBrk="0" hangingPunct="1">
+                  <a:lnSpc>
+                    <a:spcPct val="100000"/>
+                  </a:lnSpc>
+                  <a:spcBef>
+                    <a:spcPts val="0"/>
+                  </a:spcBef>
+                  <a:spcAft>
+                    <a:spcPts val="0"/>
+                  </a:spcAft>
+                  <a:buClrTx/>
+                  <a:buSzTx/>
+                  <a:buFontTx/>
+                  <a:buNone/>
+                  <a:tabLst/>
+                  <a:defRPr/>
+                </a:pPr>
+                <a:endParaRPr kumimoji="0" lang="en-SG" sz="1800" b="0" i="0" u="none" strike="noStrike" kern="0" cap="none" spc="0" normalizeH="0" baseline="0" noProof="0">
+                  <a:ln>
+                    <a:noFill/>
+                  </a:ln>
+                  <a:solidFill>
+                    <a:prstClr val="black"/>
+                  </a:solidFill>
+                  <a:effectLst/>
+                  <a:uLnTx/>
+                  <a:uFillTx/>
+                  <a:latin typeface="Calibri"/>
+                  <a:ea typeface="+mn-ea"/>
+                  <a:cs typeface="+mn-cs"/>
+                </a:endParaRPr>
               </a:p>
             </p:txBody>
           </p:sp>
           <p:sp>
             <p:nvSpPr>
-              <p:cNvPr id="32" name="Rectangle: Top Corners One Rounded and One Snipped 31">
+              <p:cNvPr id="75" name="Rectangle: Top Corners One Rounded and One Snipped 74">
                 <a:extLst>
                   <a:ext uri="{FF2B5EF4-FFF2-40B4-BE49-F238E27FC236}">
-                    <a16:creationId xmlns:a16="http://schemas.microsoft.com/office/drawing/2014/main" id="{3D66EF58-C798-46B2-A9FC-BD0E47CD9A84}"/>
+                    <a16:creationId xmlns:a16="http://schemas.microsoft.com/office/drawing/2014/main" id="{787A3AF3-6A65-4CB5-9127-EA378769E624}"/>
                   </a:ext>
                 </a:extLst>
               </p:cNvPr>
@@ -5286,41 +6527,71 @@
                 <a:avLst/>
               </a:prstGeom>
               <a:solidFill>
-                <a:schemeClr val="bg1">
+                <a:sysClr val="window" lastClr="FFFFFF">
                   <a:lumMod val="95000"/>
-                </a:schemeClr>
+                </a:sysClr>
               </a:solidFill>
-              <a:ln/>
+              <a:ln w="9525" cap="flat" cmpd="sng" algn="ctr">
+                <a:solidFill>
+                  <a:srgbClr val="4BACC6">
+                    <a:shade val="95000"/>
+                    <a:satMod val="105000"/>
+                  </a:srgbClr>
+                </a:solidFill>
+                <a:prstDash val="solid"/>
+              </a:ln>
+              <a:effectLst>
+                <a:outerShdw blurRad="40000" dist="20000" dir="5400000" rotWithShape="0">
+                  <a:srgbClr val="000000">
+                    <a:alpha val="38000"/>
+                  </a:srgbClr>
+                </a:outerShdw>
+              </a:effectLst>
             </p:spPr>
-            <p:style>
-              <a:lnRef idx="1">
-                <a:schemeClr val="accent5"/>
-              </a:lnRef>
-              <a:fillRef idx="2">
-                <a:schemeClr val="accent5"/>
-              </a:fillRef>
-              <a:effectRef idx="1">
-                <a:schemeClr val="accent5"/>
-              </a:effectRef>
-              <a:fontRef idx="minor">
-                <a:schemeClr val="dk1"/>
-              </a:fontRef>
-            </p:style>
             <p:txBody>
               <a:bodyPr rtlCol="0" anchor="ctr"/>
               <a:lstStyle/>
               <a:p>
-                <a:pPr algn="ctr"/>
-                <a:endParaRPr lang="en-SG" dirty="0"/>
+                <a:pPr marL="0" marR="0" lvl="0" indent="0" algn="ctr" defTabSz="914400" eaLnBrk="1" fontAlgn="auto" latinLnBrk="0" hangingPunct="1">
+                  <a:lnSpc>
+                    <a:spcPct val="100000"/>
+                  </a:lnSpc>
+                  <a:spcBef>
+                    <a:spcPts val="0"/>
+                  </a:spcBef>
+                  <a:spcAft>
+                    <a:spcPts val="0"/>
+                  </a:spcAft>
+                  <a:buClrTx/>
+                  <a:buSzTx/>
+                  <a:buFontTx/>
+                  <a:buNone/>
+                  <a:tabLst/>
+                  <a:defRPr/>
+                </a:pPr>
+                <a:endParaRPr kumimoji="0" lang="en-SG" sz="1800" b="0" i="0" u="none" strike="noStrike" kern="0" cap="none" spc="0" normalizeH="0" baseline="0" noProof="0" dirty="0">
+                  <a:ln>
+                    <a:noFill/>
+                  </a:ln>
+                  <a:solidFill>
+                    <a:prstClr val="black"/>
+                  </a:solidFill>
+                  <a:effectLst/>
+                  <a:uLnTx/>
+                  <a:uFillTx/>
+                  <a:latin typeface="Calibri"/>
+                  <a:ea typeface="+mn-ea"/>
+                  <a:cs typeface="+mn-cs"/>
+                </a:endParaRPr>
               </a:p>
             </p:txBody>
           </p:sp>
           <p:sp>
             <p:nvSpPr>
-              <p:cNvPr id="33" name="TextBox 32">
+              <p:cNvPr id="76" name="TextBox 75">
                 <a:extLst>
                   <a:ext uri="{FF2B5EF4-FFF2-40B4-BE49-F238E27FC236}">
-                    <a16:creationId xmlns:a16="http://schemas.microsoft.com/office/drawing/2014/main" id="{89C4631C-AF78-4568-B7EE-1C95F7D5A347}"/>
+                    <a16:creationId xmlns:a16="http://schemas.microsoft.com/office/drawing/2014/main" id="{A4800F22-E6C0-4294-A37F-42EE50D15A41}"/>
                   </a:ext>
                 </a:extLst>
               </p:cNvPr>
@@ -5330,7 +6601,7 @@
             <p:spPr>
               <a:xfrm>
                 <a:off x="5038910" y="4283115"/>
-                <a:ext cx="2106917" cy="72312"/>
+                <a:ext cx="2106917" cy="89809"/>
               </a:xfrm>
               <a:prstGeom prst="rect">
                 <a:avLst/>
@@ -5343,23 +6614,91 @@
               </a:bodyPr>
               <a:lstStyle/>
               <a:p>
+                <a:pPr marL="0" marR="0" lvl="0" indent="0" defTabSz="914400" eaLnBrk="1" fontAlgn="auto" latinLnBrk="0" hangingPunct="1">
+                  <a:lnSpc>
+                    <a:spcPct val="100000"/>
+                  </a:lnSpc>
+                  <a:spcBef>
+                    <a:spcPts val="0"/>
+                  </a:spcBef>
+                  <a:spcAft>
+                    <a:spcPts val="0"/>
+                  </a:spcAft>
+                  <a:buClrTx/>
+                  <a:buSzTx/>
+                  <a:buFontTx/>
+                  <a:buNone/>
+                  <a:tabLst/>
+                  <a:defRPr/>
+                </a:pPr>
                 <a:r>
-                  <a:rPr lang="en-SG" dirty="0"/>
-                  <a:t>sd update item values</a:t>
+                  <a:rPr kumimoji="0" lang="en-SG" sz="1800" b="0" i="0" u="none" strike="noStrike" kern="0" cap="none" spc="0" normalizeH="0" baseline="0" noProof="0" dirty="0" err="1">
+                    <a:ln>
+                      <a:noFill/>
+                    </a:ln>
+                    <a:solidFill>
+                      <a:prstClr val="black"/>
+                    </a:solidFill>
+                    <a:effectLst/>
+                    <a:uLnTx/>
+                    <a:uFillTx/>
+                  </a:rPr>
+                  <a:t>sd</a:t>
+                </a:r>
+                <a:r>
+                  <a:rPr kumimoji="0" lang="en-SG" sz="1800" b="0" i="0" u="none" strike="noStrike" kern="0" cap="none" spc="0" normalizeH="0" baseline="0" noProof="0" dirty="0">
+                    <a:ln>
+                      <a:noFill/>
+                    </a:ln>
+                    <a:solidFill>
+                      <a:prstClr val="black"/>
+                    </a:solidFill>
+                    <a:effectLst/>
+                    <a:uLnTx/>
+                    <a:uFillTx/>
+                  </a:rPr>
+                  <a:t> add item values</a:t>
                 </a:r>
               </a:p>
               <a:p>
-                <a:endParaRPr lang="en-SG" dirty="0"/>
+                <a:pPr marL="0" marR="0" lvl="0" indent="0" defTabSz="914400" eaLnBrk="1" fontAlgn="auto" latinLnBrk="0" hangingPunct="1">
+                  <a:lnSpc>
+                    <a:spcPct val="100000"/>
+                  </a:lnSpc>
+                  <a:spcBef>
+                    <a:spcPts val="0"/>
+                  </a:spcBef>
+                  <a:spcAft>
+                    <a:spcPts val="0"/>
+                  </a:spcAft>
+                  <a:buClrTx/>
+                  <a:buSzTx/>
+                  <a:buFontTx/>
+                  <a:buNone/>
+                  <a:tabLst/>
+                  <a:defRPr/>
+                </a:pPr>
+                <a:endParaRPr kumimoji="0" lang="en-SG" sz="1800" b="0" i="0" u="none" strike="noStrike" kern="0" cap="none" spc="0" normalizeH="0" baseline="0" noProof="0" dirty="0">
+                  <a:ln>
+                    <a:noFill/>
+                  </a:ln>
+                  <a:solidFill>
+                    <a:prstClr val="black"/>
+                  </a:solidFill>
+                  <a:effectLst/>
+                  <a:uLnTx/>
+                  <a:uFillTx/>
+                </a:endParaRPr>
               </a:p>
             </p:txBody>
           </p:sp>
         </p:grpSp>
         <p:grpSp>
           <p:nvGrpSpPr>
-            <p:cNvPr id="4" name="Group 3">
+            <p:cNvPr id="47" name="Group 46">
               <a:extLst>
                 <a:ext uri="{FF2B5EF4-FFF2-40B4-BE49-F238E27FC236}">
-                  <a16:creationId xmlns:a16="http://schemas.microsoft.com/office/drawing/2014/main" id="{7CEF516E-C18C-47C5-BD7B-BEBB4444A9A9}"/>
+                  <a16:creationId xmlns:a16="http://schemas.microsoft.com/office/drawing/2014/main" id="{967899A7-C5C2-4015-AE88-17D4F77D277C}"/>
                 </a:ext>
               </a:extLst>
             </p:cNvPr>
@@ -5368,18 +6707,18 @@
           </p:nvGrpSpPr>
           <p:grpSpPr>
             <a:xfrm>
-              <a:off x="499363" y="2036364"/>
-              <a:ext cx="8097610" cy="4070813"/>
-              <a:chOff x="5729990" y="689134"/>
-              <a:chExt cx="3245131" cy="2362225"/>
+              <a:off x="547026" y="1903250"/>
+              <a:ext cx="8008839" cy="4135264"/>
+              <a:chOff x="5749091" y="611890"/>
+              <a:chExt cx="3209556" cy="2399625"/>
             </a:xfrm>
           </p:grpSpPr>
           <p:sp>
             <p:nvSpPr>
-              <p:cNvPr id="25" name="Rectangle 24">
+              <p:cNvPr id="68" name="Rectangle 67">
                 <a:extLst>
                   <a:ext uri="{FF2B5EF4-FFF2-40B4-BE49-F238E27FC236}">
-                    <a16:creationId xmlns:a16="http://schemas.microsoft.com/office/drawing/2014/main" id="{2C7D2B5C-6D2D-407F-B636-BB735C37EDC1}"/>
+                    <a16:creationId xmlns:a16="http://schemas.microsoft.com/office/drawing/2014/main" id="{BCC84769-1EB8-4F34-B0A1-4F1FC8DA0185}"/>
                   </a:ext>
                 </a:extLst>
               </p:cNvPr>
@@ -5390,14 +6729,14 @@
             </p:nvSpPr>
             <p:spPr bwMode="auto">
               <a:xfrm>
-                <a:off x="5729992" y="689134"/>
-                <a:ext cx="3193076" cy="2362225"/>
+                <a:off x="5757331" y="622523"/>
+                <a:ext cx="3193076" cy="2388992"/>
               </a:xfrm>
               <a:prstGeom prst="rect">
                 <a:avLst/>
               </a:prstGeom>
               <a:solidFill>
-                <a:schemeClr val="bg1"/>
+                <a:sysClr val="window" lastClr="FFFFFF"/>
               </a:solidFill>
               <a:ln w="19050" algn="ctr">
                 <a:solidFill>
@@ -5536,25 +6875,66 @@
                 </a:lvl9pPr>
               </a:lstStyle>
               <a:p>
-                <a:pPr defTabSz="872733"/>
+                <a:pPr marL="0" marR="0" lvl="0" indent="0" algn="l" defTabSz="872733" rtl="0" eaLnBrk="1" fontAlgn="base" latinLnBrk="0" hangingPunct="1">
+                  <a:lnSpc>
+                    <a:spcPct val="100000"/>
+                  </a:lnSpc>
+                  <a:spcBef>
+                    <a:spcPct val="0"/>
+                  </a:spcBef>
+                  <a:spcAft>
+                    <a:spcPct val="0"/>
+                  </a:spcAft>
+                  <a:buClrTx/>
+                  <a:buSzTx/>
+                  <a:buFontTx/>
+                  <a:buNone/>
+                  <a:tabLst/>
+                  <a:defRPr/>
+                </a:pPr>
                 <a:r>
-                  <a:rPr lang="en-US" sz="2000" dirty="0">
+                  <a:rPr kumimoji="0" lang="en-US" sz="2000" b="0" i="0" u="none" strike="noStrike" kern="1200" cap="none" spc="0" normalizeH="0" baseline="0" noProof="0" dirty="0">
+                    <a:ln>
+                      <a:noFill/>
+                    </a:ln>
                     <a:solidFill>
                       <a:prstClr val="black"/>
                     </a:solidFill>
+                    <a:effectLst/>
+                    <a:uLnTx/>
+                    <a:uFillTx/>
                     <a:latin typeface="Calibri" pitchFamily="34" charset="0"/>
+                    <a:ea typeface="+mn-ea"/>
+                    <a:cs typeface="Arial" charset="0"/>
                   </a:rPr>
-                  <a:t>					</a:t>
+                  <a:t>			</a:t>
+                </a:r>
+                <a:r>
+                  <a:rPr kumimoji="0" lang="en-US" sz="1400" b="0" i="0" u="none" strike="noStrike" kern="1200" cap="none" spc="0" normalizeH="0" baseline="0" noProof="0" dirty="0">
+                    <a:ln>
+                      <a:noFill/>
+                    </a:ln>
+                    <a:solidFill>
+                      <a:prstClr val="black"/>
+                    </a:solidFill>
+                    <a:effectLst/>
+                    <a:uLnTx/>
+                    <a:uFillTx/>
+                    <a:latin typeface="Calibri" pitchFamily="34" charset="0"/>
+                    <a:ea typeface="+mn-ea"/>
+                    <a:cs typeface="Arial" charset="0"/>
+                  </a:rPr>
+                  <a:t>		</a:t>
                 </a:r>
               </a:p>
             </p:txBody>
           </p:sp>
           <p:sp>
             <p:nvSpPr>
-              <p:cNvPr id="26" name="Snip Single Corner Rectangle 47">
+              <p:cNvPr id="69" name="Snip Single Corner Rectangle 47">
                 <a:extLst>
                   <a:ext uri="{FF2B5EF4-FFF2-40B4-BE49-F238E27FC236}">
-                    <a16:creationId xmlns:a16="http://schemas.microsoft.com/office/drawing/2014/main" id="{4CAD8F11-D911-4EE1-BF9A-040E6587F4C4}"/>
+                    <a16:creationId xmlns:a16="http://schemas.microsoft.com/office/drawing/2014/main" id="{4F83CA07-E5D8-444D-899F-450A22860B20}"/>
                   </a:ext>
                 </a:extLst>
               </p:cNvPr>
@@ -5563,56 +6943,67 @@
             </p:nvSpPr>
             <p:spPr>
               <a:xfrm flipV="1">
-                <a:off x="5757328" y="777099"/>
+                <a:off x="5758060" y="625457"/>
                 <a:ext cx="365902" cy="337002"/>
               </a:xfrm>
               <a:prstGeom prst="snip1Rect">
                 <a:avLst/>
               </a:prstGeom>
               <a:solidFill>
-                <a:schemeClr val="bg1"/>
+                <a:sysClr val="window" lastClr="FFFFFF"/>
               </a:solidFill>
-              <a:ln>
+              <a:ln w="25400" cap="flat" cmpd="sng" algn="ctr">
                 <a:solidFill>
                   <a:srgbClr val="0070C0"/>
                 </a:solidFill>
+                <a:prstDash val="solid"/>
               </a:ln>
+              <a:effectLst/>
             </p:spPr>
-            <p:style>
-              <a:lnRef idx="2">
-                <a:schemeClr val="accent1">
-                  <a:shade val="50000"/>
-                </a:schemeClr>
-              </a:lnRef>
-              <a:fillRef idx="1">
-                <a:schemeClr val="accent1"/>
-              </a:fillRef>
-              <a:effectRef idx="0">
-                <a:schemeClr val="accent1"/>
-              </a:effectRef>
-              <a:fontRef idx="minor">
-                <a:schemeClr val="lt1"/>
-              </a:fontRef>
-            </p:style>
             <p:txBody>
               <a:bodyPr rtlCol="0" anchor="ctr"/>
               <a:lstStyle/>
               <a:p>
-                <a:pPr algn="ctr" defTabSz="872733"/>
-                <a:endParaRPr lang="en-US" sz="2000">
+                <a:pPr marL="0" marR="0" lvl="0" indent="0" algn="ctr" defTabSz="872733" eaLnBrk="1" fontAlgn="auto" latinLnBrk="0" hangingPunct="1">
+                  <a:lnSpc>
+                    <a:spcPct val="100000"/>
+                  </a:lnSpc>
+                  <a:spcBef>
+                    <a:spcPts val="0"/>
+                  </a:spcBef>
+                  <a:spcAft>
+                    <a:spcPts val="0"/>
+                  </a:spcAft>
+                  <a:buClrTx/>
+                  <a:buSzTx/>
+                  <a:buFontTx/>
+                  <a:buNone/>
+                  <a:tabLst/>
+                  <a:defRPr/>
+                </a:pPr>
+                <a:endParaRPr kumimoji="0" lang="en-US" sz="2000" b="0" i="0" u="none" strike="noStrike" kern="0" cap="none" spc="0" normalizeH="0" baseline="0" noProof="0" dirty="0">
+                  <a:ln>
+                    <a:noFill/>
+                  </a:ln>
                   <a:solidFill>
                     <a:prstClr val="black"/>
                   </a:solidFill>
+                  <a:effectLst/>
+                  <a:uLnTx/>
+                  <a:uFillTx/>
+                  <a:latin typeface="Calibri"/>
+                  <a:ea typeface="+mn-ea"/>
+                  <a:cs typeface="+mn-cs"/>
                 </a:endParaRPr>
               </a:p>
             </p:txBody>
           </p:sp>
           <p:sp>
             <p:nvSpPr>
-              <p:cNvPr id="27" name="Rectangle 26">
+              <p:cNvPr id="70" name="Rectangle 69">
                 <a:extLst>
                   <a:ext uri="{FF2B5EF4-FFF2-40B4-BE49-F238E27FC236}">
-                    <a16:creationId xmlns:a16="http://schemas.microsoft.com/office/drawing/2014/main" id="{A421DFCA-B2BE-43F9-A90A-77095BC13B6D}"/>
+                    <a16:creationId xmlns:a16="http://schemas.microsoft.com/office/drawing/2014/main" id="{2134377E-F43D-4823-A6D9-28876ED0F12B}"/>
                   </a:ext>
                 </a:extLst>
               </p:cNvPr>
@@ -5621,33 +7012,19 @@
             </p:nvSpPr>
             <p:spPr bwMode="auto">
               <a:xfrm>
-                <a:off x="5782045" y="785959"/>
+                <a:off x="5765571" y="611890"/>
                 <a:ext cx="3193076" cy="381000"/>
               </a:xfrm>
               <a:prstGeom prst="rect">
                 <a:avLst/>
               </a:prstGeom>
               <a:noFill/>
-              <a:ln>
+              <a:ln w="25400" cap="flat" cmpd="sng" algn="ctr">
                 <a:noFill/>
+                <a:prstDash val="solid"/>
               </a:ln>
+              <a:effectLst/>
             </p:spPr>
-            <p:style>
-              <a:lnRef idx="2">
-                <a:schemeClr val="accent1">
-                  <a:shade val="50000"/>
-                </a:schemeClr>
-              </a:lnRef>
-              <a:fillRef idx="1">
-                <a:schemeClr val="accent1"/>
-              </a:fillRef>
-              <a:effectRef idx="0">
-                <a:schemeClr val="accent1"/>
-              </a:effectRef>
-              <a:fontRef idx="minor">
-                <a:schemeClr val="lt1"/>
-              </a:fontRef>
-            </p:style>
             <p:txBody>
               <a:bodyPr anchor="ctr"/>
               <a:lstStyle>
@@ -5776,12 +7153,36 @@
                 </a:lvl9pPr>
               </a:lstStyle>
               <a:p>
-                <a:pPr defTabSz="872733"/>
+                <a:pPr marL="0" marR="0" lvl="0" indent="0" algn="l" defTabSz="872733" rtl="0" eaLnBrk="1" fontAlgn="base" latinLnBrk="0" hangingPunct="1">
+                  <a:lnSpc>
+                    <a:spcPct val="100000"/>
+                  </a:lnSpc>
+                  <a:spcBef>
+                    <a:spcPct val="0"/>
+                  </a:spcBef>
+                  <a:spcAft>
+                    <a:spcPct val="0"/>
+                  </a:spcAft>
+                  <a:buClrTx/>
+                  <a:buSzTx/>
+                  <a:buFontTx/>
+                  <a:buNone/>
+                  <a:tabLst/>
+                  <a:defRPr/>
+                </a:pPr>
                 <a:r>
-                  <a:rPr lang="en-US" dirty="0">
+                  <a:rPr kumimoji="0" lang="en-US" sz="1800" b="0" i="0" u="none" strike="noStrike" kern="1200" cap="none" spc="0" normalizeH="0" baseline="0" noProof="0" dirty="0">
+                    <a:ln>
+                      <a:noFill/>
+                    </a:ln>
                     <a:solidFill>
-                      <a:schemeClr val="tx2"/>
+                      <a:srgbClr val="1F497D"/>
                     </a:solidFill>
+                    <a:effectLst/>
+                    <a:uLnTx/>
+                    <a:uFillTx/>
+                    <a:latin typeface="Calibri"/>
+                    <a:ea typeface="+mn-ea"/>
                     <a:cs typeface="Arial" charset="0"/>
                   </a:rPr>
                   <a:t>alt</a:t>
@@ -5791,10 +7192,10 @@
           </p:sp>
           <p:cxnSp>
             <p:nvCxnSpPr>
-              <p:cNvPr id="28" name="Straight Connector 27">
+              <p:cNvPr id="71" name="Straight Connector 70">
                 <a:extLst>
                   <a:ext uri="{FF2B5EF4-FFF2-40B4-BE49-F238E27FC236}">
-                    <a16:creationId xmlns:a16="http://schemas.microsoft.com/office/drawing/2014/main" id="{60819FCF-F8EA-418A-81F9-9172D757672E}"/>
+                    <a16:creationId xmlns:a16="http://schemas.microsoft.com/office/drawing/2014/main" id="{ABC65A97-24C8-4EF8-B427-28B41A1731E9}"/>
                   </a:ext>
                 </a:extLst>
               </p:cNvPr>
@@ -5803,40 +7204,28 @@
             </p:nvCxnSpPr>
             <p:spPr>
               <a:xfrm>
-                <a:off x="5756016" y="1290782"/>
+                <a:off x="5757329" y="1258702"/>
                 <a:ext cx="3193078" cy="11262"/>
               </a:xfrm>
               <a:prstGeom prst="line">
                 <a:avLst/>
               </a:prstGeom>
-              <a:ln w="19050">
+              <a:noFill/>
+              <a:ln w="19050" cap="flat" cmpd="sng" algn="ctr">
                 <a:solidFill>
                   <a:srgbClr val="0070C0"/>
                 </a:solidFill>
                 <a:prstDash val="sysDash"/>
               </a:ln>
+              <a:effectLst/>
             </p:spPr>
-            <p:style>
-              <a:lnRef idx="1">
-                <a:schemeClr val="accent1"/>
-              </a:lnRef>
-              <a:fillRef idx="0">
-                <a:schemeClr val="accent1"/>
-              </a:fillRef>
-              <a:effectRef idx="0">
-                <a:schemeClr val="accent1"/>
-              </a:effectRef>
-              <a:fontRef idx="minor">
-                <a:schemeClr val="tx1"/>
-              </a:fontRef>
-            </p:style>
           </p:cxnSp>
           <p:sp>
             <p:nvSpPr>
-              <p:cNvPr id="29" name="Rectangle 28">
+              <p:cNvPr id="72" name="Rectangle 71">
                 <a:extLst>
                   <a:ext uri="{FF2B5EF4-FFF2-40B4-BE49-F238E27FC236}">
-                    <a16:creationId xmlns:a16="http://schemas.microsoft.com/office/drawing/2014/main" id="{109CF684-3366-4145-AF37-DD0DBE1E49F0}"/>
+                    <a16:creationId xmlns:a16="http://schemas.microsoft.com/office/drawing/2014/main" id="{B6A295C0-1284-4B4C-8FAB-699922D1D32C}"/>
                   </a:ext>
                 </a:extLst>
               </p:cNvPr>
@@ -5852,26 +7241,12 @@
                 <a:avLst/>
               </a:prstGeom>
               <a:noFill/>
-              <a:ln>
+              <a:ln w="25400" cap="flat" cmpd="sng" algn="ctr">
                 <a:noFill/>
+                <a:prstDash val="solid"/>
               </a:ln>
+              <a:effectLst/>
             </p:spPr>
-            <p:style>
-              <a:lnRef idx="2">
-                <a:schemeClr val="accent1">
-                  <a:shade val="50000"/>
-                </a:schemeClr>
-              </a:lnRef>
-              <a:fillRef idx="1">
-                <a:schemeClr val="accent1"/>
-              </a:fillRef>
-              <a:effectRef idx="0">
-                <a:schemeClr val="accent1"/>
-              </a:effectRef>
-              <a:fontRef idx="minor">
-                <a:schemeClr val="lt1"/>
-              </a:fontRef>
-            </p:style>
             <p:txBody>
               <a:bodyPr anchor="ctr"/>
               <a:lstStyle>
@@ -6000,11 +7375,35 @@
                 </a:lvl9pPr>
               </a:lstStyle>
               <a:p>
-                <a:pPr defTabSz="872733"/>
-                <a:endParaRPr lang="en-US" sz="2000" dirty="0">
+                <a:pPr marL="0" marR="0" lvl="0" indent="0" algn="l" defTabSz="872733" rtl="0" eaLnBrk="1" fontAlgn="base" latinLnBrk="0" hangingPunct="1">
+                  <a:lnSpc>
+                    <a:spcPct val="100000"/>
+                  </a:lnSpc>
+                  <a:spcBef>
+                    <a:spcPct val="0"/>
+                  </a:spcBef>
+                  <a:spcAft>
+                    <a:spcPct val="0"/>
+                  </a:spcAft>
+                  <a:buClrTx/>
+                  <a:buSzTx/>
+                  <a:buFontTx/>
+                  <a:buNone/>
+                  <a:tabLst/>
+                  <a:defRPr/>
+                </a:pPr>
+                <a:endParaRPr kumimoji="0" lang="en-US" sz="2000" b="0" i="0" u="none" strike="noStrike" kern="1200" cap="none" spc="0" normalizeH="0" baseline="0" noProof="0" dirty="0">
+                  <a:ln>
+                    <a:noFill/>
+                  </a:ln>
                   <a:solidFill>
                     <a:prstClr val="black"/>
                   </a:solidFill>
+                  <a:effectLst/>
+                  <a:uLnTx/>
+                  <a:uFillTx/>
+                  <a:latin typeface="Calibri"/>
+                  <a:ea typeface="+mn-ea"/>
                   <a:cs typeface="Arial" charset="0"/>
                 </a:endParaRPr>
               </a:p>
@@ -6012,10 +7411,10 @@
           </p:sp>
           <p:cxnSp>
             <p:nvCxnSpPr>
-              <p:cNvPr id="30" name="Straight Connector 29">
+              <p:cNvPr id="73" name="Straight Connector 72">
                 <a:extLst>
                   <a:ext uri="{FF2B5EF4-FFF2-40B4-BE49-F238E27FC236}">
-                    <a16:creationId xmlns:a16="http://schemas.microsoft.com/office/drawing/2014/main" id="{D30AC0D0-4F4B-4B5C-B785-FC0B38AF1C70}"/>
+                    <a16:creationId xmlns:a16="http://schemas.microsoft.com/office/drawing/2014/main" id="{BD083905-07B0-4A1A-9DDB-5F0217F88785}"/>
                   </a:ext>
                 </a:extLst>
               </p:cNvPr>
@@ -6024,41 +7423,29 @@
             </p:nvCxnSpPr>
             <p:spPr>
               <a:xfrm>
-                <a:off x="5729990" y="1892841"/>
+                <a:off x="5749091" y="1867368"/>
                 <a:ext cx="3193078" cy="11262"/>
               </a:xfrm>
               <a:prstGeom prst="line">
                 <a:avLst/>
               </a:prstGeom>
-              <a:ln w="19050">
+              <a:noFill/>
+              <a:ln w="19050" cap="flat" cmpd="sng" algn="ctr">
                 <a:solidFill>
                   <a:srgbClr val="0070C0"/>
                 </a:solidFill>
                 <a:prstDash val="sysDash"/>
               </a:ln>
+              <a:effectLst/>
             </p:spPr>
-            <p:style>
-              <a:lnRef idx="1">
-                <a:schemeClr val="accent1"/>
-              </a:lnRef>
-              <a:fillRef idx="0">
-                <a:schemeClr val="accent1"/>
-              </a:fillRef>
-              <a:effectRef idx="0">
-                <a:schemeClr val="accent1"/>
-              </a:effectRef>
-              <a:fontRef idx="minor">
-                <a:schemeClr val="tx1"/>
-              </a:fontRef>
-            </p:style>
           </p:cxnSp>
         </p:grpSp>
         <p:sp>
           <p:nvSpPr>
-            <p:cNvPr id="5" name="Line 13">
+            <p:cNvPr id="48" name="Line 13">
               <a:extLst>
                 <a:ext uri="{FF2B5EF4-FFF2-40B4-BE49-F238E27FC236}">
-                  <a16:creationId xmlns:a16="http://schemas.microsoft.com/office/drawing/2014/main" id="{4D9BE80E-06AA-45A9-84A5-9BCC19954820}"/>
+                  <a16:creationId xmlns:a16="http://schemas.microsoft.com/office/drawing/2014/main" id="{23B711E4-D4B5-4D13-B765-D06900205F60}"/>
                 </a:ext>
               </a:extLst>
             </p:cNvPr>
@@ -6068,57 +7455,76 @@
             <p:nvPr/>
           </p:nvSpPr>
           <p:spPr bwMode="auto">
-            <a:xfrm>
-              <a:off x="6296416" y="1840639"/>
-              <a:ext cx="70957" cy="4311716"/>
+            <a:xfrm flipH="1">
+              <a:off x="6280505" y="1689710"/>
+              <a:ext cx="2050" cy="4591005"/>
             </a:xfrm>
             <a:prstGeom prst="line">
               <a:avLst/>
             </a:prstGeom>
-            <a:ln>
+            <a:noFill/>
+            <a:ln w="25400" cap="flat" cmpd="sng" algn="ctr">
               <a:solidFill>
-                <a:schemeClr val="bg2">
+                <a:srgbClr val="EEECE1">
                   <a:lumMod val="50000"/>
-                </a:schemeClr>
+                </a:srgbClr>
               </a:solidFill>
               <a:prstDash val="sysDash"/>
               <a:headEnd/>
               <a:tailEnd/>
             </a:ln>
+            <a:effectLst>
+              <a:outerShdw blurRad="40000" dist="20000" dir="5400000" rotWithShape="0">
+                <a:srgbClr val="000000">
+                  <a:alpha val="38000"/>
+                </a:srgbClr>
+              </a:outerShdw>
+            </a:effectLst>
           </p:spPr>
-          <p:style>
-            <a:lnRef idx="2">
-              <a:schemeClr val="accent4"/>
-            </a:lnRef>
-            <a:fillRef idx="0">
-              <a:schemeClr val="accent4"/>
-            </a:fillRef>
-            <a:effectRef idx="1">
-              <a:schemeClr val="accent4"/>
-            </a:effectRef>
-            <a:fontRef idx="minor">
-              <a:schemeClr val="tx1"/>
-            </a:fontRef>
-          </p:style>
           <p:txBody>
             <a:bodyPr/>
             <a:lstStyle/>
             <a:p>
-              <a:pPr defTabSz="872733"/>
-              <a:endParaRPr lang="en-US" sz="1500">
+              <a:pPr marL="0" marR="0" lvl="0" indent="0" defTabSz="872733" eaLnBrk="1" fontAlgn="auto" latinLnBrk="0" hangingPunct="1">
+                <a:lnSpc>
+                  <a:spcPct val="100000"/>
+                </a:lnSpc>
+                <a:spcBef>
+                  <a:spcPts val="0"/>
+                </a:spcBef>
+                <a:spcAft>
+                  <a:spcPts val="0"/>
+                </a:spcAft>
+                <a:buClrTx/>
+                <a:buSzTx/>
+                <a:buFontTx/>
+                <a:buNone/>
+                <a:tabLst/>
+                <a:defRPr/>
+              </a:pPr>
+              <a:endParaRPr kumimoji="0" lang="en-US" sz="1500" b="0" i="0" u="none" strike="noStrike" kern="0" cap="none" spc="0" normalizeH="0" baseline="0" noProof="0" dirty="0">
+                <a:ln>
+                  <a:noFill/>
+                </a:ln>
                 <a:solidFill>
                   <a:prstClr val="black"/>
                 </a:solidFill>
+                <a:effectLst/>
+                <a:uLnTx/>
+                <a:uFillTx/>
+                <a:latin typeface="Calibri"/>
+                <a:ea typeface="+mn-ea"/>
+                <a:cs typeface="+mn-cs"/>
               </a:endParaRPr>
             </a:p>
           </p:txBody>
         </p:sp>
         <p:sp>
           <p:nvSpPr>
-            <p:cNvPr id="6" name="Text Box 11">
+            <p:cNvPr id="49" name="Text Box 11">
               <a:extLst>
                 <a:ext uri="{FF2B5EF4-FFF2-40B4-BE49-F238E27FC236}">
-                  <a16:creationId xmlns:a16="http://schemas.microsoft.com/office/drawing/2014/main" id="{EB87F5AE-AF65-4D28-90EF-33F81C7D7107}"/>
+                  <a16:creationId xmlns:a16="http://schemas.microsoft.com/office/drawing/2014/main" id="{457F540A-6D1C-492B-A927-7ECF6B12D3D7}"/>
                 </a:ext>
               </a:extLst>
             </p:cNvPr>
@@ -6129,243 +7535,98 @@
           </p:nvSpPr>
           <p:spPr bwMode="auto">
             <a:xfrm>
-              <a:off x="5391591" y="968550"/>
+              <a:off x="5310164" y="964689"/>
               <a:ext cx="1938309" cy="745386"/>
             </a:xfrm>
             <a:prstGeom prst="rect">
               <a:avLst/>
             </a:prstGeom>
             <a:solidFill>
-              <a:schemeClr val="bg2">
+              <a:srgbClr val="EEECE1">
                 <a:lumMod val="75000"/>
-              </a:schemeClr>
+              </a:srgbClr>
             </a:solidFill>
-            <a:ln w="19050">
+            <a:ln w="19050" cap="flat" cmpd="sng" algn="ctr">
               <a:solidFill>
-                <a:schemeClr val="bg2">
+                <a:srgbClr val="EEECE1">
                   <a:lumMod val="50000"/>
-                </a:schemeClr>
+                </a:srgbClr>
               </a:solidFill>
+              <a:prstDash val="solid"/>
               <a:headEnd/>
               <a:tailEnd/>
             </a:ln>
+            <a:effectLst>
+              <a:outerShdw blurRad="40000" dist="20000" dir="5400000" rotWithShape="0">
+                <a:srgbClr val="000000">
+                  <a:alpha val="38000"/>
+                </a:srgbClr>
+              </a:outerShdw>
+            </a:effectLst>
           </p:spPr>
-          <p:style>
-            <a:lnRef idx="1">
-              <a:schemeClr val="accent4"/>
-            </a:lnRef>
-            <a:fillRef idx="2">
-              <a:schemeClr val="accent4"/>
-            </a:fillRef>
-            <a:effectRef idx="1">
-              <a:schemeClr val="accent4"/>
-            </a:effectRef>
-            <a:fontRef idx="minor">
-              <a:schemeClr val="dk1"/>
-            </a:fontRef>
-          </p:style>
           <p:txBody>
             <a:bodyPr wrap="square" tIns="182880" bIns="182880">
               <a:spAutoFit/>
             </a:bodyPr>
             <a:lstStyle/>
             <a:p>
-              <a:pPr algn="ctr" defTabSz="872733">
+              <a:pPr marL="0" marR="0" lvl="0" indent="0" algn="ctr" defTabSz="872733" eaLnBrk="1" fontAlgn="auto" latinLnBrk="0" hangingPunct="1">
+                <a:lnSpc>
+                  <a:spcPct val="100000"/>
+                </a:lnSpc>
                 <a:spcBef>
                   <a:spcPct val="50000"/>
                 </a:spcBef>
+                <a:spcAft>
+                  <a:spcPts val="0"/>
+                </a:spcAft>
+                <a:buClrTx/>
+                <a:buSzTx/>
                 <a:buFont typeface="Wingdings" pitchFamily="2" charset="2"/>
                 <a:buNone/>
+                <a:tabLst/>
+                <a:defRPr/>
               </a:pPr>
               <a:r>
-                <a:rPr lang="en-US" sz="1500" dirty="0" err="1">
+                <a:rPr kumimoji="0" lang="en-US" sz="1500" b="0" i="0" u="none" strike="noStrike" kern="0" cap="none" spc="0" normalizeH="0" baseline="0" noProof="0" dirty="0" err="1">
+                  <a:ln>
+                    <a:noFill/>
+                  </a:ln>
                   <a:solidFill>
                     <a:prstClr val="black"/>
                   </a:solidFill>
+                  <a:effectLst/>
+                  <a:uLnTx/>
+                  <a:uFillTx/>
+                  <a:latin typeface="Calibri"/>
+                  <a:ea typeface="+mn-ea"/>
+                  <a:cs typeface="+mn-cs"/>
                 </a:rPr>
                 <a:t>items:ShoppingList</a:t>
               </a:r>
-              <a:endParaRPr lang="en-US" sz="1500" dirty="0">
+              <a:endParaRPr kumimoji="0" lang="en-US" sz="1500" b="0" i="0" u="none" strike="noStrike" kern="0" cap="none" spc="0" normalizeH="0" baseline="0" noProof="0" dirty="0">
+                <a:ln>
+                  <a:noFill/>
+                </a:ln>
                 <a:solidFill>
                   <a:prstClr val="black"/>
                 </a:solidFill>
+                <a:effectLst/>
+                <a:uLnTx/>
+                <a:uFillTx/>
+                <a:latin typeface="Calibri"/>
+                <a:ea typeface="+mn-ea"/>
+                <a:cs typeface="+mn-cs"/>
               </a:endParaRPr>
             </a:p>
           </p:txBody>
         </p:sp>
         <p:sp>
           <p:nvSpPr>
-            <p:cNvPr id="7" name="Rectangle 6">
+            <p:cNvPr id="52" name="Line 13">
               <a:extLst>
                 <a:ext uri="{FF2B5EF4-FFF2-40B4-BE49-F238E27FC236}">
-                  <a16:creationId xmlns:a16="http://schemas.microsoft.com/office/drawing/2014/main" id="{BD33930C-549C-4493-B227-297A7A05DA99}"/>
-                </a:ext>
-              </a:extLst>
-            </p:cNvPr>
-            <p:cNvSpPr/>
-            <p:nvPr/>
-          </p:nvSpPr>
-          <p:spPr>
-            <a:xfrm>
-              <a:off x="6182257" y="2552860"/>
-              <a:ext cx="274415" cy="436245"/>
-            </a:xfrm>
-            <a:prstGeom prst="rect">
-              <a:avLst/>
-            </a:prstGeom>
-            <a:solidFill>
-              <a:schemeClr val="bg2">
-                <a:lumMod val="75000"/>
-              </a:schemeClr>
-            </a:solidFill>
-            <a:ln>
-              <a:solidFill>
-                <a:schemeClr val="bg2">
-                  <a:lumMod val="50000"/>
-                </a:schemeClr>
-              </a:solidFill>
-            </a:ln>
-          </p:spPr>
-          <p:style>
-            <a:lnRef idx="2">
-              <a:schemeClr val="accent4"/>
-            </a:lnRef>
-            <a:fillRef idx="1">
-              <a:schemeClr val="lt1"/>
-            </a:fillRef>
-            <a:effectRef idx="0">
-              <a:schemeClr val="accent4"/>
-            </a:effectRef>
-            <a:fontRef idx="minor">
-              <a:schemeClr val="dk1"/>
-            </a:fontRef>
-          </p:style>
-          <p:txBody>
-            <a:bodyPr rtlCol="0" anchor="ctr"/>
-            <a:lstStyle/>
-            <a:p>
-              <a:pPr algn="ctr" defTabSz="872733"/>
-              <a:endParaRPr lang="en-US" sz="1500">
-                <a:solidFill>
-                  <a:prstClr val="black"/>
-                </a:solidFill>
-              </a:endParaRPr>
-            </a:p>
-          </p:txBody>
-        </p:sp>
-        <p:grpSp>
-          <p:nvGrpSpPr>
-            <p:cNvPr id="8" name="Group 7">
-              <a:extLst>
-                <a:ext uri="{FF2B5EF4-FFF2-40B4-BE49-F238E27FC236}">
-                  <a16:creationId xmlns:a16="http://schemas.microsoft.com/office/drawing/2014/main" id="{80CF5A0E-68F9-4A96-B674-856FF37AF23E}"/>
-                </a:ext>
-              </a:extLst>
-            </p:cNvPr>
-            <p:cNvGrpSpPr/>
-            <p:nvPr/>
-          </p:nvGrpSpPr>
-          <p:grpSpPr>
-            <a:xfrm>
-              <a:off x="2266638" y="6412536"/>
-              <a:ext cx="273734" cy="295615"/>
-              <a:chOff x="4694555" y="6160359"/>
-              <a:chExt cx="273734" cy="295615"/>
-            </a:xfrm>
-          </p:grpSpPr>
-          <p:cxnSp>
-            <p:nvCxnSpPr>
-              <p:cNvPr id="23" name="Straight Connector 22">
-                <a:extLst>
-                  <a:ext uri="{FF2B5EF4-FFF2-40B4-BE49-F238E27FC236}">
-                    <a16:creationId xmlns:a16="http://schemas.microsoft.com/office/drawing/2014/main" id="{03FADD1F-4AA6-4F69-BEB1-BCC3118182F9}"/>
-                  </a:ext>
-                </a:extLst>
-              </p:cNvPr>
-              <p:cNvCxnSpPr/>
-              <p:nvPr/>
-            </p:nvCxnSpPr>
-            <p:spPr>
-              <a:xfrm rot="16200000" flipV="1">
-                <a:off x="4692246" y="6179932"/>
-                <a:ext cx="284429" cy="267656"/>
-              </a:xfrm>
-              <a:prstGeom prst="line">
-                <a:avLst/>
-              </a:prstGeom>
-              <a:ln w="19050">
-                <a:solidFill>
-                  <a:schemeClr val="accent3">
-                    <a:lumMod val="75000"/>
-                  </a:schemeClr>
-                </a:solidFill>
-              </a:ln>
-            </p:spPr>
-            <p:style>
-              <a:lnRef idx="1">
-                <a:schemeClr val="accent1"/>
-              </a:lnRef>
-              <a:fillRef idx="0">
-                <a:schemeClr val="accent1"/>
-              </a:fillRef>
-              <a:effectRef idx="0">
-                <a:schemeClr val="accent1"/>
-              </a:effectRef>
-              <a:fontRef idx="minor">
-                <a:schemeClr val="tx1"/>
-              </a:fontRef>
-            </p:style>
-          </p:cxnSp>
-          <p:cxnSp>
-            <p:nvCxnSpPr>
-              <p:cNvPr id="24" name="Straight Connector 23">
-                <a:extLst>
-                  <a:ext uri="{FF2B5EF4-FFF2-40B4-BE49-F238E27FC236}">
-                    <a16:creationId xmlns:a16="http://schemas.microsoft.com/office/drawing/2014/main" id="{EDB8663F-BD5C-42E4-8596-0563E7F67E13}"/>
-                  </a:ext>
-                </a:extLst>
-              </p:cNvPr>
-              <p:cNvCxnSpPr/>
-              <p:nvPr/>
-            </p:nvCxnSpPr>
-            <p:spPr>
-              <a:xfrm rot="5400000">
-                <a:off x="4683472" y="6171442"/>
-                <a:ext cx="288174" cy="266008"/>
-              </a:xfrm>
-              <a:prstGeom prst="line">
-                <a:avLst/>
-              </a:prstGeom>
-              <a:ln w="19050">
-                <a:solidFill>
-                  <a:schemeClr val="accent3">
-                    <a:lumMod val="75000"/>
-                  </a:schemeClr>
-                </a:solidFill>
-              </a:ln>
-            </p:spPr>
-            <p:style>
-              <a:lnRef idx="1">
-                <a:schemeClr val="accent1"/>
-              </a:lnRef>
-              <a:fillRef idx="0">
-                <a:schemeClr val="accent1"/>
-              </a:fillRef>
-              <a:effectRef idx="0">
-                <a:schemeClr val="accent1"/>
-              </a:effectRef>
-              <a:fontRef idx="minor">
-                <a:schemeClr val="tx1"/>
-              </a:fontRef>
-            </p:style>
-          </p:cxnSp>
-        </p:grpSp>
-        <p:sp>
-          <p:nvSpPr>
-            <p:cNvPr id="9" name="Line 13">
-              <a:extLst>
-                <a:ext uri="{FF2B5EF4-FFF2-40B4-BE49-F238E27FC236}">
-                  <a16:creationId xmlns:a16="http://schemas.microsoft.com/office/drawing/2014/main" id="{4F7EB063-B1C6-47D9-AB2D-E4555E90DAE5}"/>
+                  <a16:creationId xmlns:a16="http://schemas.microsoft.com/office/drawing/2014/main" id="{3F1737BE-D3F8-40D8-A3FB-1EB76E76C190}"/>
                 </a:ext>
               </a:extLst>
             </p:cNvPr>
@@ -6376,117 +7637,75 @@
           </p:nvSpPr>
           <p:spPr bwMode="auto">
             <a:xfrm flipH="1">
-              <a:off x="2402116" y="1680550"/>
-              <a:ext cx="5817" cy="4865356"/>
+              <a:off x="3146014" y="1712977"/>
+              <a:ext cx="9118" cy="4592843"/>
             </a:xfrm>
             <a:prstGeom prst="line">
               <a:avLst/>
             </a:prstGeom>
-            <a:ln>
+            <a:noFill/>
+            <a:ln w="25400" cap="flat" cmpd="sng" algn="ctr">
               <a:solidFill>
-                <a:schemeClr val="accent3">
+                <a:srgbClr val="9BBB59">
                   <a:lumMod val="75000"/>
-                </a:schemeClr>
+                </a:srgbClr>
               </a:solidFill>
               <a:prstDash val="sysDash"/>
               <a:headEnd/>
               <a:tailEnd/>
             </a:ln>
+            <a:effectLst>
+              <a:outerShdw blurRad="40000" dist="20000" dir="5400000" rotWithShape="0">
+                <a:srgbClr val="000000">
+                  <a:alpha val="38000"/>
+                </a:srgbClr>
+              </a:outerShdw>
+            </a:effectLst>
           </p:spPr>
-          <p:style>
-            <a:lnRef idx="2">
-              <a:schemeClr val="accent4"/>
-            </a:lnRef>
-            <a:fillRef idx="0">
-              <a:schemeClr val="accent4"/>
-            </a:fillRef>
-            <a:effectRef idx="1">
-              <a:schemeClr val="accent4"/>
-            </a:effectRef>
-            <a:fontRef idx="minor">
-              <a:schemeClr val="tx1"/>
-            </a:fontRef>
-          </p:style>
           <p:txBody>
             <a:bodyPr/>
             <a:lstStyle/>
             <a:p>
-              <a:pPr defTabSz="872733"/>
-              <a:endParaRPr lang="en-US" sz="1500" dirty="0">
+              <a:pPr marL="0" marR="0" lvl="0" indent="0" defTabSz="872733" eaLnBrk="1" fontAlgn="auto" latinLnBrk="0" hangingPunct="1">
+                <a:lnSpc>
+                  <a:spcPct val="100000"/>
+                </a:lnSpc>
+                <a:spcBef>
+                  <a:spcPts val="0"/>
+                </a:spcBef>
+                <a:spcAft>
+                  <a:spcPts val="0"/>
+                </a:spcAft>
+                <a:buClrTx/>
+                <a:buSzTx/>
+                <a:buFontTx/>
+                <a:buNone/>
+                <a:tabLst/>
+                <a:defRPr/>
+              </a:pPr>
+              <a:endParaRPr kumimoji="0" lang="en-US" sz="1500" b="0" i="0" u="none" strike="noStrike" kern="0" cap="none" spc="0" normalizeH="0" baseline="0" noProof="0" dirty="0">
+                <a:ln>
+                  <a:noFill/>
+                </a:ln>
                 <a:solidFill>
                   <a:prstClr val="black"/>
                 </a:solidFill>
+                <a:effectLst/>
+                <a:uLnTx/>
+                <a:uFillTx/>
+                <a:latin typeface="Calibri"/>
+                <a:ea typeface="+mn-ea"/>
+                <a:cs typeface="+mn-cs"/>
               </a:endParaRPr>
             </a:p>
           </p:txBody>
         </p:sp>
         <p:sp>
           <p:nvSpPr>
-            <p:cNvPr id="10" name="Rectangle 9">
+            <p:cNvPr id="54" name="Text Box 11">
               <a:extLst>
                 <a:ext uri="{FF2B5EF4-FFF2-40B4-BE49-F238E27FC236}">
-                  <a16:creationId xmlns:a16="http://schemas.microsoft.com/office/drawing/2014/main" id="{87876183-C46B-446C-9129-5259947FE6D2}"/>
-                </a:ext>
-              </a:extLst>
-            </p:cNvPr>
-            <p:cNvSpPr/>
-            <p:nvPr/>
-          </p:nvSpPr>
-          <p:spPr>
-            <a:xfrm>
-              <a:off x="2240644" y="1775495"/>
-              <a:ext cx="301122" cy="4579794"/>
-            </a:xfrm>
-            <a:prstGeom prst="rect">
-              <a:avLst/>
-            </a:prstGeom>
-            <a:solidFill>
-              <a:schemeClr val="accent3">
-                <a:lumMod val="20000"/>
-                <a:lumOff val="80000"/>
-              </a:schemeClr>
-            </a:solidFill>
-            <a:ln>
-              <a:solidFill>
-                <a:schemeClr val="accent3">
-                  <a:lumMod val="75000"/>
-                </a:schemeClr>
-              </a:solidFill>
-            </a:ln>
-          </p:spPr>
-          <p:style>
-            <a:lnRef idx="2">
-              <a:schemeClr val="accent4"/>
-            </a:lnRef>
-            <a:fillRef idx="1">
-              <a:schemeClr val="lt1"/>
-            </a:fillRef>
-            <a:effectRef idx="0">
-              <a:schemeClr val="accent4"/>
-            </a:effectRef>
-            <a:fontRef idx="minor">
-              <a:schemeClr val="dk1"/>
-            </a:fontRef>
-          </p:style>
-          <p:txBody>
-            <a:bodyPr rtlCol="0" anchor="ctr"/>
-            <a:lstStyle/>
-            <a:p>
-              <a:pPr algn="ctr" defTabSz="872733"/>
-              <a:endParaRPr lang="en-US" sz="1500">
-                <a:solidFill>
-                  <a:prstClr val="black"/>
-                </a:solidFill>
-              </a:endParaRPr>
-            </a:p>
-          </p:txBody>
-        </p:sp>
-        <p:sp>
-          <p:nvSpPr>
-            <p:cNvPr id="11" name="Text Box 11">
-              <a:extLst>
-                <a:ext uri="{FF2B5EF4-FFF2-40B4-BE49-F238E27FC236}">
-                  <a16:creationId xmlns:a16="http://schemas.microsoft.com/office/drawing/2014/main" id="{D907DFBA-88B4-443E-BA98-C84F8C5C395A}"/>
+                  <a16:creationId xmlns:a16="http://schemas.microsoft.com/office/drawing/2014/main" id="{F9B5FDFC-4FFB-4950-90AA-92C9B7A1C0D1}"/>
                 </a:ext>
               </a:extLst>
             </p:cNvPr>
@@ -6497,74 +7716,129 @@
           </p:nvSpPr>
           <p:spPr bwMode="auto">
             <a:xfrm>
-              <a:off x="1668737" y="919774"/>
+              <a:off x="2370662" y="933135"/>
               <a:ext cx="1596653" cy="745386"/>
             </a:xfrm>
             <a:prstGeom prst="rect">
               <a:avLst/>
             </a:prstGeom>
-            <a:ln w="19050">
+            <a:gradFill rotWithShape="1">
+              <a:gsLst>
+                <a:gs pos="0">
+                  <a:srgbClr val="9BBB59">
+                    <a:tint val="50000"/>
+                    <a:satMod val="300000"/>
+                  </a:srgbClr>
+                </a:gs>
+                <a:gs pos="35000">
+                  <a:srgbClr val="9BBB59">
+                    <a:tint val="37000"/>
+                    <a:satMod val="300000"/>
+                  </a:srgbClr>
+                </a:gs>
+                <a:gs pos="100000">
+                  <a:srgbClr val="9BBB59">
+                    <a:tint val="15000"/>
+                    <a:satMod val="350000"/>
+                  </a:srgbClr>
+                </a:gs>
+              </a:gsLst>
+              <a:lin ang="16200000" scaled="1"/>
+            </a:gradFill>
+            <a:ln w="19050" cap="flat" cmpd="sng" algn="ctr">
+              <a:solidFill>
+                <a:srgbClr val="9BBB59">
+                  <a:shade val="95000"/>
+                  <a:satMod val="105000"/>
+                </a:srgbClr>
+              </a:solidFill>
+              <a:prstDash val="solid"/>
               <a:headEnd/>
               <a:tailEnd/>
             </a:ln>
+            <a:effectLst>
+              <a:outerShdw blurRad="40000" dist="20000" dir="5400000" rotWithShape="0">
+                <a:srgbClr val="000000">
+                  <a:alpha val="38000"/>
+                </a:srgbClr>
+              </a:outerShdw>
+            </a:effectLst>
           </p:spPr>
-          <p:style>
-            <a:lnRef idx="1">
-              <a:schemeClr val="accent3"/>
-            </a:lnRef>
-            <a:fillRef idx="2">
-              <a:schemeClr val="accent3"/>
-            </a:fillRef>
-            <a:effectRef idx="1">
-              <a:schemeClr val="accent3"/>
-            </a:effectRef>
-            <a:fontRef idx="minor">
-              <a:schemeClr val="dk1"/>
-            </a:fontRef>
-          </p:style>
           <p:txBody>
             <a:bodyPr wrap="square" tIns="182880" bIns="182880">
               <a:spAutoFit/>
             </a:bodyPr>
             <a:lstStyle/>
             <a:p>
-              <a:pPr algn="ctr" defTabSz="872733">
+              <a:pPr marL="0" marR="0" lvl="0" indent="0" algn="ctr" defTabSz="872733" eaLnBrk="1" fontAlgn="auto" latinLnBrk="0" hangingPunct="1">
+                <a:lnSpc>
+                  <a:spcPct val="100000"/>
+                </a:lnSpc>
                 <a:spcBef>
                   <a:spcPct val="50000"/>
                 </a:spcBef>
+                <a:spcAft>
+                  <a:spcPts val="0"/>
+                </a:spcAft>
+                <a:buClrTx/>
+                <a:buSzTx/>
                 <a:buFont typeface="Wingdings" pitchFamily="2" charset="2"/>
                 <a:buNone/>
+                <a:tabLst/>
+                <a:defRPr/>
               </a:pPr>
               <a:r>
-                <a:rPr lang="en-US" sz="1500" dirty="0">
+                <a:rPr kumimoji="0" lang="en-US" sz="1500" b="0" i="0" u="none" strike="noStrike" kern="0" cap="none" spc="0" normalizeH="0" baseline="0" noProof="0" dirty="0">
+                  <a:ln>
+                    <a:noFill/>
+                  </a:ln>
                   <a:solidFill>
                     <a:prstClr val="black"/>
                   </a:solidFill>
+                  <a:effectLst/>
+                  <a:uLnTx/>
+                  <a:uFillTx/>
+                  <a:latin typeface="Calibri"/>
+                  <a:ea typeface="+mn-ea"/>
+                  <a:cs typeface="+mn-cs"/>
                 </a:rPr>
                 <a:t>:</a:t>
               </a:r>
               <a:r>
-                <a:rPr lang="en-US" sz="1500" dirty="0" err="1">
+                <a:rPr lang="en-US" sz="1500" kern="0" dirty="0">
                   <a:solidFill>
                     <a:prstClr val="black"/>
                   </a:solidFill>
+                  <a:latin typeface="Calibri"/>
                 </a:rPr>
-                <a:t>AddCommand</a:t>
+                <a:t>Add</a:t>
               </a:r>
-              <a:endParaRPr lang="en-US" sz="1500" dirty="0">
-                <a:solidFill>
-                  <a:prstClr val="black"/>
-                </a:solidFill>
-              </a:endParaRPr>
+              <a:r>
+                <a:rPr kumimoji="0" lang="en-US" sz="1500" b="0" i="0" u="none" strike="noStrike" kern="0" cap="none" spc="0" normalizeH="0" baseline="0" noProof="0" dirty="0">
+                  <a:ln>
+                    <a:noFill/>
+                  </a:ln>
+                  <a:solidFill>
+                    <a:prstClr val="black"/>
+                  </a:solidFill>
+                  <a:effectLst/>
+                  <a:uLnTx/>
+                  <a:uFillTx/>
+                  <a:latin typeface="Calibri"/>
+                  <a:ea typeface="+mn-ea"/>
+                  <a:cs typeface="+mn-cs"/>
+                </a:rPr>
+                <a:t>Command</a:t>
+              </a:r>
             </a:p>
           </p:txBody>
         </p:sp>
         <p:sp>
           <p:nvSpPr>
-            <p:cNvPr id="12" name="Rectangle 11">
+            <p:cNvPr id="55" name="Rectangle 54">
               <a:extLst>
                 <a:ext uri="{FF2B5EF4-FFF2-40B4-BE49-F238E27FC236}">
-                  <a16:creationId xmlns:a16="http://schemas.microsoft.com/office/drawing/2014/main" id="{FF891FB8-60C9-40B3-8B16-B12379B3F5AA}"/>
+                  <a16:creationId xmlns:a16="http://schemas.microsoft.com/office/drawing/2014/main" id="{45A124B4-FD6A-434A-9087-54F6B312136A}"/>
                 </a:ext>
               </a:extLst>
             </p:cNvPr>
@@ -6573,33 +7847,19 @@
           </p:nvSpPr>
           <p:spPr bwMode="auto">
             <a:xfrm>
-              <a:off x="2467063" y="2093058"/>
-              <a:ext cx="3829353" cy="574030"/>
+              <a:off x="3139290" y="1970080"/>
+              <a:ext cx="2999214" cy="388999"/>
             </a:xfrm>
             <a:prstGeom prst="rect">
               <a:avLst/>
             </a:prstGeom>
             <a:noFill/>
-            <a:ln>
+            <a:ln w="25400" cap="flat" cmpd="sng" algn="ctr">
               <a:noFill/>
+              <a:prstDash val="solid"/>
             </a:ln>
+            <a:effectLst/>
           </p:spPr>
-          <p:style>
-            <a:lnRef idx="2">
-              <a:schemeClr val="accent1">
-                <a:shade val="50000"/>
-              </a:schemeClr>
-            </a:lnRef>
-            <a:fillRef idx="1">
-              <a:schemeClr val="accent1"/>
-            </a:fillRef>
-            <a:effectRef idx="0">
-              <a:schemeClr val="accent1"/>
-            </a:effectRef>
-            <a:fontRef idx="minor">
-              <a:schemeClr val="lt1"/>
-            </a:fontRef>
-          </p:style>
           <p:txBody>
             <a:bodyPr anchor="ctr"/>
             <a:lstStyle>
@@ -6728,25 +7988,49 @@
               </a:lvl9pPr>
             </a:lstStyle>
             <a:p>
-              <a:pPr defTabSz="872733"/>
+              <a:pPr marL="0" marR="0" lvl="0" indent="0" algn="l" defTabSz="872733" rtl="0" eaLnBrk="1" fontAlgn="base" latinLnBrk="0" hangingPunct="1">
+                <a:lnSpc>
+                  <a:spcPct val="100000"/>
+                </a:lnSpc>
+                <a:spcBef>
+                  <a:spcPct val="0"/>
+                </a:spcBef>
+                <a:spcAft>
+                  <a:spcPct val="0"/>
+                </a:spcAft>
+                <a:buClrTx/>
+                <a:buSzTx/>
+                <a:buFontTx/>
+                <a:buNone/>
+                <a:tabLst/>
+                <a:defRPr/>
+              </a:pPr>
               <a:r>
-                <a:rPr lang="en-US" sz="1100" dirty="0">
+                <a:rPr kumimoji="0" lang="en-US" sz="1400" b="0" i="0" u="none" strike="noStrike" kern="1200" cap="none" spc="0" normalizeH="0" baseline="0" noProof="0" dirty="0">
+                  <a:ln>
+                    <a:noFill/>
+                  </a:ln>
                   <a:solidFill>
-                    <a:schemeClr val="tx2"/>
+                    <a:srgbClr val="1F497D"/>
                   </a:solidFill>
+                  <a:effectLst/>
+                  <a:uLnTx/>
+                  <a:uFillTx/>
+                  <a:latin typeface="Calibri"/>
+                  <a:ea typeface="+mn-ea"/>
                   <a:cs typeface="Arial" charset="0"/>
                 </a:rPr>
-                <a:t> [description not empty, price and quantity empty   ]</a:t>
+                <a:t>[description is not empty, price and quantity are empty]</a:t>
               </a:r>
             </a:p>
           </p:txBody>
         </p:sp>
         <p:sp>
           <p:nvSpPr>
-            <p:cNvPr id="13" name="Line 15">
+            <p:cNvPr id="56" name="Line 15">
               <a:extLst>
                 <a:ext uri="{FF2B5EF4-FFF2-40B4-BE49-F238E27FC236}">
-                  <a16:creationId xmlns:a16="http://schemas.microsoft.com/office/drawing/2014/main" id="{BF2F79E8-6A9C-439A-BD6A-F7E290E7F33A}"/>
+                  <a16:creationId xmlns:a16="http://schemas.microsoft.com/office/drawing/2014/main" id="{14B82A8A-07D2-402E-B2DF-C358F85225E0}"/>
                 </a:ext>
               </a:extLst>
             </p:cNvPr>
@@ -6756,9 +8040,9 @@
             <p:nvPr/>
           </p:nvSpPr>
           <p:spPr bwMode="auto">
-            <a:xfrm flipV="1">
-              <a:off x="2580235" y="2589665"/>
-              <a:ext cx="3603943" cy="3582"/>
+            <a:xfrm>
+              <a:off x="3167336" y="2424241"/>
+              <a:ext cx="3116886" cy="11233"/>
             </a:xfrm>
             <a:prstGeom prst="line">
               <a:avLst/>
@@ -6766,9 +8050,9 @@
             <a:noFill/>
             <a:ln w="19050">
               <a:solidFill>
-                <a:schemeClr val="bg2">
+                <a:srgbClr val="EEECE1">
                   <a:lumMod val="50000"/>
-                </a:schemeClr>
+                </a:srgbClr>
               </a:solidFill>
               <a:round/>
               <a:headEnd/>
@@ -6779,21 +8063,43 @@
             <a:bodyPr/>
             <a:lstStyle/>
             <a:p>
-              <a:pPr defTabSz="872733"/>
-              <a:endParaRPr lang="en-US" sz="1500" dirty="0">
+              <a:pPr marL="0" marR="0" lvl="0" indent="0" defTabSz="872733" eaLnBrk="1" fontAlgn="auto" latinLnBrk="0" hangingPunct="1">
+                <a:lnSpc>
+                  <a:spcPct val="100000"/>
+                </a:lnSpc>
+                <a:spcBef>
+                  <a:spcPts val="0"/>
+                </a:spcBef>
+                <a:spcAft>
+                  <a:spcPts val="0"/>
+                </a:spcAft>
+                <a:buClrTx/>
+                <a:buSzTx/>
+                <a:buFontTx/>
+                <a:buNone/>
+                <a:tabLst/>
+                <a:defRPr/>
+              </a:pPr>
+              <a:endParaRPr kumimoji="0" lang="en-US" sz="1500" b="0" i="0" u="none" strike="noStrike" kern="0" cap="none" spc="0" normalizeH="0" baseline="0" noProof="0" dirty="0">
+                <a:ln>
+                  <a:noFill/>
+                </a:ln>
                 <a:solidFill>
                   <a:prstClr val="black"/>
                 </a:solidFill>
+                <a:effectLst/>
+                <a:uLnTx/>
+                <a:uFillTx/>
               </a:endParaRPr>
             </a:p>
           </p:txBody>
         </p:sp>
         <p:sp>
           <p:nvSpPr>
-            <p:cNvPr id="14" name="Rectangle 13">
+            <p:cNvPr id="57" name="Rectangle 56">
               <a:extLst>
                 <a:ext uri="{FF2B5EF4-FFF2-40B4-BE49-F238E27FC236}">
-                  <a16:creationId xmlns:a16="http://schemas.microsoft.com/office/drawing/2014/main" id="{CE91ACD2-7F94-45F1-BBE1-F6AD718C3A33}"/>
+                  <a16:creationId xmlns:a16="http://schemas.microsoft.com/office/drawing/2014/main" id="{2F360AE3-4D5A-4B2F-BE71-983C80364399}"/>
                 </a:ext>
               </a:extLst>
             </p:cNvPr>
@@ -6802,33 +8108,19 @@
           </p:nvSpPr>
           <p:spPr bwMode="auto">
             <a:xfrm>
-              <a:off x="3064142" y="2614707"/>
+              <a:off x="4732598" y="2087199"/>
               <a:ext cx="2458083" cy="388999"/>
             </a:xfrm>
             <a:prstGeom prst="rect">
               <a:avLst/>
             </a:prstGeom>
             <a:noFill/>
-            <a:ln>
+            <a:ln w="25400" cap="flat" cmpd="sng" algn="ctr">
               <a:noFill/>
+              <a:prstDash val="solid"/>
             </a:ln>
+            <a:effectLst/>
           </p:spPr>
-          <p:style>
-            <a:lnRef idx="2">
-              <a:schemeClr val="accent1">
-                <a:shade val="50000"/>
-              </a:schemeClr>
-            </a:lnRef>
-            <a:fillRef idx="1">
-              <a:schemeClr val="accent1"/>
-            </a:fillRef>
-            <a:effectRef idx="0">
-              <a:schemeClr val="accent1"/>
-            </a:effectRef>
-            <a:fontRef idx="minor">
-              <a:schemeClr val="lt1"/>
-            </a:fontRef>
-          </p:style>
           <p:txBody>
             <a:bodyPr anchor="ctr"/>
             <a:lstStyle>
@@ -6957,1216 +8249,164 @@
               </a:lvl9pPr>
             </a:lstStyle>
             <a:p>
-              <a:pPr defTabSz="872733"/>
-              <a:r>
-                <a:rPr lang="en-US" sz="1100" dirty="0" err="1">
-                  <a:solidFill>
-                    <a:schemeClr val="tx2"/>
-                  </a:solidFill>
-                  <a:cs typeface="Arial" charset="0"/>
-                </a:rPr>
-                <a:t>items.add</a:t>
-              </a:r>
-              <a:r>
-                <a:rPr lang="en-US" sz="1100" dirty="0">
-                  <a:solidFill>
-                    <a:schemeClr val="tx2"/>
-                  </a:solidFill>
-                  <a:cs typeface="Arial" charset="0"/>
-                </a:rPr>
-                <a:t>(add)</a:t>
-              </a:r>
-            </a:p>
-          </p:txBody>
-        </p:sp>
-        <p:sp>
-          <p:nvSpPr>
-            <p:cNvPr id="15" name="Rectangle 14">
-              <a:extLst>
-                <a:ext uri="{FF2B5EF4-FFF2-40B4-BE49-F238E27FC236}">
-                  <a16:creationId xmlns:a16="http://schemas.microsoft.com/office/drawing/2014/main" id="{6A70197C-D178-4676-BA4F-873AC369CEF9}"/>
-                </a:ext>
-              </a:extLst>
-            </p:cNvPr>
-            <p:cNvSpPr/>
-            <p:nvPr/>
-          </p:nvSpPr>
-          <p:spPr>
-            <a:xfrm>
-              <a:off x="6182125" y="3474575"/>
-              <a:ext cx="274415" cy="497623"/>
-            </a:xfrm>
-            <a:prstGeom prst="rect">
-              <a:avLst/>
-            </a:prstGeom>
-            <a:solidFill>
-              <a:schemeClr val="bg2">
-                <a:lumMod val="75000"/>
-              </a:schemeClr>
-            </a:solidFill>
-            <a:ln>
-              <a:solidFill>
-                <a:schemeClr val="bg2">
-                  <a:lumMod val="50000"/>
-                </a:schemeClr>
-              </a:solidFill>
-            </a:ln>
-          </p:spPr>
-          <p:style>
-            <a:lnRef idx="2">
-              <a:schemeClr val="accent4"/>
-            </a:lnRef>
-            <a:fillRef idx="1">
-              <a:schemeClr val="lt1"/>
-            </a:fillRef>
-            <a:effectRef idx="0">
-              <a:schemeClr val="accent4"/>
-            </a:effectRef>
-            <a:fontRef idx="minor">
-              <a:schemeClr val="dk1"/>
-            </a:fontRef>
-          </p:style>
-          <p:txBody>
-            <a:bodyPr rtlCol="0" anchor="ctr"/>
-            <a:lstStyle/>
-            <a:p>
-              <a:pPr algn="ctr" defTabSz="872733"/>
-              <a:endParaRPr lang="en-US" sz="1500">
-                <a:solidFill>
-                  <a:prstClr val="black"/>
-                </a:solidFill>
-              </a:endParaRPr>
-            </a:p>
-          </p:txBody>
-        </p:sp>
-        <p:sp>
-          <p:nvSpPr>
-            <p:cNvPr id="18" name="Line 15">
-              <a:extLst>
-                <a:ext uri="{FF2B5EF4-FFF2-40B4-BE49-F238E27FC236}">
-                  <a16:creationId xmlns:a16="http://schemas.microsoft.com/office/drawing/2014/main" id="{6C9A7994-521A-47FA-854B-9489CE99C7A7}"/>
-                </a:ext>
-              </a:extLst>
-            </p:cNvPr>
-            <p:cNvSpPr>
-              <a:spLocks noChangeShapeType="1"/>
-            </p:cNvSpPr>
-            <p:nvPr/>
-          </p:nvSpPr>
-          <p:spPr bwMode="auto">
-            <a:xfrm>
-              <a:off x="2568738" y="3475655"/>
-              <a:ext cx="3605336" cy="25732"/>
-            </a:xfrm>
-            <a:prstGeom prst="line">
-              <a:avLst/>
-            </a:prstGeom>
-            <a:noFill/>
-            <a:ln w="19050">
-              <a:solidFill>
-                <a:schemeClr val="bg2">
-                  <a:lumMod val="50000"/>
-                </a:schemeClr>
-              </a:solidFill>
-              <a:round/>
-              <a:headEnd/>
-              <a:tailEnd type="triangle" w="lg" len="lg"/>
-            </a:ln>
-          </p:spPr>
-          <p:txBody>
-            <a:bodyPr/>
-            <a:lstStyle/>
-            <a:p>
-              <a:pPr defTabSz="872733"/>
-              <a:endParaRPr lang="en-US" sz="1500" dirty="0">
-                <a:solidFill>
-                  <a:prstClr val="black"/>
-                </a:solidFill>
-              </a:endParaRPr>
-            </a:p>
-          </p:txBody>
-        </p:sp>
-        <p:sp>
-          <p:nvSpPr>
-            <p:cNvPr id="19" name="Rectangle 18">
-              <a:extLst>
-                <a:ext uri="{FF2B5EF4-FFF2-40B4-BE49-F238E27FC236}">
-                  <a16:creationId xmlns:a16="http://schemas.microsoft.com/office/drawing/2014/main" id="{6C2B5E4E-CDF7-4F24-927B-184AE18258A2}"/>
-                </a:ext>
-              </a:extLst>
-            </p:cNvPr>
-            <p:cNvSpPr/>
-            <p:nvPr/>
-          </p:nvSpPr>
-          <p:spPr>
-            <a:xfrm>
-              <a:off x="6210201" y="4591386"/>
-              <a:ext cx="274415" cy="436245"/>
-            </a:xfrm>
-            <a:prstGeom prst="rect">
-              <a:avLst/>
-            </a:prstGeom>
-            <a:solidFill>
-              <a:schemeClr val="bg2">
-                <a:lumMod val="75000"/>
-              </a:schemeClr>
-            </a:solidFill>
-            <a:ln>
-              <a:solidFill>
-                <a:schemeClr val="bg2">
-                  <a:lumMod val="50000"/>
-                </a:schemeClr>
-              </a:solidFill>
-            </a:ln>
-          </p:spPr>
-          <p:style>
-            <a:lnRef idx="2">
-              <a:schemeClr val="accent4"/>
-            </a:lnRef>
-            <a:fillRef idx="1">
-              <a:schemeClr val="lt1"/>
-            </a:fillRef>
-            <a:effectRef idx="0">
-              <a:schemeClr val="accent4"/>
-            </a:effectRef>
-            <a:fontRef idx="minor">
-              <a:schemeClr val="dk1"/>
-            </a:fontRef>
-          </p:style>
-          <p:txBody>
-            <a:bodyPr rtlCol="0" anchor="ctr"/>
-            <a:lstStyle/>
-            <a:p>
-              <a:pPr algn="ctr" defTabSz="872733"/>
-              <a:endParaRPr lang="en-US" sz="1500">
-                <a:solidFill>
-                  <a:prstClr val="black"/>
-                </a:solidFill>
-              </a:endParaRPr>
-            </a:p>
-          </p:txBody>
-        </p:sp>
-        <p:sp>
-          <p:nvSpPr>
-            <p:cNvPr id="21" name="Line 15">
-              <a:extLst>
-                <a:ext uri="{FF2B5EF4-FFF2-40B4-BE49-F238E27FC236}">
-                  <a16:creationId xmlns:a16="http://schemas.microsoft.com/office/drawing/2014/main" id="{FBD099A4-8330-4D2D-B1B3-E14BEA805815}"/>
-                </a:ext>
-              </a:extLst>
-            </p:cNvPr>
-            <p:cNvSpPr>
-              <a:spLocks noChangeShapeType="1"/>
-            </p:cNvSpPr>
-            <p:nvPr/>
-          </p:nvSpPr>
-          <p:spPr bwMode="auto">
-            <a:xfrm>
-              <a:off x="2540373" y="4570315"/>
-              <a:ext cx="3676973" cy="19864"/>
-            </a:xfrm>
-            <a:prstGeom prst="line">
-              <a:avLst/>
-            </a:prstGeom>
-            <a:noFill/>
-            <a:ln w="19050">
-              <a:solidFill>
-                <a:schemeClr val="bg2">
-                  <a:lumMod val="50000"/>
-                </a:schemeClr>
-              </a:solidFill>
-              <a:round/>
-              <a:headEnd/>
-              <a:tailEnd type="triangle" w="lg" len="lg"/>
-            </a:ln>
-          </p:spPr>
-          <p:txBody>
-            <a:bodyPr/>
-            <a:lstStyle/>
-            <a:p>
-              <a:pPr defTabSz="872733"/>
-              <a:endParaRPr lang="en-US" sz="1500" dirty="0">
-                <a:solidFill>
-                  <a:prstClr val="black"/>
-                </a:solidFill>
-              </a:endParaRPr>
-            </a:p>
-          </p:txBody>
-        </p:sp>
-        <p:sp>
-          <p:nvSpPr>
-            <p:cNvPr id="22" name="Rectangle 21">
-              <a:extLst>
-                <a:ext uri="{FF2B5EF4-FFF2-40B4-BE49-F238E27FC236}">
-                  <a16:creationId xmlns:a16="http://schemas.microsoft.com/office/drawing/2014/main" id="{2E4DF1D0-31C0-4F64-B212-2190F714F393}"/>
-                </a:ext>
-              </a:extLst>
-            </p:cNvPr>
-            <p:cNvSpPr/>
-            <p:nvPr/>
-          </p:nvSpPr>
-          <p:spPr bwMode="auto">
-            <a:xfrm>
-              <a:off x="3989785" y="4795095"/>
-              <a:ext cx="1850335" cy="340953"/>
-            </a:xfrm>
-            <a:prstGeom prst="rect">
-              <a:avLst/>
-            </a:prstGeom>
-            <a:noFill/>
-            <a:ln>
-              <a:noFill/>
-            </a:ln>
-          </p:spPr>
-          <p:style>
-            <a:lnRef idx="2">
-              <a:schemeClr val="accent1">
-                <a:shade val="50000"/>
-              </a:schemeClr>
-            </a:lnRef>
-            <a:fillRef idx="1">
-              <a:schemeClr val="accent1"/>
-            </a:fillRef>
-            <a:effectRef idx="0">
-              <a:schemeClr val="accent1"/>
-            </a:effectRef>
-            <a:fontRef idx="minor">
-              <a:schemeClr val="lt1"/>
-            </a:fontRef>
-          </p:style>
-          <p:txBody>
-            <a:bodyPr anchor="ctr"/>
-            <a:lstStyle>
-              <a:defPPr>
-                <a:defRPr lang="en-SG"/>
-              </a:defPPr>
-              <a:lvl1pPr algn="l" rtl="0" fontAlgn="base">
+              <a:pPr marL="0" marR="0" lvl="0" indent="0" algn="l" defTabSz="872733" rtl="0" eaLnBrk="1" fontAlgn="base" latinLnBrk="0" hangingPunct="1">
+                <a:lnSpc>
+                  <a:spcPct val="100000"/>
+                </a:lnSpc>
                 <a:spcBef>
                   <a:spcPct val="0"/>
                 </a:spcBef>
                 <a:spcAft>
                   <a:spcPct val="0"/>
                 </a:spcAft>
-                <a:defRPr kern="1200">
+                <a:buClrTx/>
+                <a:buSzTx/>
+                <a:buFontTx/>
+                <a:buNone/>
+                <a:tabLst/>
+                <a:defRPr/>
+              </a:pPr>
+              <a:r>
+                <a:rPr lang="en-US" sz="1400" dirty="0">
                   <a:solidFill>
-                    <a:schemeClr val="lt1"/>
+                    <a:srgbClr val="1F497D"/>
                   </a:solidFill>
-                  <a:latin typeface="+mn-lt"/>
+                  <a:latin typeface="Calibri"/>
+                  <a:cs typeface="Arial" charset="0"/>
+                </a:rPr>
+                <a:t>a</a:t>
+              </a:r>
+              <a:r>
+                <a:rPr kumimoji="0" lang="en-US" sz="1400" b="0" i="0" u="none" strike="noStrike" kern="1200" cap="none" spc="0" normalizeH="0" baseline="0" noProof="0" dirty="0">
+                  <a:ln>
+                    <a:noFill/>
+                  </a:ln>
+                  <a:solidFill>
+                    <a:srgbClr val="1F497D"/>
+                  </a:solidFill>
+                  <a:effectLst/>
+                  <a:uLnTx/>
+                  <a:uFillTx/>
+                  <a:latin typeface="Calibri"/>
                   <a:ea typeface="+mn-ea"/>
-                  <a:cs typeface="+mn-cs"/>
-                </a:defRPr>
-              </a:lvl1pPr>
-              <a:lvl2pPr marL="457200" algn="l" rtl="0" fontAlgn="base">
-                <a:spcBef>
-                  <a:spcPct val="0"/>
-                </a:spcBef>
-                <a:spcAft>
-                  <a:spcPct val="0"/>
-                </a:spcAft>
-                <a:defRPr kern="1200">
+                  <a:cs typeface="Arial" charset="0"/>
+                </a:rPr>
+                <a:t>dd(</a:t>
+              </a:r>
+              <a:r>
+                <a:rPr kumimoji="0" lang="en-US" sz="1400" b="0" i="0" u="none" strike="noStrike" kern="1200" cap="none" spc="0" normalizeH="0" baseline="0" noProof="0" dirty="0" err="1">
+                  <a:ln>
+                    <a:noFill/>
+                  </a:ln>
                   <a:solidFill>
-                    <a:schemeClr val="lt1"/>
+                    <a:srgbClr val="1F497D"/>
                   </a:solidFill>
-                  <a:latin typeface="+mn-lt"/>
+                  <a:effectLst/>
+                  <a:uLnTx/>
+                  <a:uFillTx/>
+                  <a:latin typeface="Calibri"/>
                   <a:ea typeface="+mn-ea"/>
-                  <a:cs typeface="+mn-cs"/>
-                </a:defRPr>
-              </a:lvl2pPr>
-              <a:lvl3pPr marL="914400" algn="l" rtl="0" fontAlgn="base">
-                <a:spcBef>
-                  <a:spcPct val="0"/>
-                </a:spcBef>
-                <a:spcAft>
-                  <a:spcPct val="0"/>
-                </a:spcAft>
-                <a:defRPr kern="1200">
+                  <a:cs typeface="Arial" charset="0"/>
+                </a:rPr>
+                <a:t>itemToAdd</a:t>
+              </a:r>
+              <a:r>
+                <a:rPr kumimoji="0" lang="en-US" sz="1400" b="0" i="0" u="none" strike="noStrike" kern="1200" cap="none" spc="0" normalizeH="0" baseline="0" noProof="0" dirty="0">
+                  <a:ln>
+                    <a:noFill/>
+                  </a:ln>
                   <a:solidFill>
-                    <a:schemeClr val="lt1"/>
+                    <a:srgbClr val="1F497D"/>
                   </a:solidFill>
-                  <a:latin typeface="+mn-lt"/>
+                  <a:effectLst/>
+                  <a:uLnTx/>
+                  <a:uFillTx/>
+                  <a:latin typeface="Calibri"/>
                   <a:ea typeface="+mn-ea"/>
-                  <a:cs typeface="+mn-cs"/>
-                </a:defRPr>
-              </a:lvl3pPr>
-              <a:lvl4pPr marL="1371600" algn="l" rtl="0" fontAlgn="base">
-                <a:spcBef>
-                  <a:spcPct val="0"/>
-                </a:spcBef>
-                <a:spcAft>
-                  <a:spcPct val="0"/>
-                </a:spcAft>
-                <a:defRPr kern="1200">
-                  <a:solidFill>
-                    <a:schemeClr val="lt1"/>
-                  </a:solidFill>
-                  <a:latin typeface="+mn-lt"/>
-                  <a:ea typeface="+mn-ea"/>
-                  <a:cs typeface="+mn-cs"/>
-                </a:defRPr>
-              </a:lvl4pPr>
-              <a:lvl5pPr marL="1828800" algn="l" rtl="0" fontAlgn="base">
-                <a:spcBef>
-                  <a:spcPct val="0"/>
-                </a:spcBef>
-                <a:spcAft>
-                  <a:spcPct val="0"/>
-                </a:spcAft>
-                <a:defRPr kern="1200">
-                  <a:solidFill>
-                    <a:schemeClr val="lt1"/>
-                  </a:solidFill>
-                  <a:latin typeface="+mn-lt"/>
-                  <a:ea typeface="+mn-ea"/>
-                  <a:cs typeface="+mn-cs"/>
-                </a:defRPr>
-              </a:lvl5pPr>
-              <a:lvl6pPr marL="2286000" algn="l" defTabSz="914400" rtl="0" eaLnBrk="1" latinLnBrk="0" hangingPunct="1">
-                <a:defRPr kern="1200">
-                  <a:solidFill>
-                    <a:schemeClr val="lt1"/>
-                  </a:solidFill>
-                  <a:latin typeface="+mn-lt"/>
-                  <a:ea typeface="+mn-ea"/>
-                  <a:cs typeface="+mn-cs"/>
-                </a:defRPr>
-              </a:lvl6pPr>
-              <a:lvl7pPr marL="2743200" algn="l" defTabSz="914400" rtl="0" eaLnBrk="1" latinLnBrk="0" hangingPunct="1">
-                <a:defRPr kern="1200">
-                  <a:solidFill>
-                    <a:schemeClr val="lt1"/>
-                  </a:solidFill>
-                  <a:latin typeface="+mn-lt"/>
-                  <a:ea typeface="+mn-ea"/>
-                  <a:cs typeface="+mn-cs"/>
-                </a:defRPr>
-              </a:lvl7pPr>
-              <a:lvl8pPr marL="3200400" algn="l" defTabSz="914400" rtl="0" eaLnBrk="1" latinLnBrk="0" hangingPunct="1">
-                <a:defRPr kern="1200">
-                  <a:solidFill>
-                    <a:schemeClr val="lt1"/>
-                  </a:solidFill>
-                  <a:latin typeface="+mn-lt"/>
-                  <a:ea typeface="+mn-ea"/>
-                  <a:cs typeface="+mn-cs"/>
-                </a:defRPr>
-              </a:lvl8pPr>
-              <a:lvl9pPr marL="3657600" algn="l" defTabSz="914400" rtl="0" eaLnBrk="1" latinLnBrk="0" hangingPunct="1">
-                <a:defRPr kern="1200">
-                  <a:solidFill>
-                    <a:schemeClr val="lt1"/>
-                  </a:solidFill>
-                  <a:latin typeface="+mn-lt"/>
-                  <a:ea typeface="+mn-ea"/>
-                  <a:cs typeface="+mn-cs"/>
-                </a:defRPr>
-              </a:lvl9pPr>
-            </a:lstStyle>
-            <a:p>
-              <a:pPr defTabSz="872733"/>
-              <a:endParaRPr lang="en-US" sz="1500" dirty="0">
-                <a:solidFill>
-                  <a:schemeClr val="tx2"/>
-                </a:solidFill>
-                <a:cs typeface="Arial" charset="0"/>
-              </a:endParaRPr>
+                  <a:cs typeface="Arial" charset="0"/>
+                </a:rPr>
+                <a:t>)</a:t>
+              </a:r>
             </a:p>
           </p:txBody>
         </p:sp>
       </p:grpSp>
       <p:sp>
         <p:nvSpPr>
-          <p:cNvPr id="36" name="Rectangle 35">
+          <p:cNvPr id="77" name="Line 15">
             <a:extLst>
               <a:ext uri="{FF2B5EF4-FFF2-40B4-BE49-F238E27FC236}">
-                <a16:creationId xmlns:a16="http://schemas.microsoft.com/office/drawing/2014/main" id="{39183ACC-D476-4CC4-AA56-47E7A41B3D53}"/>
+                <a16:creationId xmlns:a16="http://schemas.microsoft.com/office/drawing/2014/main" id="{9F4DF85E-BB25-42A2-90CC-CBE47AED5792}"/>
               </a:ext>
             </a:extLst>
           </p:cNvPr>
-          <p:cNvSpPr/>
+          <p:cNvSpPr>
+            <a:spLocks noChangeShapeType="1"/>
+          </p:cNvSpPr>
           <p:nvPr/>
         </p:nvSpPr>
         <p:spPr bwMode="auto">
-          <a:xfrm>
-            <a:off x="4159969" y="2785934"/>
-            <a:ext cx="3327712" cy="462193"/>
+          <a:xfrm flipH="1">
+            <a:off x="4315380" y="2712880"/>
+            <a:ext cx="3197216" cy="0"/>
           </a:xfrm>
-          <a:prstGeom prst="rect">
+          <a:prstGeom prst="line">
             <a:avLst/>
           </a:prstGeom>
           <a:noFill/>
-          <a:ln>
-            <a:noFill/>
+          <a:ln w="19050">
+            <a:solidFill>
+              <a:srgbClr val="EEECE1">
+                <a:lumMod val="50000"/>
+              </a:srgbClr>
+            </a:solidFill>
+            <a:prstDash val="sysDash"/>
+            <a:round/>
+            <a:headEnd/>
+            <a:tailEnd type="triangle" w="lg" len="lg"/>
           </a:ln>
         </p:spPr>
-        <p:style>
-          <a:lnRef idx="2">
-            <a:schemeClr val="accent1">
-              <a:shade val="50000"/>
-            </a:schemeClr>
-          </a:lnRef>
-          <a:fillRef idx="1">
-            <a:schemeClr val="accent1"/>
-          </a:fillRef>
-          <a:effectRef idx="0">
-            <a:schemeClr val="accent1"/>
-          </a:effectRef>
-          <a:fontRef idx="minor">
-            <a:schemeClr val="lt1"/>
-          </a:fontRef>
-        </p:style>
         <p:txBody>
-          <a:bodyPr anchor="ctr"/>
-          <a:lstStyle>
-            <a:defPPr>
-              <a:defRPr lang="en-SG"/>
-            </a:defPPr>
-            <a:lvl1pPr algn="l" rtl="0" fontAlgn="base">
+          <a:bodyPr/>
+          <a:lstStyle/>
+          <a:p>
+            <a:pPr marL="0" marR="0" lvl="0" indent="0" defTabSz="872733" eaLnBrk="1" fontAlgn="auto" latinLnBrk="0" hangingPunct="1">
+              <a:lnSpc>
+                <a:spcPct val="100000"/>
+              </a:lnSpc>
               <a:spcBef>
-                <a:spcPct val="0"/>
+                <a:spcPts val="0"/>
               </a:spcBef>
               <a:spcAft>
-                <a:spcPct val="0"/>
+                <a:spcPts val="0"/>
               </a:spcAft>
-              <a:defRPr kern="1200">
-                <a:solidFill>
-                  <a:schemeClr val="lt1"/>
-                </a:solidFill>
-                <a:latin typeface="+mn-lt"/>
-                <a:ea typeface="+mn-ea"/>
-                <a:cs typeface="+mn-cs"/>
-              </a:defRPr>
-            </a:lvl1pPr>
-            <a:lvl2pPr marL="457200" algn="l" rtl="0" fontAlgn="base">
-              <a:spcBef>
-                <a:spcPct val="0"/>
-              </a:spcBef>
-              <a:spcAft>
-                <a:spcPct val="0"/>
-              </a:spcAft>
-              <a:defRPr kern="1200">
-                <a:solidFill>
-                  <a:schemeClr val="lt1"/>
-                </a:solidFill>
-                <a:latin typeface="+mn-lt"/>
-                <a:ea typeface="+mn-ea"/>
-                <a:cs typeface="+mn-cs"/>
-              </a:defRPr>
-            </a:lvl2pPr>
-            <a:lvl3pPr marL="914400" algn="l" rtl="0" fontAlgn="base">
-              <a:spcBef>
-                <a:spcPct val="0"/>
-              </a:spcBef>
-              <a:spcAft>
-                <a:spcPct val="0"/>
-              </a:spcAft>
-              <a:defRPr kern="1200">
-                <a:solidFill>
-                  <a:schemeClr val="lt1"/>
-                </a:solidFill>
-                <a:latin typeface="+mn-lt"/>
-                <a:ea typeface="+mn-ea"/>
-                <a:cs typeface="+mn-cs"/>
-              </a:defRPr>
-            </a:lvl3pPr>
-            <a:lvl4pPr marL="1371600" algn="l" rtl="0" fontAlgn="base">
-              <a:spcBef>
-                <a:spcPct val="0"/>
-              </a:spcBef>
-              <a:spcAft>
-                <a:spcPct val="0"/>
-              </a:spcAft>
-              <a:defRPr kern="1200">
-                <a:solidFill>
-                  <a:schemeClr val="lt1"/>
-                </a:solidFill>
-                <a:latin typeface="+mn-lt"/>
-                <a:ea typeface="+mn-ea"/>
-                <a:cs typeface="+mn-cs"/>
-              </a:defRPr>
-            </a:lvl4pPr>
-            <a:lvl5pPr marL="1828800" algn="l" rtl="0" fontAlgn="base">
-              <a:spcBef>
-                <a:spcPct val="0"/>
-              </a:spcBef>
-              <a:spcAft>
-                <a:spcPct val="0"/>
-              </a:spcAft>
-              <a:defRPr kern="1200">
-                <a:solidFill>
-                  <a:schemeClr val="lt1"/>
-                </a:solidFill>
-                <a:latin typeface="+mn-lt"/>
-                <a:ea typeface="+mn-ea"/>
-                <a:cs typeface="+mn-cs"/>
-              </a:defRPr>
-            </a:lvl5pPr>
-            <a:lvl6pPr marL="2286000" algn="l" defTabSz="914400" rtl="0" eaLnBrk="1" latinLnBrk="0" hangingPunct="1">
-              <a:defRPr kern="1200">
-                <a:solidFill>
-                  <a:schemeClr val="lt1"/>
-                </a:solidFill>
-                <a:latin typeface="+mn-lt"/>
-                <a:ea typeface="+mn-ea"/>
-                <a:cs typeface="+mn-cs"/>
-              </a:defRPr>
-            </a:lvl6pPr>
-            <a:lvl7pPr marL="2743200" algn="l" defTabSz="914400" rtl="0" eaLnBrk="1" latinLnBrk="0" hangingPunct="1">
-              <a:defRPr kern="1200">
-                <a:solidFill>
-                  <a:schemeClr val="lt1"/>
-                </a:solidFill>
-                <a:latin typeface="+mn-lt"/>
-                <a:ea typeface="+mn-ea"/>
-                <a:cs typeface="+mn-cs"/>
-              </a:defRPr>
-            </a:lvl7pPr>
-            <a:lvl8pPr marL="3200400" algn="l" defTabSz="914400" rtl="0" eaLnBrk="1" latinLnBrk="0" hangingPunct="1">
-              <a:defRPr kern="1200">
-                <a:solidFill>
-                  <a:schemeClr val="lt1"/>
-                </a:solidFill>
-                <a:latin typeface="+mn-lt"/>
-                <a:ea typeface="+mn-ea"/>
-                <a:cs typeface="+mn-cs"/>
-              </a:defRPr>
-            </a:lvl8pPr>
-            <a:lvl9pPr marL="3657600" algn="l" defTabSz="914400" rtl="0" eaLnBrk="1" latinLnBrk="0" hangingPunct="1">
-              <a:defRPr kern="1200">
-                <a:solidFill>
-                  <a:schemeClr val="lt1"/>
-                </a:solidFill>
-                <a:latin typeface="+mn-lt"/>
-                <a:ea typeface="+mn-ea"/>
-                <a:cs typeface="+mn-cs"/>
-              </a:defRPr>
-            </a:lvl9pPr>
-          </a:lstStyle>
-          <a:p>
-            <a:pPr defTabSz="872733"/>
-            <a:r>
-              <a:rPr lang="en-US" sz="1100" dirty="0">
-                <a:solidFill>
-                  <a:schemeClr val="tx2"/>
-                </a:solidFill>
-                <a:cs typeface="Arial" charset="0"/>
-              </a:rPr>
-              <a:t> [description and price not empty, quantity empty]</a:t>
-            </a:r>
+              <a:buClrTx/>
+              <a:buSzTx/>
+              <a:buFontTx/>
+              <a:buNone/>
+              <a:tabLst/>
+              <a:defRPr/>
+            </a:pPr>
+            <a:endParaRPr kumimoji="0" lang="en-US" sz="1500" b="0" i="0" u="none" strike="noStrike" kern="0" cap="none" spc="0" normalizeH="0" baseline="0" noProof="0" dirty="0">
+              <a:ln>
+                <a:noFill/>
+              </a:ln>
+              <a:solidFill>
+                <a:prstClr val="black"/>
+              </a:solidFill>
+              <a:effectLst/>
+              <a:uLnTx/>
+              <a:uFillTx/>
+            </a:endParaRPr>
           </a:p>
         </p:txBody>
       </p:sp>
       <p:sp>
         <p:nvSpPr>
-          <p:cNvPr id="37" name="Rectangle 36">
+          <p:cNvPr id="78" name="Line 15">
             <a:extLst>
               <a:ext uri="{FF2B5EF4-FFF2-40B4-BE49-F238E27FC236}">
-                <a16:creationId xmlns:a16="http://schemas.microsoft.com/office/drawing/2014/main" id="{F2F69418-5DDE-419B-A5B3-29E532DD05F9}"/>
-              </a:ext>
-            </a:extLst>
-          </p:cNvPr>
-          <p:cNvSpPr/>
-          <p:nvPr/>
-        </p:nvSpPr>
-        <p:spPr bwMode="auto">
-          <a:xfrm>
-            <a:off x="4688927" y="3194526"/>
-            <a:ext cx="2136077" cy="313211"/>
-          </a:xfrm>
-          <a:prstGeom prst="rect">
-            <a:avLst/>
-          </a:prstGeom>
-          <a:noFill/>
-          <a:ln>
-            <a:noFill/>
-          </a:ln>
-        </p:spPr>
-        <p:style>
-          <a:lnRef idx="2">
-            <a:schemeClr val="accent1">
-              <a:shade val="50000"/>
-            </a:schemeClr>
-          </a:lnRef>
-          <a:fillRef idx="1">
-            <a:schemeClr val="accent1"/>
-          </a:fillRef>
-          <a:effectRef idx="0">
-            <a:schemeClr val="accent1"/>
-          </a:effectRef>
-          <a:fontRef idx="minor">
-            <a:schemeClr val="lt1"/>
-          </a:fontRef>
-        </p:style>
-        <p:txBody>
-          <a:bodyPr anchor="ctr"/>
-          <a:lstStyle>
-            <a:defPPr>
-              <a:defRPr lang="en-SG"/>
-            </a:defPPr>
-            <a:lvl1pPr algn="l" rtl="0" fontAlgn="base">
-              <a:spcBef>
-                <a:spcPct val="0"/>
-              </a:spcBef>
-              <a:spcAft>
-                <a:spcPct val="0"/>
-              </a:spcAft>
-              <a:defRPr kern="1200">
-                <a:solidFill>
-                  <a:schemeClr val="lt1"/>
-                </a:solidFill>
-                <a:latin typeface="+mn-lt"/>
-                <a:ea typeface="+mn-ea"/>
-                <a:cs typeface="+mn-cs"/>
-              </a:defRPr>
-            </a:lvl1pPr>
-            <a:lvl2pPr marL="457200" algn="l" rtl="0" fontAlgn="base">
-              <a:spcBef>
-                <a:spcPct val="0"/>
-              </a:spcBef>
-              <a:spcAft>
-                <a:spcPct val="0"/>
-              </a:spcAft>
-              <a:defRPr kern="1200">
-                <a:solidFill>
-                  <a:schemeClr val="lt1"/>
-                </a:solidFill>
-                <a:latin typeface="+mn-lt"/>
-                <a:ea typeface="+mn-ea"/>
-                <a:cs typeface="+mn-cs"/>
-              </a:defRPr>
-            </a:lvl2pPr>
-            <a:lvl3pPr marL="914400" algn="l" rtl="0" fontAlgn="base">
-              <a:spcBef>
-                <a:spcPct val="0"/>
-              </a:spcBef>
-              <a:spcAft>
-                <a:spcPct val="0"/>
-              </a:spcAft>
-              <a:defRPr kern="1200">
-                <a:solidFill>
-                  <a:schemeClr val="lt1"/>
-                </a:solidFill>
-                <a:latin typeface="+mn-lt"/>
-                <a:ea typeface="+mn-ea"/>
-                <a:cs typeface="+mn-cs"/>
-              </a:defRPr>
-            </a:lvl3pPr>
-            <a:lvl4pPr marL="1371600" algn="l" rtl="0" fontAlgn="base">
-              <a:spcBef>
-                <a:spcPct val="0"/>
-              </a:spcBef>
-              <a:spcAft>
-                <a:spcPct val="0"/>
-              </a:spcAft>
-              <a:defRPr kern="1200">
-                <a:solidFill>
-                  <a:schemeClr val="lt1"/>
-                </a:solidFill>
-                <a:latin typeface="+mn-lt"/>
-                <a:ea typeface="+mn-ea"/>
-                <a:cs typeface="+mn-cs"/>
-              </a:defRPr>
-            </a:lvl4pPr>
-            <a:lvl5pPr marL="1828800" algn="l" rtl="0" fontAlgn="base">
-              <a:spcBef>
-                <a:spcPct val="0"/>
-              </a:spcBef>
-              <a:spcAft>
-                <a:spcPct val="0"/>
-              </a:spcAft>
-              <a:defRPr kern="1200">
-                <a:solidFill>
-                  <a:schemeClr val="lt1"/>
-                </a:solidFill>
-                <a:latin typeface="+mn-lt"/>
-                <a:ea typeface="+mn-ea"/>
-                <a:cs typeface="+mn-cs"/>
-              </a:defRPr>
-            </a:lvl5pPr>
-            <a:lvl6pPr marL="2286000" algn="l" defTabSz="914400" rtl="0" eaLnBrk="1" latinLnBrk="0" hangingPunct="1">
-              <a:defRPr kern="1200">
-                <a:solidFill>
-                  <a:schemeClr val="lt1"/>
-                </a:solidFill>
-                <a:latin typeface="+mn-lt"/>
-                <a:ea typeface="+mn-ea"/>
-                <a:cs typeface="+mn-cs"/>
-              </a:defRPr>
-            </a:lvl6pPr>
-            <a:lvl7pPr marL="2743200" algn="l" defTabSz="914400" rtl="0" eaLnBrk="1" latinLnBrk="0" hangingPunct="1">
-              <a:defRPr kern="1200">
-                <a:solidFill>
-                  <a:schemeClr val="lt1"/>
-                </a:solidFill>
-                <a:latin typeface="+mn-lt"/>
-                <a:ea typeface="+mn-ea"/>
-                <a:cs typeface="+mn-cs"/>
-              </a:defRPr>
-            </a:lvl7pPr>
-            <a:lvl8pPr marL="3200400" algn="l" defTabSz="914400" rtl="0" eaLnBrk="1" latinLnBrk="0" hangingPunct="1">
-              <a:defRPr kern="1200">
-                <a:solidFill>
-                  <a:schemeClr val="lt1"/>
-                </a:solidFill>
-                <a:latin typeface="+mn-lt"/>
-                <a:ea typeface="+mn-ea"/>
-                <a:cs typeface="+mn-cs"/>
-              </a:defRPr>
-            </a:lvl8pPr>
-            <a:lvl9pPr marL="3657600" algn="l" defTabSz="914400" rtl="0" eaLnBrk="1" latinLnBrk="0" hangingPunct="1">
-              <a:defRPr kern="1200">
-                <a:solidFill>
-                  <a:schemeClr val="lt1"/>
-                </a:solidFill>
-                <a:latin typeface="+mn-lt"/>
-                <a:ea typeface="+mn-ea"/>
-                <a:cs typeface="+mn-cs"/>
-              </a:defRPr>
-            </a:lvl9pPr>
-          </a:lstStyle>
-          <a:p>
-            <a:pPr defTabSz="872733"/>
-            <a:r>
-              <a:rPr lang="en-US" sz="1100" dirty="0" err="1">
-                <a:solidFill>
-                  <a:schemeClr val="tx2"/>
-                </a:solidFill>
-                <a:cs typeface="Arial" charset="0"/>
-              </a:rPr>
-              <a:t>items.add</a:t>
-            </a:r>
-            <a:r>
-              <a:rPr lang="en-US" sz="1100" dirty="0">
-                <a:solidFill>
-                  <a:schemeClr val="tx2"/>
-                </a:solidFill>
-                <a:cs typeface="Arial" charset="0"/>
-              </a:rPr>
-              <a:t>(add)</a:t>
-            </a:r>
-          </a:p>
-        </p:txBody>
-      </p:sp>
-      <p:sp>
-        <p:nvSpPr>
-          <p:cNvPr id="38" name="Rectangle 37">
-            <a:extLst>
-              <a:ext uri="{FF2B5EF4-FFF2-40B4-BE49-F238E27FC236}">
-                <a16:creationId xmlns:a16="http://schemas.microsoft.com/office/drawing/2014/main" id="{6EEA974F-AE0C-4CAC-84C8-66102D509D37}"/>
-              </a:ext>
-            </a:extLst>
-          </p:cNvPr>
-          <p:cNvSpPr/>
-          <p:nvPr/>
-        </p:nvSpPr>
-        <p:spPr bwMode="auto">
-          <a:xfrm>
-            <a:off x="4133796" y="3609903"/>
-            <a:ext cx="3327712" cy="462193"/>
-          </a:xfrm>
-          <a:prstGeom prst="rect">
-            <a:avLst/>
-          </a:prstGeom>
-          <a:noFill/>
-          <a:ln>
-            <a:noFill/>
-          </a:ln>
-        </p:spPr>
-        <p:style>
-          <a:lnRef idx="2">
-            <a:schemeClr val="accent1">
-              <a:shade val="50000"/>
-            </a:schemeClr>
-          </a:lnRef>
-          <a:fillRef idx="1">
-            <a:schemeClr val="accent1"/>
-          </a:fillRef>
-          <a:effectRef idx="0">
-            <a:schemeClr val="accent1"/>
-          </a:effectRef>
-          <a:fontRef idx="minor">
-            <a:schemeClr val="lt1"/>
-          </a:fontRef>
-        </p:style>
-        <p:txBody>
-          <a:bodyPr anchor="ctr"/>
-          <a:lstStyle>
-            <a:defPPr>
-              <a:defRPr lang="en-SG"/>
-            </a:defPPr>
-            <a:lvl1pPr algn="l" rtl="0" fontAlgn="base">
-              <a:spcBef>
-                <a:spcPct val="0"/>
-              </a:spcBef>
-              <a:spcAft>
-                <a:spcPct val="0"/>
-              </a:spcAft>
-              <a:defRPr kern="1200">
-                <a:solidFill>
-                  <a:schemeClr val="lt1"/>
-                </a:solidFill>
-                <a:latin typeface="+mn-lt"/>
-                <a:ea typeface="+mn-ea"/>
-                <a:cs typeface="+mn-cs"/>
-              </a:defRPr>
-            </a:lvl1pPr>
-            <a:lvl2pPr marL="457200" algn="l" rtl="0" fontAlgn="base">
-              <a:spcBef>
-                <a:spcPct val="0"/>
-              </a:spcBef>
-              <a:spcAft>
-                <a:spcPct val="0"/>
-              </a:spcAft>
-              <a:defRPr kern="1200">
-                <a:solidFill>
-                  <a:schemeClr val="lt1"/>
-                </a:solidFill>
-                <a:latin typeface="+mn-lt"/>
-                <a:ea typeface="+mn-ea"/>
-                <a:cs typeface="+mn-cs"/>
-              </a:defRPr>
-            </a:lvl2pPr>
-            <a:lvl3pPr marL="914400" algn="l" rtl="0" fontAlgn="base">
-              <a:spcBef>
-                <a:spcPct val="0"/>
-              </a:spcBef>
-              <a:spcAft>
-                <a:spcPct val="0"/>
-              </a:spcAft>
-              <a:defRPr kern="1200">
-                <a:solidFill>
-                  <a:schemeClr val="lt1"/>
-                </a:solidFill>
-                <a:latin typeface="+mn-lt"/>
-                <a:ea typeface="+mn-ea"/>
-                <a:cs typeface="+mn-cs"/>
-              </a:defRPr>
-            </a:lvl3pPr>
-            <a:lvl4pPr marL="1371600" algn="l" rtl="0" fontAlgn="base">
-              <a:spcBef>
-                <a:spcPct val="0"/>
-              </a:spcBef>
-              <a:spcAft>
-                <a:spcPct val="0"/>
-              </a:spcAft>
-              <a:defRPr kern="1200">
-                <a:solidFill>
-                  <a:schemeClr val="lt1"/>
-                </a:solidFill>
-                <a:latin typeface="+mn-lt"/>
-                <a:ea typeface="+mn-ea"/>
-                <a:cs typeface="+mn-cs"/>
-              </a:defRPr>
-            </a:lvl4pPr>
-            <a:lvl5pPr marL="1828800" algn="l" rtl="0" fontAlgn="base">
-              <a:spcBef>
-                <a:spcPct val="0"/>
-              </a:spcBef>
-              <a:spcAft>
-                <a:spcPct val="0"/>
-              </a:spcAft>
-              <a:defRPr kern="1200">
-                <a:solidFill>
-                  <a:schemeClr val="lt1"/>
-                </a:solidFill>
-                <a:latin typeface="+mn-lt"/>
-                <a:ea typeface="+mn-ea"/>
-                <a:cs typeface="+mn-cs"/>
-              </a:defRPr>
-            </a:lvl5pPr>
-            <a:lvl6pPr marL="2286000" algn="l" defTabSz="914400" rtl="0" eaLnBrk="1" latinLnBrk="0" hangingPunct="1">
-              <a:defRPr kern="1200">
-                <a:solidFill>
-                  <a:schemeClr val="lt1"/>
-                </a:solidFill>
-                <a:latin typeface="+mn-lt"/>
-                <a:ea typeface="+mn-ea"/>
-                <a:cs typeface="+mn-cs"/>
-              </a:defRPr>
-            </a:lvl6pPr>
-            <a:lvl7pPr marL="2743200" algn="l" defTabSz="914400" rtl="0" eaLnBrk="1" latinLnBrk="0" hangingPunct="1">
-              <a:defRPr kern="1200">
-                <a:solidFill>
-                  <a:schemeClr val="lt1"/>
-                </a:solidFill>
-                <a:latin typeface="+mn-lt"/>
-                <a:ea typeface="+mn-ea"/>
-                <a:cs typeface="+mn-cs"/>
-              </a:defRPr>
-            </a:lvl7pPr>
-            <a:lvl8pPr marL="3200400" algn="l" defTabSz="914400" rtl="0" eaLnBrk="1" latinLnBrk="0" hangingPunct="1">
-              <a:defRPr kern="1200">
-                <a:solidFill>
-                  <a:schemeClr val="lt1"/>
-                </a:solidFill>
-                <a:latin typeface="+mn-lt"/>
-                <a:ea typeface="+mn-ea"/>
-                <a:cs typeface="+mn-cs"/>
-              </a:defRPr>
-            </a:lvl8pPr>
-            <a:lvl9pPr marL="3657600" algn="l" defTabSz="914400" rtl="0" eaLnBrk="1" latinLnBrk="0" hangingPunct="1">
-              <a:defRPr kern="1200">
-                <a:solidFill>
-                  <a:schemeClr val="lt1"/>
-                </a:solidFill>
-                <a:latin typeface="+mn-lt"/>
-                <a:ea typeface="+mn-ea"/>
-                <a:cs typeface="+mn-cs"/>
-              </a:defRPr>
-            </a:lvl9pPr>
-          </a:lstStyle>
-          <a:p>
-            <a:pPr defTabSz="872733"/>
-            <a:r>
-              <a:rPr lang="en-US" sz="1100" dirty="0">
-                <a:solidFill>
-                  <a:schemeClr val="tx2"/>
-                </a:solidFill>
-                <a:cs typeface="Arial" charset="0"/>
-              </a:rPr>
-              <a:t> [description and quantity not empty, price empty]</a:t>
-            </a:r>
-          </a:p>
-        </p:txBody>
-      </p:sp>
-      <p:sp>
-        <p:nvSpPr>
-          <p:cNvPr id="39" name="Rectangle 38">
-            <a:extLst>
-              <a:ext uri="{FF2B5EF4-FFF2-40B4-BE49-F238E27FC236}">
-                <a16:creationId xmlns:a16="http://schemas.microsoft.com/office/drawing/2014/main" id="{D22731AF-A866-4CE8-ADA1-23B10D16A26E}"/>
-              </a:ext>
-            </a:extLst>
-          </p:cNvPr>
-          <p:cNvSpPr/>
-          <p:nvPr/>
-        </p:nvSpPr>
-        <p:spPr bwMode="auto">
-          <a:xfrm>
-            <a:off x="4689730" y="4088423"/>
-            <a:ext cx="2136077" cy="313211"/>
-          </a:xfrm>
-          <a:prstGeom prst="rect">
-            <a:avLst/>
-          </a:prstGeom>
-          <a:noFill/>
-          <a:ln>
-            <a:noFill/>
-          </a:ln>
-        </p:spPr>
-        <p:style>
-          <a:lnRef idx="2">
-            <a:schemeClr val="accent1">
-              <a:shade val="50000"/>
-            </a:schemeClr>
-          </a:lnRef>
-          <a:fillRef idx="1">
-            <a:schemeClr val="accent1"/>
-          </a:fillRef>
-          <a:effectRef idx="0">
-            <a:schemeClr val="accent1"/>
-          </a:effectRef>
-          <a:fontRef idx="minor">
-            <a:schemeClr val="lt1"/>
-          </a:fontRef>
-        </p:style>
-        <p:txBody>
-          <a:bodyPr anchor="ctr"/>
-          <a:lstStyle>
-            <a:defPPr>
-              <a:defRPr lang="en-SG"/>
-            </a:defPPr>
-            <a:lvl1pPr algn="l" rtl="0" fontAlgn="base">
-              <a:spcBef>
-                <a:spcPct val="0"/>
-              </a:spcBef>
-              <a:spcAft>
-                <a:spcPct val="0"/>
-              </a:spcAft>
-              <a:defRPr kern="1200">
-                <a:solidFill>
-                  <a:schemeClr val="lt1"/>
-                </a:solidFill>
-                <a:latin typeface="+mn-lt"/>
-                <a:ea typeface="+mn-ea"/>
-                <a:cs typeface="+mn-cs"/>
-              </a:defRPr>
-            </a:lvl1pPr>
-            <a:lvl2pPr marL="457200" algn="l" rtl="0" fontAlgn="base">
-              <a:spcBef>
-                <a:spcPct val="0"/>
-              </a:spcBef>
-              <a:spcAft>
-                <a:spcPct val="0"/>
-              </a:spcAft>
-              <a:defRPr kern="1200">
-                <a:solidFill>
-                  <a:schemeClr val="lt1"/>
-                </a:solidFill>
-                <a:latin typeface="+mn-lt"/>
-                <a:ea typeface="+mn-ea"/>
-                <a:cs typeface="+mn-cs"/>
-              </a:defRPr>
-            </a:lvl2pPr>
-            <a:lvl3pPr marL="914400" algn="l" rtl="0" fontAlgn="base">
-              <a:spcBef>
-                <a:spcPct val="0"/>
-              </a:spcBef>
-              <a:spcAft>
-                <a:spcPct val="0"/>
-              </a:spcAft>
-              <a:defRPr kern="1200">
-                <a:solidFill>
-                  <a:schemeClr val="lt1"/>
-                </a:solidFill>
-                <a:latin typeface="+mn-lt"/>
-                <a:ea typeface="+mn-ea"/>
-                <a:cs typeface="+mn-cs"/>
-              </a:defRPr>
-            </a:lvl3pPr>
-            <a:lvl4pPr marL="1371600" algn="l" rtl="0" fontAlgn="base">
-              <a:spcBef>
-                <a:spcPct val="0"/>
-              </a:spcBef>
-              <a:spcAft>
-                <a:spcPct val="0"/>
-              </a:spcAft>
-              <a:defRPr kern="1200">
-                <a:solidFill>
-                  <a:schemeClr val="lt1"/>
-                </a:solidFill>
-                <a:latin typeface="+mn-lt"/>
-                <a:ea typeface="+mn-ea"/>
-                <a:cs typeface="+mn-cs"/>
-              </a:defRPr>
-            </a:lvl4pPr>
-            <a:lvl5pPr marL="1828800" algn="l" rtl="0" fontAlgn="base">
-              <a:spcBef>
-                <a:spcPct val="0"/>
-              </a:spcBef>
-              <a:spcAft>
-                <a:spcPct val="0"/>
-              </a:spcAft>
-              <a:defRPr kern="1200">
-                <a:solidFill>
-                  <a:schemeClr val="lt1"/>
-                </a:solidFill>
-                <a:latin typeface="+mn-lt"/>
-                <a:ea typeface="+mn-ea"/>
-                <a:cs typeface="+mn-cs"/>
-              </a:defRPr>
-            </a:lvl5pPr>
-            <a:lvl6pPr marL="2286000" algn="l" defTabSz="914400" rtl="0" eaLnBrk="1" latinLnBrk="0" hangingPunct="1">
-              <a:defRPr kern="1200">
-                <a:solidFill>
-                  <a:schemeClr val="lt1"/>
-                </a:solidFill>
-                <a:latin typeface="+mn-lt"/>
-                <a:ea typeface="+mn-ea"/>
-                <a:cs typeface="+mn-cs"/>
-              </a:defRPr>
-            </a:lvl6pPr>
-            <a:lvl7pPr marL="2743200" algn="l" defTabSz="914400" rtl="0" eaLnBrk="1" latinLnBrk="0" hangingPunct="1">
-              <a:defRPr kern="1200">
-                <a:solidFill>
-                  <a:schemeClr val="lt1"/>
-                </a:solidFill>
-                <a:latin typeface="+mn-lt"/>
-                <a:ea typeface="+mn-ea"/>
-                <a:cs typeface="+mn-cs"/>
-              </a:defRPr>
-            </a:lvl7pPr>
-            <a:lvl8pPr marL="3200400" algn="l" defTabSz="914400" rtl="0" eaLnBrk="1" latinLnBrk="0" hangingPunct="1">
-              <a:defRPr kern="1200">
-                <a:solidFill>
-                  <a:schemeClr val="lt1"/>
-                </a:solidFill>
-                <a:latin typeface="+mn-lt"/>
-                <a:ea typeface="+mn-ea"/>
-                <a:cs typeface="+mn-cs"/>
-              </a:defRPr>
-            </a:lvl8pPr>
-            <a:lvl9pPr marL="3657600" algn="l" defTabSz="914400" rtl="0" eaLnBrk="1" latinLnBrk="0" hangingPunct="1">
-              <a:defRPr kern="1200">
-                <a:solidFill>
-                  <a:schemeClr val="lt1"/>
-                </a:solidFill>
-                <a:latin typeface="+mn-lt"/>
-                <a:ea typeface="+mn-ea"/>
-                <a:cs typeface="+mn-cs"/>
-              </a:defRPr>
-            </a:lvl9pPr>
-          </a:lstStyle>
-          <a:p>
-            <a:pPr defTabSz="872733"/>
-            <a:r>
-              <a:rPr lang="en-US" sz="1100" dirty="0" err="1">
-                <a:solidFill>
-                  <a:schemeClr val="tx2"/>
-                </a:solidFill>
-                <a:cs typeface="Arial" charset="0"/>
-              </a:rPr>
-              <a:t>items.add</a:t>
-            </a:r>
-            <a:r>
-              <a:rPr lang="en-US" sz="1100" dirty="0">
-                <a:solidFill>
-                  <a:schemeClr val="tx2"/>
-                </a:solidFill>
-                <a:cs typeface="Arial" charset="0"/>
-              </a:rPr>
-              <a:t>(add)</a:t>
-            </a:r>
-          </a:p>
-        </p:txBody>
-      </p:sp>
-      <p:cxnSp>
-        <p:nvCxnSpPr>
-          <p:cNvPr id="40" name="Straight Connector 39">
-            <a:extLst>
-              <a:ext uri="{FF2B5EF4-FFF2-40B4-BE49-F238E27FC236}">
-                <a16:creationId xmlns:a16="http://schemas.microsoft.com/office/drawing/2014/main" id="{B2FC6CEB-2CF5-4191-83C1-CF9012E9778C}"/>
-              </a:ext>
-            </a:extLst>
-          </p:cNvPr>
-          <p:cNvCxnSpPr/>
-          <p:nvPr/>
-        </p:nvCxnSpPr>
-        <p:spPr>
-          <a:xfrm>
-            <a:off x="2452507" y="4499332"/>
-            <a:ext cx="6923960" cy="15627"/>
-          </a:xfrm>
-          <a:prstGeom prst="line">
-            <a:avLst/>
-          </a:prstGeom>
-          <a:ln w="19050">
-            <a:solidFill>
-              <a:srgbClr val="0070C0"/>
-            </a:solidFill>
-            <a:prstDash val="sysDash"/>
-          </a:ln>
-        </p:spPr>
-        <p:style>
-          <a:lnRef idx="1">
-            <a:schemeClr val="accent1"/>
-          </a:lnRef>
-          <a:fillRef idx="0">
-            <a:schemeClr val="accent1"/>
-          </a:fillRef>
-          <a:effectRef idx="0">
-            <a:schemeClr val="accent1"/>
-          </a:effectRef>
-          <a:fontRef idx="minor">
-            <a:schemeClr val="tx1"/>
-          </a:fontRef>
-        </p:style>
-      </p:cxnSp>
-      <p:sp>
-        <p:nvSpPr>
-          <p:cNvPr id="41" name="Line 15">
-            <a:extLst>
-              <a:ext uri="{FF2B5EF4-FFF2-40B4-BE49-F238E27FC236}">
-                <a16:creationId xmlns:a16="http://schemas.microsoft.com/office/drawing/2014/main" id="{43807C3F-C65C-41C0-81A3-C627E9D6D1A2}"/>
+                <a16:creationId xmlns:a16="http://schemas.microsoft.com/office/drawing/2014/main" id="{F65F010D-966F-42CF-8999-41047E29FA3B}"/>
               </a:ext>
             </a:extLst>
           </p:cNvPr>
@@ -8177,8 +8417,8 @@
         </p:nvSpPr>
         <p:spPr bwMode="auto">
           <a:xfrm>
-            <a:off x="4235951" y="4827909"/>
-            <a:ext cx="3195294" cy="15994"/>
+            <a:off x="4384986" y="3424325"/>
+            <a:ext cx="3134170" cy="19445"/>
           </a:xfrm>
           <a:prstGeom prst="line">
             <a:avLst/>
@@ -8186,9 +8426,9 @@
           <a:noFill/>
           <a:ln w="19050">
             <a:solidFill>
-              <a:schemeClr val="bg2">
+              <a:srgbClr val="EEECE1">
                 <a:lumMod val="50000"/>
-              </a:schemeClr>
+              </a:srgbClr>
             </a:solidFill>
             <a:round/>
             <a:headEnd/>
@@ -8199,81 +8439,43 @@
           <a:bodyPr/>
           <a:lstStyle/>
           <a:p>
-            <a:pPr defTabSz="872733"/>
-            <a:endParaRPr lang="en-US" sz="1500" dirty="0">
+            <a:pPr marL="0" marR="0" lvl="0" indent="0" defTabSz="872733" eaLnBrk="1" fontAlgn="auto" latinLnBrk="0" hangingPunct="1">
+              <a:lnSpc>
+                <a:spcPct val="100000"/>
+              </a:lnSpc>
+              <a:spcBef>
+                <a:spcPts val="0"/>
+              </a:spcBef>
+              <a:spcAft>
+                <a:spcPts val="0"/>
+              </a:spcAft>
+              <a:buClrTx/>
+              <a:buSzTx/>
+              <a:buFontTx/>
+              <a:buNone/>
+              <a:tabLst/>
+              <a:defRPr/>
+            </a:pPr>
+            <a:endParaRPr kumimoji="0" lang="en-US" sz="1500" b="0" i="0" u="none" strike="noStrike" kern="0" cap="none" spc="0" normalizeH="0" baseline="0" noProof="0" dirty="0">
+              <a:ln>
+                <a:noFill/>
+              </a:ln>
               <a:solidFill>
                 <a:prstClr val="black"/>
               </a:solidFill>
+              <a:effectLst/>
+              <a:uLnTx/>
+              <a:uFillTx/>
             </a:endParaRPr>
           </a:p>
         </p:txBody>
       </p:sp>
       <p:sp>
         <p:nvSpPr>
-          <p:cNvPr id="42" name="Rectangle 41">
+          <p:cNvPr id="79" name="Rectangle 78">
             <a:extLst>
               <a:ext uri="{FF2B5EF4-FFF2-40B4-BE49-F238E27FC236}">
-                <a16:creationId xmlns:a16="http://schemas.microsoft.com/office/drawing/2014/main" id="{74DCEE5D-F68C-421A-B9DB-E9E5173DAB3B}"/>
-              </a:ext>
-            </a:extLst>
-          </p:cNvPr>
-          <p:cNvSpPr/>
-          <p:nvPr/>
-        </p:nvSpPr>
-        <p:spPr>
-          <a:xfrm>
-            <a:off x="7431245" y="4843903"/>
-            <a:ext cx="238467" cy="351252"/>
-          </a:xfrm>
-          <a:prstGeom prst="rect">
-            <a:avLst/>
-          </a:prstGeom>
-          <a:solidFill>
-            <a:schemeClr val="bg2">
-              <a:lumMod val="75000"/>
-            </a:schemeClr>
-          </a:solidFill>
-          <a:ln>
-            <a:solidFill>
-              <a:schemeClr val="bg2">
-                <a:lumMod val="50000"/>
-              </a:schemeClr>
-            </a:solidFill>
-          </a:ln>
-        </p:spPr>
-        <p:style>
-          <a:lnRef idx="2">
-            <a:schemeClr val="accent4"/>
-          </a:lnRef>
-          <a:fillRef idx="1">
-            <a:schemeClr val="lt1"/>
-          </a:fillRef>
-          <a:effectRef idx="0">
-            <a:schemeClr val="accent4"/>
-          </a:effectRef>
-          <a:fontRef idx="minor">
-            <a:schemeClr val="dk1"/>
-          </a:fontRef>
-        </p:style>
-        <p:txBody>
-          <a:bodyPr rtlCol="0" anchor="ctr"/>
-          <a:lstStyle/>
-          <a:p>
-            <a:pPr algn="ctr" defTabSz="872733"/>
-            <a:endParaRPr lang="en-US" sz="1500">
-              <a:solidFill>
-                <a:prstClr val="black"/>
-              </a:solidFill>
-            </a:endParaRPr>
-          </a:p>
-        </p:txBody>
-      </p:sp>
-      <p:sp>
-        <p:nvSpPr>
-          <p:cNvPr id="43" name="Rectangle 42">
-            <a:extLst>
-              <a:ext uri="{FF2B5EF4-FFF2-40B4-BE49-F238E27FC236}">
-                <a16:creationId xmlns:a16="http://schemas.microsoft.com/office/drawing/2014/main" id="{CEB379D8-C523-4733-924A-D499CE3F7FB6}"/>
+                <a16:creationId xmlns:a16="http://schemas.microsoft.com/office/drawing/2014/main" id="{5F6B96E2-CDF0-4FD9-B3ED-E2E9AB28AF2F}"/>
               </a:ext>
             </a:extLst>
           </p:cNvPr>
@@ -8282,33 +8484,19 @@
         </p:nvSpPr>
         <p:spPr bwMode="auto">
           <a:xfrm>
-            <a:off x="4169742" y="4421921"/>
-            <a:ext cx="3327712" cy="462193"/>
+            <a:off x="4335585" y="2979832"/>
+            <a:ext cx="3177011" cy="389739"/>
           </a:xfrm>
           <a:prstGeom prst="rect">
             <a:avLst/>
           </a:prstGeom>
           <a:noFill/>
-          <a:ln>
+          <a:ln w="25400" cap="flat" cmpd="sng" algn="ctr">
             <a:noFill/>
+            <a:prstDash val="solid"/>
           </a:ln>
+          <a:effectLst/>
         </p:spPr>
-        <p:style>
-          <a:lnRef idx="2">
-            <a:schemeClr val="accent1">
-              <a:shade val="50000"/>
-            </a:schemeClr>
-          </a:lnRef>
-          <a:fillRef idx="1">
-            <a:schemeClr val="accent1"/>
-          </a:fillRef>
-          <a:effectRef idx="0">
-            <a:schemeClr val="accent1"/>
-          </a:effectRef>
-          <a:fontRef idx="minor">
-            <a:schemeClr val="lt1"/>
-          </a:fontRef>
-        </p:style>
         <p:txBody>
           <a:bodyPr anchor="ctr"/>
           <a:lstStyle>
@@ -8437,25 +8625,146 @@
             </a:lvl9pPr>
           </a:lstStyle>
           <a:p>
-            <a:pPr defTabSz="872733"/>
+            <a:pPr marL="0" marR="0" lvl="0" indent="0" algn="l" defTabSz="872733" rtl="0" eaLnBrk="1" fontAlgn="base" latinLnBrk="0" hangingPunct="1">
+              <a:lnSpc>
+                <a:spcPct val="100000"/>
+              </a:lnSpc>
+              <a:spcBef>
+                <a:spcPct val="0"/>
+              </a:spcBef>
+              <a:spcAft>
+                <a:spcPct val="0"/>
+              </a:spcAft>
+              <a:buClrTx/>
+              <a:buSzTx/>
+              <a:buFontTx/>
+              <a:buNone/>
+              <a:tabLst/>
+              <a:defRPr/>
+            </a:pPr>
             <a:r>
-              <a:rPr lang="en-US" sz="1100" dirty="0">
-                <a:solidFill>
-                  <a:schemeClr val="tx2"/>
-                </a:solidFill>
+              <a:rPr kumimoji="0" lang="en-US" sz="1400" b="0" i="0" u="none" strike="noStrike" kern="1200" cap="none" spc="0" normalizeH="0" baseline="0" noProof="0" dirty="0">
+                <a:ln>
+                  <a:noFill/>
+                </a:ln>
+                <a:solidFill>
+                  <a:srgbClr val="1F497D"/>
+                </a:solidFill>
+                <a:effectLst/>
+                <a:uLnTx/>
+                <a:uFillTx/>
+                <a:latin typeface="Calibri"/>
+                <a:ea typeface="+mn-ea"/>
                 <a:cs typeface="Arial" charset="0"/>
               </a:rPr>
-              <a:t> [description price and quantity are not empty ]</a:t>
+              <a:t>[description and price </a:t>
+            </a:r>
+            <a:r>
+              <a:rPr lang="en-US" sz="1400" dirty="0">
+                <a:solidFill>
+                  <a:srgbClr val="1F497D"/>
+                </a:solidFill>
+                <a:latin typeface="Calibri"/>
+                <a:cs typeface="Arial" charset="0"/>
+              </a:rPr>
+              <a:t>are </a:t>
+            </a:r>
+            <a:r>
+              <a:rPr kumimoji="0" lang="en-US" sz="1400" b="0" i="0" u="none" strike="noStrike" kern="1200" cap="none" spc="0" normalizeH="0" baseline="0" noProof="0" dirty="0">
+                <a:ln>
+                  <a:noFill/>
+                </a:ln>
+                <a:solidFill>
+                  <a:srgbClr val="1F497D"/>
+                </a:solidFill>
+                <a:effectLst/>
+                <a:uLnTx/>
+                <a:uFillTx/>
+                <a:latin typeface="Calibri"/>
+                <a:ea typeface="+mn-ea"/>
+                <a:cs typeface="Arial" charset="0"/>
+              </a:rPr>
+              <a:t>not empty, quantity empty]</a:t>
             </a:r>
           </a:p>
         </p:txBody>
       </p:sp>
       <p:sp>
         <p:nvSpPr>
-          <p:cNvPr id="44" name="Rectangle 43">
+          <p:cNvPr id="80" name="Line 15">
             <a:extLst>
               <a:ext uri="{FF2B5EF4-FFF2-40B4-BE49-F238E27FC236}">
-                <a16:creationId xmlns:a16="http://schemas.microsoft.com/office/drawing/2014/main" id="{070262F8-296A-42BC-B145-450329A2FC54}"/>
+                <a16:creationId xmlns:a16="http://schemas.microsoft.com/office/drawing/2014/main" id="{2394D905-6B03-4B94-AADA-06F93C21A3D3}"/>
+              </a:ext>
+            </a:extLst>
+          </p:cNvPr>
+          <p:cNvSpPr>
+            <a:spLocks noChangeShapeType="1"/>
+          </p:cNvSpPr>
+          <p:nvPr/>
+        </p:nvSpPr>
+        <p:spPr bwMode="auto">
+          <a:xfrm flipH="1">
+            <a:off x="4351631" y="3831942"/>
+            <a:ext cx="3197216" cy="0"/>
+          </a:xfrm>
+          <a:prstGeom prst="line">
+            <a:avLst/>
+          </a:prstGeom>
+          <a:noFill/>
+          <a:ln w="19050">
+            <a:solidFill>
+              <a:srgbClr val="EEECE1">
+                <a:lumMod val="50000"/>
+              </a:srgbClr>
+            </a:solidFill>
+            <a:prstDash val="sysDash"/>
+            <a:round/>
+            <a:headEnd/>
+            <a:tailEnd type="triangle" w="lg" len="lg"/>
+          </a:ln>
+        </p:spPr>
+        <p:txBody>
+          <a:bodyPr/>
+          <a:lstStyle/>
+          <a:p>
+            <a:pPr marL="0" marR="0" lvl="0" indent="0" defTabSz="872733" eaLnBrk="1" fontAlgn="auto" latinLnBrk="0" hangingPunct="1">
+              <a:lnSpc>
+                <a:spcPct val="100000"/>
+              </a:lnSpc>
+              <a:spcBef>
+                <a:spcPts val="0"/>
+              </a:spcBef>
+              <a:spcAft>
+                <a:spcPts val="0"/>
+              </a:spcAft>
+              <a:buClrTx/>
+              <a:buSzTx/>
+              <a:buFontTx/>
+              <a:buNone/>
+              <a:tabLst/>
+              <a:defRPr/>
+            </a:pPr>
+            <a:endParaRPr kumimoji="0" lang="en-US" sz="1500" b="0" i="0" u="none" strike="noStrike" kern="0" cap="none" spc="0" normalizeH="0" baseline="0" noProof="0" dirty="0">
+              <a:ln>
+                <a:noFill/>
+              </a:ln>
+              <a:solidFill>
+                <a:prstClr val="black"/>
+              </a:solidFill>
+              <a:effectLst/>
+              <a:uLnTx/>
+              <a:uFillTx/>
+            </a:endParaRPr>
+          </a:p>
+        </p:txBody>
+      </p:sp>
+      <p:sp>
+        <p:nvSpPr>
+          <p:cNvPr id="81" name="Rectangle 80">
+            <a:extLst>
+              <a:ext uri="{FF2B5EF4-FFF2-40B4-BE49-F238E27FC236}">
+                <a16:creationId xmlns:a16="http://schemas.microsoft.com/office/drawing/2014/main" id="{1994F297-EBD1-469E-8CDF-80BDF4AD7351}"/>
               </a:ext>
             </a:extLst>
           </p:cNvPr>
@@ -8464,33 +8773,19 @@
         </p:nvSpPr>
         <p:spPr bwMode="auto">
           <a:xfrm>
-            <a:off x="4678322" y="4819206"/>
-            <a:ext cx="2136077" cy="313211"/>
+            <a:off x="5906113" y="3052645"/>
+            <a:ext cx="2489602" cy="421649"/>
           </a:xfrm>
           <a:prstGeom prst="rect">
             <a:avLst/>
           </a:prstGeom>
           <a:noFill/>
-          <a:ln>
+          <a:ln w="25400" cap="flat" cmpd="sng" algn="ctr">
             <a:noFill/>
+            <a:prstDash val="solid"/>
           </a:ln>
+          <a:effectLst/>
         </p:spPr>
-        <p:style>
-          <a:lnRef idx="2">
-            <a:schemeClr val="accent1">
-              <a:shade val="50000"/>
-            </a:schemeClr>
-          </a:lnRef>
-          <a:fillRef idx="1">
-            <a:schemeClr val="accent1"/>
-          </a:fillRef>
-          <a:effectRef idx="0">
-            <a:schemeClr val="accent1"/>
-          </a:effectRef>
-          <a:fontRef idx="minor">
-            <a:schemeClr val="lt1"/>
-          </a:fontRef>
-        </p:style>
         <p:txBody>
           <a:bodyPr anchor="ctr"/>
           <a:lstStyle>
@@ -8619,25 +8914,1255 @@
             </a:lvl9pPr>
           </a:lstStyle>
           <a:p>
-            <a:pPr defTabSz="872733"/>
+            <a:pPr marL="0" marR="0" lvl="0" indent="0" algn="l" defTabSz="872733" rtl="0" eaLnBrk="1" fontAlgn="base" latinLnBrk="0" hangingPunct="1">
+              <a:lnSpc>
+                <a:spcPct val="100000"/>
+              </a:lnSpc>
+              <a:spcBef>
+                <a:spcPct val="0"/>
+              </a:spcBef>
+              <a:spcAft>
+                <a:spcPct val="0"/>
+              </a:spcAft>
+              <a:buClrTx/>
+              <a:buSzTx/>
+              <a:buFontTx/>
+              <a:buNone/>
+              <a:tabLst/>
+              <a:defRPr/>
+            </a:pPr>
             <a:r>
-              <a:rPr lang="en-US" sz="1100" dirty="0" err="1">
-                <a:solidFill>
-                  <a:schemeClr val="tx2"/>
-                </a:solidFill>
+              <a:rPr lang="en-US" sz="1400" dirty="0">
+                <a:solidFill>
+                  <a:srgbClr val="1F497D"/>
+                </a:solidFill>
+                <a:latin typeface="Calibri"/>
                 <a:cs typeface="Arial" charset="0"/>
               </a:rPr>
-              <a:t>items.add</a:t>
+              <a:t>a</a:t>
             </a:r>
             <a:r>
-              <a:rPr lang="en-US" sz="1100" dirty="0">
-                <a:solidFill>
-                  <a:schemeClr val="tx2"/>
-                </a:solidFill>
+              <a:rPr kumimoji="0" lang="en-US" sz="1400" b="0" i="0" u="none" strike="noStrike" kern="1200" cap="none" spc="0" normalizeH="0" baseline="0" noProof="0" dirty="0">
+                <a:ln>
+                  <a:noFill/>
+                </a:ln>
+                <a:solidFill>
+                  <a:srgbClr val="1F497D"/>
+                </a:solidFill>
+                <a:effectLst/>
+                <a:uLnTx/>
+                <a:uFillTx/>
+                <a:latin typeface="Calibri"/>
+                <a:ea typeface="+mn-ea"/>
                 <a:cs typeface="Arial" charset="0"/>
               </a:rPr>
-              <a:t>(add)</a:t>
+              <a:t>dd(</a:t>
             </a:r>
+            <a:r>
+              <a:rPr kumimoji="0" lang="en-US" sz="1400" b="0" i="0" u="none" strike="noStrike" kern="1200" cap="none" spc="0" normalizeH="0" baseline="0" noProof="0" dirty="0" err="1">
+                <a:ln>
+                  <a:noFill/>
+                </a:ln>
+                <a:solidFill>
+                  <a:srgbClr val="1F497D"/>
+                </a:solidFill>
+                <a:effectLst/>
+                <a:uLnTx/>
+                <a:uFillTx/>
+                <a:latin typeface="Calibri"/>
+                <a:ea typeface="+mn-ea"/>
+                <a:cs typeface="Arial" charset="0"/>
+              </a:rPr>
+              <a:t>itemToAdd</a:t>
+            </a:r>
+            <a:r>
+              <a:rPr kumimoji="0" lang="en-US" sz="1600" b="0" i="0" u="none" strike="noStrike" kern="1200" cap="none" spc="0" normalizeH="0" baseline="0" noProof="0" dirty="0">
+                <a:ln>
+                  <a:noFill/>
+                </a:ln>
+                <a:solidFill>
+                  <a:srgbClr val="1F497D"/>
+                </a:solidFill>
+                <a:effectLst/>
+                <a:uLnTx/>
+                <a:uFillTx/>
+                <a:latin typeface="Calibri"/>
+                <a:ea typeface="+mn-ea"/>
+                <a:cs typeface="Arial" charset="0"/>
+              </a:rPr>
+              <a:t>)</a:t>
+            </a:r>
+          </a:p>
+        </p:txBody>
+      </p:sp>
+      <p:sp>
+        <p:nvSpPr>
+          <p:cNvPr id="82" name="Line 15">
+            <a:extLst>
+              <a:ext uri="{FF2B5EF4-FFF2-40B4-BE49-F238E27FC236}">
+                <a16:creationId xmlns:a16="http://schemas.microsoft.com/office/drawing/2014/main" id="{0BBC1EA9-49C9-4EFC-853B-0B861853F9E4}"/>
+              </a:ext>
+            </a:extLst>
+          </p:cNvPr>
+          <p:cNvSpPr>
+            <a:spLocks noChangeShapeType="1"/>
+          </p:cNvSpPr>
+          <p:nvPr/>
+        </p:nvSpPr>
+        <p:spPr bwMode="auto">
+          <a:xfrm>
+            <a:off x="4371295" y="4483014"/>
+            <a:ext cx="3134170" cy="0"/>
+          </a:xfrm>
+          <a:prstGeom prst="line">
+            <a:avLst/>
+          </a:prstGeom>
+          <a:noFill/>
+          <a:ln w="19050">
+            <a:solidFill>
+              <a:srgbClr val="EEECE1">
+                <a:lumMod val="50000"/>
+              </a:srgbClr>
+            </a:solidFill>
+            <a:round/>
+            <a:headEnd/>
+            <a:tailEnd type="triangle" w="lg" len="lg"/>
+          </a:ln>
+        </p:spPr>
+        <p:txBody>
+          <a:bodyPr/>
+          <a:lstStyle/>
+          <a:p>
+            <a:pPr marL="0" marR="0" lvl="0" indent="0" defTabSz="872733" eaLnBrk="1" fontAlgn="auto" latinLnBrk="0" hangingPunct="1">
+              <a:lnSpc>
+                <a:spcPct val="100000"/>
+              </a:lnSpc>
+              <a:spcBef>
+                <a:spcPts val="0"/>
+              </a:spcBef>
+              <a:spcAft>
+                <a:spcPts val="0"/>
+              </a:spcAft>
+              <a:buClrTx/>
+              <a:buSzTx/>
+              <a:buFontTx/>
+              <a:buNone/>
+              <a:tabLst/>
+              <a:defRPr/>
+            </a:pPr>
+            <a:endParaRPr kumimoji="0" lang="en-US" sz="1500" b="0" i="0" u="none" strike="noStrike" kern="0" cap="none" spc="0" normalizeH="0" baseline="0" noProof="0" dirty="0">
+              <a:ln>
+                <a:noFill/>
+              </a:ln>
+              <a:solidFill>
+                <a:prstClr val="black"/>
+              </a:solidFill>
+              <a:effectLst/>
+              <a:uLnTx/>
+              <a:uFillTx/>
+            </a:endParaRPr>
+          </a:p>
+        </p:txBody>
+      </p:sp>
+      <p:sp>
+        <p:nvSpPr>
+          <p:cNvPr id="83" name="Rectangle 82">
+            <a:extLst>
+              <a:ext uri="{FF2B5EF4-FFF2-40B4-BE49-F238E27FC236}">
+                <a16:creationId xmlns:a16="http://schemas.microsoft.com/office/drawing/2014/main" id="{438664B8-5B91-4075-9705-F670A79AA48B}"/>
+              </a:ext>
+            </a:extLst>
+          </p:cNvPr>
+          <p:cNvSpPr/>
+          <p:nvPr/>
+        </p:nvSpPr>
+        <p:spPr bwMode="auto">
+          <a:xfrm>
+            <a:off x="4315380" y="4030352"/>
+            <a:ext cx="3164251" cy="389739"/>
+          </a:xfrm>
+          <a:prstGeom prst="rect">
+            <a:avLst/>
+          </a:prstGeom>
+          <a:noFill/>
+          <a:ln w="25400" cap="flat" cmpd="sng" algn="ctr">
+            <a:noFill/>
+            <a:prstDash val="solid"/>
+          </a:ln>
+          <a:effectLst/>
+        </p:spPr>
+        <p:txBody>
+          <a:bodyPr anchor="ctr"/>
+          <a:lstStyle>
+            <a:defPPr>
+              <a:defRPr lang="en-SG"/>
+            </a:defPPr>
+            <a:lvl1pPr algn="l" rtl="0" fontAlgn="base">
+              <a:spcBef>
+                <a:spcPct val="0"/>
+              </a:spcBef>
+              <a:spcAft>
+                <a:spcPct val="0"/>
+              </a:spcAft>
+              <a:defRPr kern="1200">
+                <a:solidFill>
+                  <a:schemeClr val="lt1"/>
+                </a:solidFill>
+                <a:latin typeface="+mn-lt"/>
+                <a:ea typeface="+mn-ea"/>
+                <a:cs typeface="+mn-cs"/>
+              </a:defRPr>
+            </a:lvl1pPr>
+            <a:lvl2pPr marL="457200" algn="l" rtl="0" fontAlgn="base">
+              <a:spcBef>
+                <a:spcPct val="0"/>
+              </a:spcBef>
+              <a:spcAft>
+                <a:spcPct val="0"/>
+              </a:spcAft>
+              <a:defRPr kern="1200">
+                <a:solidFill>
+                  <a:schemeClr val="lt1"/>
+                </a:solidFill>
+                <a:latin typeface="+mn-lt"/>
+                <a:ea typeface="+mn-ea"/>
+                <a:cs typeface="+mn-cs"/>
+              </a:defRPr>
+            </a:lvl2pPr>
+            <a:lvl3pPr marL="914400" algn="l" rtl="0" fontAlgn="base">
+              <a:spcBef>
+                <a:spcPct val="0"/>
+              </a:spcBef>
+              <a:spcAft>
+                <a:spcPct val="0"/>
+              </a:spcAft>
+              <a:defRPr kern="1200">
+                <a:solidFill>
+                  <a:schemeClr val="lt1"/>
+                </a:solidFill>
+                <a:latin typeface="+mn-lt"/>
+                <a:ea typeface="+mn-ea"/>
+                <a:cs typeface="+mn-cs"/>
+              </a:defRPr>
+            </a:lvl3pPr>
+            <a:lvl4pPr marL="1371600" algn="l" rtl="0" fontAlgn="base">
+              <a:spcBef>
+                <a:spcPct val="0"/>
+              </a:spcBef>
+              <a:spcAft>
+                <a:spcPct val="0"/>
+              </a:spcAft>
+              <a:defRPr kern="1200">
+                <a:solidFill>
+                  <a:schemeClr val="lt1"/>
+                </a:solidFill>
+                <a:latin typeface="+mn-lt"/>
+                <a:ea typeface="+mn-ea"/>
+                <a:cs typeface="+mn-cs"/>
+              </a:defRPr>
+            </a:lvl4pPr>
+            <a:lvl5pPr marL="1828800" algn="l" rtl="0" fontAlgn="base">
+              <a:spcBef>
+                <a:spcPct val="0"/>
+              </a:spcBef>
+              <a:spcAft>
+                <a:spcPct val="0"/>
+              </a:spcAft>
+              <a:defRPr kern="1200">
+                <a:solidFill>
+                  <a:schemeClr val="lt1"/>
+                </a:solidFill>
+                <a:latin typeface="+mn-lt"/>
+                <a:ea typeface="+mn-ea"/>
+                <a:cs typeface="+mn-cs"/>
+              </a:defRPr>
+            </a:lvl5pPr>
+            <a:lvl6pPr marL="2286000" algn="l" defTabSz="914400" rtl="0" eaLnBrk="1" latinLnBrk="0" hangingPunct="1">
+              <a:defRPr kern="1200">
+                <a:solidFill>
+                  <a:schemeClr val="lt1"/>
+                </a:solidFill>
+                <a:latin typeface="+mn-lt"/>
+                <a:ea typeface="+mn-ea"/>
+                <a:cs typeface="+mn-cs"/>
+              </a:defRPr>
+            </a:lvl6pPr>
+            <a:lvl7pPr marL="2743200" algn="l" defTabSz="914400" rtl="0" eaLnBrk="1" latinLnBrk="0" hangingPunct="1">
+              <a:defRPr kern="1200">
+                <a:solidFill>
+                  <a:schemeClr val="lt1"/>
+                </a:solidFill>
+                <a:latin typeface="+mn-lt"/>
+                <a:ea typeface="+mn-ea"/>
+                <a:cs typeface="+mn-cs"/>
+              </a:defRPr>
+            </a:lvl7pPr>
+            <a:lvl8pPr marL="3200400" algn="l" defTabSz="914400" rtl="0" eaLnBrk="1" latinLnBrk="0" hangingPunct="1">
+              <a:defRPr kern="1200">
+                <a:solidFill>
+                  <a:schemeClr val="lt1"/>
+                </a:solidFill>
+                <a:latin typeface="+mn-lt"/>
+                <a:ea typeface="+mn-ea"/>
+                <a:cs typeface="+mn-cs"/>
+              </a:defRPr>
+            </a:lvl8pPr>
+            <a:lvl9pPr marL="3657600" algn="l" defTabSz="914400" rtl="0" eaLnBrk="1" latinLnBrk="0" hangingPunct="1">
+              <a:defRPr kern="1200">
+                <a:solidFill>
+                  <a:schemeClr val="lt1"/>
+                </a:solidFill>
+                <a:latin typeface="+mn-lt"/>
+                <a:ea typeface="+mn-ea"/>
+                <a:cs typeface="+mn-cs"/>
+              </a:defRPr>
+            </a:lvl9pPr>
+          </a:lstStyle>
+          <a:p>
+            <a:pPr marL="0" marR="0" lvl="0" indent="0" algn="l" defTabSz="872733" rtl="0" eaLnBrk="1" fontAlgn="base" latinLnBrk="0" hangingPunct="1">
+              <a:lnSpc>
+                <a:spcPct val="100000"/>
+              </a:lnSpc>
+              <a:spcBef>
+                <a:spcPct val="0"/>
+              </a:spcBef>
+              <a:spcAft>
+                <a:spcPct val="0"/>
+              </a:spcAft>
+              <a:buClrTx/>
+              <a:buSzTx/>
+              <a:buFontTx/>
+              <a:buNone/>
+              <a:tabLst/>
+              <a:defRPr/>
+            </a:pPr>
+            <a:r>
+              <a:rPr kumimoji="0" lang="en-US" sz="1400" b="0" i="0" u="none" strike="noStrike" kern="1200" cap="none" spc="0" normalizeH="0" baseline="0" noProof="0" dirty="0">
+                <a:ln>
+                  <a:noFill/>
+                </a:ln>
+                <a:solidFill>
+                  <a:srgbClr val="1F497D"/>
+                </a:solidFill>
+                <a:effectLst/>
+                <a:uLnTx/>
+                <a:uFillTx/>
+                <a:latin typeface="Calibri"/>
+                <a:ea typeface="+mn-ea"/>
+                <a:cs typeface="Arial" charset="0"/>
+              </a:rPr>
+              <a:t>[description and quantity are not empty, quantity empty]</a:t>
+            </a:r>
+          </a:p>
+        </p:txBody>
+      </p:sp>
+      <p:sp>
+        <p:nvSpPr>
+          <p:cNvPr id="84" name="Rectangle 83">
+            <a:extLst>
+              <a:ext uri="{FF2B5EF4-FFF2-40B4-BE49-F238E27FC236}">
+                <a16:creationId xmlns:a16="http://schemas.microsoft.com/office/drawing/2014/main" id="{883B6B07-6C0F-423C-B9CE-7617632896FF}"/>
+              </a:ext>
+            </a:extLst>
+          </p:cNvPr>
+          <p:cNvSpPr/>
+          <p:nvPr/>
+        </p:nvSpPr>
+        <p:spPr bwMode="auto">
+          <a:xfrm>
+            <a:off x="5949323" y="4110544"/>
+            <a:ext cx="2489602" cy="421649"/>
+          </a:xfrm>
+          <a:prstGeom prst="rect">
+            <a:avLst/>
+          </a:prstGeom>
+          <a:noFill/>
+          <a:ln w="25400" cap="flat" cmpd="sng" algn="ctr">
+            <a:noFill/>
+            <a:prstDash val="solid"/>
+          </a:ln>
+          <a:effectLst/>
+        </p:spPr>
+        <p:txBody>
+          <a:bodyPr anchor="ctr"/>
+          <a:lstStyle>
+            <a:defPPr>
+              <a:defRPr lang="en-SG"/>
+            </a:defPPr>
+            <a:lvl1pPr algn="l" rtl="0" fontAlgn="base">
+              <a:spcBef>
+                <a:spcPct val="0"/>
+              </a:spcBef>
+              <a:spcAft>
+                <a:spcPct val="0"/>
+              </a:spcAft>
+              <a:defRPr kern="1200">
+                <a:solidFill>
+                  <a:schemeClr val="lt1"/>
+                </a:solidFill>
+                <a:latin typeface="+mn-lt"/>
+                <a:ea typeface="+mn-ea"/>
+                <a:cs typeface="+mn-cs"/>
+              </a:defRPr>
+            </a:lvl1pPr>
+            <a:lvl2pPr marL="457200" algn="l" rtl="0" fontAlgn="base">
+              <a:spcBef>
+                <a:spcPct val="0"/>
+              </a:spcBef>
+              <a:spcAft>
+                <a:spcPct val="0"/>
+              </a:spcAft>
+              <a:defRPr kern="1200">
+                <a:solidFill>
+                  <a:schemeClr val="lt1"/>
+                </a:solidFill>
+                <a:latin typeface="+mn-lt"/>
+                <a:ea typeface="+mn-ea"/>
+                <a:cs typeface="+mn-cs"/>
+              </a:defRPr>
+            </a:lvl2pPr>
+            <a:lvl3pPr marL="914400" algn="l" rtl="0" fontAlgn="base">
+              <a:spcBef>
+                <a:spcPct val="0"/>
+              </a:spcBef>
+              <a:spcAft>
+                <a:spcPct val="0"/>
+              </a:spcAft>
+              <a:defRPr kern="1200">
+                <a:solidFill>
+                  <a:schemeClr val="lt1"/>
+                </a:solidFill>
+                <a:latin typeface="+mn-lt"/>
+                <a:ea typeface="+mn-ea"/>
+                <a:cs typeface="+mn-cs"/>
+              </a:defRPr>
+            </a:lvl3pPr>
+            <a:lvl4pPr marL="1371600" algn="l" rtl="0" fontAlgn="base">
+              <a:spcBef>
+                <a:spcPct val="0"/>
+              </a:spcBef>
+              <a:spcAft>
+                <a:spcPct val="0"/>
+              </a:spcAft>
+              <a:defRPr kern="1200">
+                <a:solidFill>
+                  <a:schemeClr val="lt1"/>
+                </a:solidFill>
+                <a:latin typeface="+mn-lt"/>
+                <a:ea typeface="+mn-ea"/>
+                <a:cs typeface="+mn-cs"/>
+              </a:defRPr>
+            </a:lvl4pPr>
+            <a:lvl5pPr marL="1828800" algn="l" rtl="0" fontAlgn="base">
+              <a:spcBef>
+                <a:spcPct val="0"/>
+              </a:spcBef>
+              <a:spcAft>
+                <a:spcPct val="0"/>
+              </a:spcAft>
+              <a:defRPr kern="1200">
+                <a:solidFill>
+                  <a:schemeClr val="lt1"/>
+                </a:solidFill>
+                <a:latin typeface="+mn-lt"/>
+                <a:ea typeface="+mn-ea"/>
+                <a:cs typeface="+mn-cs"/>
+              </a:defRPr>
+            </a:lvl5pPr>
+            <a:lvl6pPr marL="2286000" algn="l" defTabSz="914400" rtl="0" eaLnBrk="1" latinLnBrk="0" hangingPunct="1">
+              <a:defRPr kern="1200">
+                <a:solidFill>
+                  <a:schemeClr val="lt1"/>
+                </a:solidFill>
+                <a:latin typeface="+mn-lt"/>
+                <a:ea typeface="+mn-ea"/>
+                <a:cs typeface="+mn-cs"/>
+              </a:defRPr>
+            </a:lvl6pPr>
+            <a:lvl7pPr marL="2743200" algn="l" defTabSz="914400" rtl="0" eaLnBrk="1" latinLnBrk="0" hangingPunct="1">
+              <a:defRPr kern="1200">
+                <a:solidFill>
+                  <a:schemeClr val="lt1"/>
+                </a:solidFill>
+                <a:latin typeface="+mn-lt"/>
+                <a:ea typeface="+mn-ea"/>
+                <a:cs typeface="+mn-cs"/>
+              </a:defRPr>
+            </a:lvl7pPr>
+            <a:lvl8pPr marL="3200400" algn="l" defTabSz="914400" rtl="0" eaLnBrk="1" latinLnBrk="0" hangingPunct="1">
+              <a:defRPr kern="1200">
+                <a:solidFill>
+                  <a:schemeClr val="lt1"/>
+                </a:solidFill>
+                <a:latin typeface="+mn-lt"/>
+                <a:ea typeface="+mn-ea"/>
+                <a:cs typeface="+mn-cs"/>
+              </a:defRPr>
+            </a:lvl8pPr>
+            <a:lvl9pPr marL="3657600" algn="l" defTabSz="914400" rtl="0" eaLnBrk="1" latinLnBrk="0" hangingPunct="1">
+              <a:defRPr kern="1200">
+                <a:solidFill>
+                  <a:schemeClr val="lt1"/>
+                </a:solidFill>
+                <a:latin typeface="+mn-lt"/>
+                <a:ea typeface="+mn-ea"/>
+                <a:cs typeface="+mn-cs"/>
+              </a:defRPr>
+            </a:lvl9pPr>
+          </a:lstStyle>
+          <a:p>
+            <a:pPr marL="0" marR="0" lvl="0" indent="0" algn="l" defTabSz="872733" rtl="0" eaLnBrk="1" fontAlgn="base" latinLnBrk="0" hangingPunct="1">
+              <a:lnSpc>
+                <a:spcPct val="100000"/>
+              </a:lnSpc>
+              <a:spcBef>
+                <a:spcPct val="0"/>
+              </a:spcBef>
+              <a:spcAft>
+                <a:spcPct val="0"/>
+              </a:spcAft>
+              <a:buClrTx/>
+              <a:buSzTx/>
+              <a:buFontTx/>
+              <a:buNone/>
+              <a:tabLst/>
+              <a:defRPr/>
+            </a:pPr>
+            <a:r>
+              <a:rPr lang="en-US" sz="1400" dirty="0">
+                <a:solidFill>
+                  <a:srgbClr val="1F497D"/>
+                </a:solidFill>
+                <a:latin typeface="Calibri"/>
+                <a:cs typeface="Arial" charset="0"/>
+              </a:rPr>
+              <a:t>a</a:t>
+            </a:r>
+            <a:r>
+              <a:rPr kumimoji="0" lang="en-US" sz="1400" b="0" i="0" u="none" strike="noStrike" kern="1200" cap="none" spc="0" normalizeH="0" baseline="0" noProof="0" dirty="0">
+                <a:ln>
+                  <a:noFill/>
+                </a:ln>
+                <a:solidFill>
+                  <a:srgbClr val="1F497D"/>
+                </a:solidFill>
+                <a:effectLst/>
+                <a:uLnTx/>
+                <a:uFillTx/>
+                <a:latin typeface="Calibri"/>
+                <a:ea typeface="+mn-ea"/>
+                <a:cs typeface="Arial" charset="0"/>
+              </a:rPr>
+              <a:t>dd(</a:t>
+            </a:r>
+            <a:r>
+              <a:rPr kumimoji="0" lang="en-US" sz="1400" b="0" i="0" u="none" strike="noStrike" kern="1200" cap="none" spc="0" normalizeH="0" baseline="0" noProof="0" dirty="0" err="1">
+                <a:ln>
+                  <a:noFill/>
+                </a:ln>
+                <a:solidFill>
+                  <a:srgbClr val="1F497D"/>
+                </a:solidFill>
+                <a:effectLst/>
+                <a:uLnTx/>
+                <a:uFillTx/>
+                <a:latin typeface="Calibri"/>
+                <a:ea typeface="+mn-ea"/>
+                <a:cs typeface="Arial" charset="0"/>
+              </a:rPr>
+              <a:t>itemToAdd</a:t>
+            </a:r>
+            <a:r>
+              <a:rPr kumimoji="0" lang="en-US" sz="1600" b="0" i="0" u="none" strike="noStrike" kern="1200" cap="none" spc="0" normalizeH="0" baseline="0" noProof="0" dirty="0">
+                <a:ln>
+                  <a:noFill/>
+                </a:ln>
+                <a:solidFill>
+                  <a:srgbClr val="1F497D"/>
+                </a:solidFill>
+                <a:effectLst/>
+                <a:uLnTx/>
+                <a:uFillTx/>
+                <a:latin typeface="Calibri"/>
+                <a:ea typeface="+mn-ea"/>
+                <a:cs typeface="Arial" charset="0"/>
+              </a:rPr>
+              <a:t>)</a:t>
+            </a:r>
+          </a:p>
+        </p:txBody>
+      </p:sp>
+      <p:sp>
+        <p:nvSpPr>
+          <p:cNvPr id="85" name="Line 15">
+            <a:extLst>
+              <a:ext uri="{FF2B5EF4-FFF2-40B4-BE49-F238E27FC236}">
+                <a16:creationId xmlns:a16="http://schemas.microsoft.com/office/drawing/2014/main" id="{A21986CF-D051-4619-9561-405F868086A9}"/>
+              </a:ext>
+            </a:extLst>
+          </p:cNvPr>
+          <p:cNvSpPr>
+            <a:spLocks noChangeShapeType="1"/>
+          </p:cNvSpPr>
+          <p:nvPr/>
+        </p:nvSpPr>
+        <p:spPr bwMode="auto">
+          <a:xfrm flipH="1">
+            <a:off x="4335585" y="4903587"/>
+            <a:ext cx="3197216" cy="0"/>
+          </a:xfrm>
+          <a:prstGeom prst="line">
+            <a:avLst/>
+          </a:prstGeom>
+          <a:noFill/>
+          <a:ln w="19050">
+            <a:solidFill>
+              <a:srgbClr val="EEECE1">
+                <a:lumMod val="50000"/>
+              </a:srgbClr>
+            </a:solidFill>
+            <a:prstDash val="sysDash"/>
+            <a:round/>
+            <a:headEnd/>
+            <a:tailEnd type="triangle" w="lg" len="lg"/>
+          </a:ln>
+        </p:spPr>
+        <p:txBody>
+          <a:bodyPr/>
+          <a:lstStyle/>
+          <a:p>
+            <a:pPr marL="0" marR="0" lvl="0" indent="0" defTabSz="872733" eaLnBrk="1" fontAlgn="auto" latinLnBrk="0" hangingPunct="1">
+              <a:lnSpc>
+                <a:spcPct val="100000"/>
+              </a:lnSpc>
+              <a:spcBef>
+                <a:spcPts val="0"/>
+              </a:spcBef>
+              <a:spcAft>
+                <a:spcPts val="0"/>
+              </a:spcAft>
+              <a:buClrTx/>
+              <a:buSzTx/>
+              <a:buFontTx/>
+              <a:buNone/>
+              <a:tabLst/>
+              <a:defRPr/>
+            </a:pPr>
+            <a:endParaRPr kumimoji="0" lang="en-US" sz="1500" b="0" i="0" u="none" strike="noStrike" kern="0" cap="none" spc="0" normalizeH="0" baseline="0" noProof="0" dirty="0">
+              <a:ln>
+                <a:noFill/>
+              </a:ln>
+              <a:solidFill>
+                <a:prstClr val="black"/>
+              </a:solidFill>
+              <a:effectLst/>
+              <a:uLnTx/>
+              <a:uFillTx/>
+            </a:endParaRPr>
+          </a:p>
+        </p:txBody>
+      </p:sp>
+      <p:cxnSp>
+        <p:nvCxnSpPr>
+          <p:cNvPr id="86" name="Straight Connector 85">
+            <a:extLst>
+              <a:ext uri="{FF2B5EF4-FFF2-40B4-BE49-F238E27FC236}">
+                <a16:creationId xmlns:a16="http://schemas.microsoft.com/office/drawing/2014/main" id="{70798144-9A2B-4C6D-B37A-7D3CDECF06BB}"/>
+              </a:ext>
+            </a:extLst>
+          </p:cNvPr>
+          <p:cNvCxnSpPr/>
+          <p:nvPr/>
+        </p:nvCxnSpPr>
+        <p:spPr>
+          <a:xfrm>
+            <a:off x="1725040" y="5021580"/>
+            <a:ext cx="8069888" cy="19445"/>
+          </a:xfrm>
+          <a:prstGeom prst="line">
+            <a:avLst/>
+          </a:prstGeom>
+          <a:noFill/>
+          <a:ln w="19050" cap="flat" cmpd="sng" algn="ctr">
+            <a:solidFill>
+              <a:srgbClr val="0070C0"/>
+            </a:solidFill>
+            <a:prstDash val="sysDash"/>
+          </a:ln>
+          <a:effectLst/>
+        </p:spPr>
+      </p:cxnSp>
+      <p:sp>
+        <p:nvSpPr>
+          <p:cNvPr id="87" name="Rectangle 86">
+            <a:extLst>
+              <a:ext uri="{FF2B5EF4-FFF2-40B4-BE49-F238E27FC236}">
+                <a16:creationId xmlns:a16="http://schemas.microsoft.com/office/drawing/2014/main" id="{52ABCA6D-11AA-4CCD-8C38-CC9EB2B24FA8}"/>
+              </a:ext>
+            </a:extLst>
+          </p:cNvPr>
+          <p:cNvSpPr/>
+          <p:nvPr/>
+        </p:nvSpPr>
+        <p:spPr bwMode="auto">
+          <a:xfrm>
+            <a:off x="4342395" y="5090984"/>
+            <a:ext cx="3136321" cy="389739"/>
+          </a:xfrm>
+          <a:prstGeom prst="rect">
+            <a:avLst/>
+          </a:prstGeom>
+          <a:noFill/>
+          <a:ln w="25400" cap="flat" cmpd="sng" algn="ctr">
+            <a:noFill/>
+            <a:prstDash val="solid"/>
+          </a:ln>
+          <a:effectLst/>
+        </p:spPr>
+        <p:txBody>
+          <a:bodyPr anchor="ctr"/>
+          <a:lstStyle>
+            <a:defPPr>
+              <a:defRPr lang="en-SG"/>
+            </a:defPPr>
+            <a:lvl1pPr algn="l" rtl="0" fontAlgn="base">
+              <a:spcBef>
+                <a:spcPct val="0"/>
+              </a:spcBef>
+              <a:spcAft>
+                <a:spcPct val="0"/>
+              </a:spcAft>
+              <a:defRPr kern="1200">
+                <a:solidFill>
+                  <a:schemeClr val="lt1"/>
+                </a:solidFill>
+                <a:latin typeface="+mn-lt"/>
+                <a:ea typeface="+mn-ea"/>
+                <a:cs typeface="+mn-cs"/>
+              </a:defRPr>
+            </a:lvl1pPr>
+            <a:lvl2pPr marL="457200" algn="l" rtl="0" fontAlgn="base">
+              <a:spcBef>
+                <a:spcPct val="0"/>
+              </a:spcBef>
+              <a:spcAft>
+                <a:spcPct val="0"/>
+              </a:spcAft>
+              <a:defRPr kern="1200">
+                <a:solidFill>
+                  <a:schemeClr val="lt1"/>
+                </a:solidFill>
+                <a:latin typeface="+mn-lt"/>
+                <a:ea typeface="+mn-ea"/>
+                <a:cs typeface="+mn-cs"/>
+              </a:defRPr>
+            </a:lvl2pPr>
+            <a:lvl3pPr marL="914400" algn="l" rtl="0" fontAlgn="base">
+              <a:spcBef>
+                <a:spcPct val="0"/>
+              </a:spcBef>
+              <a:spcAft>
+                <a:spcPct val="0"/>
+              </a:spcAft>
+              <a:defRPr kern="1200">
+                <a:solidFill>
+                  <a:schemeClr val="lt1"/>
+                </a:solidFill>
+                <a:latin typeface="+mn-lt"/>
+                <a:ea typeface="+mn-ea"/>
+                <a:cs typeface="+mn-cs"/>
+              </a:defRPr>
+            </a:lvl3pPr>
+            <a:lvl4pPr marL="1371600" algn="l" rtl="0" fontAlgn="base">
+              <a:spcBef>
+                <a:spcPct val="0"/>
+              </a:spcBef>
+              <a:spcAft>
+                <a:spcPct val="0"/>
+              </a:spcAft>
+              <a:defRPr kern="1200">
+                <a:solidFill>
+                  <a:schemeClr val="lt1"/>
+                </a:solidFill>
+                <a:latin typeface="+mn-lt"/>
+                <a:ea typeface="+mn-ea"/>
+                <a:cs typeface="+mn-cs"/>
+              </a:defRPr>
+            </a:lvl4pPr>
+            <a:lvl5pPr marL="1828800" algn="l" rtl="0" fontAlgn="base">
+              <a:spcBef>
+                <a:spcPct val="0"/>
+              </a:spcBef>
+              <a:spcAft>
+                <a:spcPct val="0"/>
+              </a:spcAft>
+              <a:defRPr kern="1200">
+                <a:solidFill>
+                  <a:schemeClr val="lt1"/>
+                </a:solidFill>
+                <a:latin typeface="+mn-lt"/>
+                <a:ea typeface="+mn-ea"/>
+                <a:cs typeface="+mn-cs"/>
+              </a:defRPr>
+            </a:lvl5pPr>
+            <a:lvl6pPr marL="2286000" algn="l" defTabSz="914400" rtl="0" eaLnBrk="1" latinLnBrk="0" hangingPunct="1">
+              <a:defRPr kern="1200">
+                <a:solidFill>
+                  <a:schemeClr val="lt1"/>
+                </a:solidFill>
+                <a:latin typeface="+mn-lt"/>
+                <a:ea typeface="+mn-ea"/>
+                <a:cs typeface="+mn-cs"/>
+              </a:defRPr>
+            </a:lvl6pPr>
+            <a:lvl7pPr marL="2743200" algn="l" defTabSz="914400" rtl="0" eaLnBrk="1" latinLnBrk="0" hangingPunct="1">
+              <a:defRPr kern="1200">
+                <a:solidFill>
+                  <a:schemeClr val="lt1"/>
+                </a:solidFill>
+                <a:latin typeface="+mn-lt"/>
+                <a:ea typeface="+mn-ea"/>
+                <a:cs typeface="+mn-cs"/>
+              </a:defRPr>
+            </a:lvl7pPr>
+            <a:lvl8pPr marL="3200400" algn="l" defTabSz="914400" rtl="0" eaLnBrk="1" latinLnBrk="0" hangingPunct="1">
+              <a:defRPr kern="1200">
+                <a:solidFill>
+                  <a:schemeClr val="lt1"/>
+                </a:solidFill>
+                <a:latin typeface="+mn-lt"/>
+                <a:ea typeface="+mn-ea"/>
+                <a:cs typeface="+mn-cs"/>
+              </a:defRPr>
+            </a:lvl8pPr>
+            <a:lvl9pPr marL="3657600" algn="l" defTabSz="914400" rtl="0" eaLnBrk="1" latinLnBrk="0" hangingPunct="1">
+              <a:defRPr kern="1200">
+                <a:solidFill>
+                  <a:schemeClr val="lt1"/>
+                </a:solidFill>
+                <a:latin typeface="+mn-lt"/>
+                <a:ea typeface="+mn-ea"/>
+                <a:cs typeface="+mn-cs"/>
+              </a:defRPr>
+            </a:lvl9pPr>
+          </a:lstStyle>
+          <a:p>
+            <a:pPr marL="0" marR="0" lvl="0" indent="0" algn="l" defTabSz="872733" rtl="0" eaLnBrk="1" fontAlgn="base" latinLnBrk="0" hangingPunct="1">
+              <a:lnSpc>
+                <a:spcPct val="100000"/>
+              </a:lnSpc>
+              <a:spcBef>
+                <a:spcPct val="0"/>
+              </a:spcBef>
+              <a:spcAft>
+                <a:spcPct val="0"/>
+              </a:spcAft>
+              <a:buClrTx/>
+              <a:buSzTx/>
+              <a:buFontTx/>
+              <a:buNone/>
+              <a:tabLst/>
+              <a:defRPr/>
+            </a:pPr>
+            <a:r>
+              <a:rPr lang="en-US" sz="1400" dirty="0">
+                <a:solidFill>
+                  <a:srgbClr val="1F497D"/>
+                </a:solidFill>
+                <a:latin typeface="Calibri"/>
+                <a:cs typeface="Arial" charset="0"/>
+              </a:rPr>
+              <a:t>[description, price and quantity are not empty]</a:t>
+            </a:r>
+            <a:endParaRPr kumimoji="0" lang="en-US" sz="1400" b="0" i="0" u="none" strike="noStrike" kern="1200" cap="none" spc="0" normalizeH="0" baseline="0" noProof="0" dirty="0">
+              <a:ln>
+                <a:noFill/>
+              </a:ln>
+              <a:solidFill>
+                <a:srgbClr val="1F497D"/>
+              </a:solidFill>
+              <a:effectLst/>
+              <a:uLnTx/>
+              <a:uFillTx/>
+              <a:latin typeface="Calibri"/>
+              <a:ea typeface="+mn-ea"/>
+              <a:cs typeface="Arial" charset="0"/>
+            </a:endParaRPr>
+          </a:p>
+        </p:txBody>
+      </p:sp>
+      <p:sp>
+        <p:nvSpPr>
+          <p:cNvPr id="88" name="Line 15">
+            <a:extLst>
+              <a:ext uri="{FF2B5EF4-FFF2-40B4-BE49-F238E27FC236}">
+                <a16:creationId xmlns:a16="http://schemas.microsoft.com/office/drawing/2014/main" id="{3087949B-76EA-412B-828F-0CD2E8D39AC0}"/>
+              </a:ext>
+            </a:extLst>
+          </p:cNvPr>
+          <p:cNvSpPr>
+            <a:spLocks noChangeShapeType="1"/>
+          </p:cNvSpPr>
+          <p:nvPr/>
+        </p:nvSpPr>
+        <p:spPr bwMode="auto">
+          <a:xfrm>
+            <a:off x="4342398" y="5521800"/>
+            <a:ext cx="3134170" cy="0"/>
+          </a:xfrm>
+          <a:prstGeom prst="line">
+            <a:avLst/>
+          </a:prstGeom>
+          <a:noFill/>
+          <a:ln w="19050">
+            <a:solidFill>
+              <a:srgbClr val="EEECE1">
+                <a:lumMod val="50000"/>
+              </a:srgbClr>
+            </a:solidFill>
+            <a:round/>
+            <a:headEnd/>
+            <a:tailEnd type="triangle" w="lg" len="lg"/>
+          </a:ln>
+        </p:spPr>
+        <p:txBody>
+          <a:bodyPr/>
+          <a:lstStyle/>
+          <a:p>
+            <a:pPr marL="0" marR="0" lvl="0" indent="0" defTabSz="872733" eaLnBrk="1" fontAlgn="auto" latinLnBrk="0" hangingPunct="1">
+              <a:lnSpc>
+                <a:spcPct val="100000"/>
+              </a:lnSpc>
+              <a:spcBef>
+                <a:spcPts val="0"/>
+              </a:spcBef>
+              <a:spcAft>
+                <a:spcPts val="0"/>
+              </a:spcAft>
+              <a:buClrTx/>
+              <a:buSzTx/>
+              <a:buFontTx/>
+              <a:buNone/>
+              <a:tabLst/>
+              <a:defRPr/>
+            </a:pPr>
+            <a:endParaRPr kumimoji="0" lang="en-US" sz="1500" b="0" i="0" u="none" strike="noStrike" kern="0" cap="none" spc="0" normalizeH="0" baseline="0" noProof="0" dirty="0">
+              <a:ln>
+                <a:noFill/>
+              </a:ln>
+              <a:solidFill>
+                <a:prstClr val="black"/>
+              </a:solidFill>
+              <a:effectLst/>
+              <a:uLnTx/>
+              <a:uFillTx/>
+            </a:endParaRPr>
+          </a:p>
+        </p:txBody>
+      </p:sp>
+      <p:sp>
+        <p:nvSpPr>
+          <p:cNvPr id="89" name="Rectangle 88">
+            <a:extLst>
+              <a:ext uri="{FF2B5EF4-FFF2-40B4-BE49-F238E27FC236}">
+                <a16:creationId xmlns:a16="http://schemas.microsoft.com/office/drawing/2014/main" id="{0F809333-7D74-4F24-8104-CBFB1321FE3E}"/>
+              </a:ext>
+            </a:extLst>
+          </p:cNvPr>
+          <p:cNvSpPr/>
+          <p:nvPr/>
+        </p:nvSpPr>
+        <p:spPr bwMode="auto">
+          <a:xfrm>
+            <a:off x="6003511" y="5168129"/>
+            <a:ext cx="2489602" cy="421649"/>
+          </a:xfrm>
+          <a:prstGeom prst="rect">
+            <a:avLst/>
+          </a:prstGeom>
+          <a:noFill/>
+          <a:ln w="25400" cap="flat" cmpd="sng" algn="ctr">
+            <a:noFill/>
+            <a:prstDash val="solid"/>
+          </a:ln>
+          <a:effectLst/>
+        </p:spPr>
+        <p:txBody>
+          <a:bodyPr anchor="ctr"/>
+          <a:lstStyle>
+            <a:defPPr>
+              <a:defRPr lang="en-SG"/>
+            </a:defPPr>
+            <a:lvl1pPr algn="l" rtl="0" fontAlgn="base">
+              <a:spcBef>
+                <a:spcPct val="0"/>
+              </a:spcBef>
+              <a:spcAft>
+                <a:spcPct val="0"/>
+              </a:spcAft>
+              <a:defRPr kern="1200">
+                <a:solidFill>
+                  <a:schemeClr val="lt1"/>
+                </a:solidFill>
+                <a:latin typeface="+mn-lt"/>
+                <a:ea typeface="+mn-ea"/>
+                <a:cs typeface="+mn-cs"/>
+              </a:defRPr>
+            </a:lvl1pPr>
+            <a:lvl2pPr marL="457200" algn="l" rtl="0" fontAlgn="base">
+              <a:spcBef>
+                <a:spcPct val="0"/>
+              </a:spcBef>
+              <a:spcAft>
+                <a:spcPct val="0"/>
+              </a:spcAft>
+              <a:defRPr kern="1200">
+                <a:solidFill>
+                  <a:schemeClr val="lt1"/>
+                </a:solidFill>
+                <a:latin typeface="+mn-lt"/>
+                <a:ea typeface="+mn-ea"/>
+                <a:cs typeface="+mn-cs"/>
+              </a:defRPr>
+            </a:lvl2pPr>
+            <a:lvl3pPr marL="914400" algn="l" rtl="0" fontAlgn="base">
+              <a:spcBef>
+                <a:spcPct val="0"/>
+              </a:spcBef>
+              <a:spcAft>
+                <a:spcPct val="0"/>
+              </a:spcAft>
+              <a:defRPr kern="1200">
+                <a:solidFill>
+                  <a:schemeClr val="lt1"/>
+                </a:solidFill>
+                <a:latin typeface="+mn-lt"/>
+                <a:ea typeface="+mn-ea"/>
+                <a:cs typeface="+mn-cs"/>
+              </a:defRPr>
+            </a:lvl3pPr>
+            <a:lvl4pPr marL="1371600" algn="l" rtl="0" fontAlgn="base">
+              <a:spcBef>
+                <a:spcPct val="0"/>
+              </a:spcBef>
+              <a:spcAft>
+                <a:spcPct val="0"/>
+              </a:spcAft>
+              <a:defRPr kern="1200">
+                <a:solidFill>
+                  <a:schemeClr val="lt1"/>
+                </a:solidFill>
+                <a:latin typeface="+mn-lt"/>
+                <a:ea typeface="+mn-ea"/>
+                <a:cs typeface="+mn-cs"/>
+              </a:defRPr>
+            </a:lvl4pPr>
+            <a:lvl5pPr marL="1828800" algn="l" rtl="0" fontAlgn="base">
+              <a:spcBef>
+                <a:spcPct val="0"/>
+              </a:spcBef>
+              <a:spcAft>
+                <a:spcPct val="0"/>
+              </a:spcAft>
+              <a:defRPr kern="1200">
+                <a:solidFill>
+                  <a:schemeClr val="lt1"/>
+                </a:solidFill>
+                <a:latin typeface="+mn-lt"/>
+                <a:ea typeface="+mn-ea"/>
+                <a:cs typeface="+mn-cs"/>
+              </a:defRPr>
+            </a:lvl5pPr>
+            <a:lvl6pPr marL="2286000" algn="l" defTabSz="914400" rtl="0" eaLnBrk="1" latinLnBrk="0" hangingPunct="1">
+              <a:defRPr kern="1200">
+                <a:solidFill>
+                  <a:schemeClr val="lt1"/>
+                </a:solidFill>
+                <a:latin typeface="+mn-lt"/>
+                <a:ea typeface="+mn-ea"/>
+                <a:cs typeface="+mn-cs"/>
+              </a:defRPr>
+            </a:lvl6pPr>
+            <a:lvl7pPr marL="2743200" algn="l" defTabSz="914400" rtl="0" eaLnBrk="1" latinLnBrk="0" hangingPunct="1">
+              <a:defRPr kern="1200">
+                <a:solidFill>
+                  <a:schemeClr val="lt1"/>
+                </a:solidFill>
+                <a:latin typeface="+mn-lt"/>
+                <a:ea typeface="+mn-ea"/>
+                <a:cs typeface="+mn-cs"/>
+              </a:defRPr>
+            </a:lvl7pPr>
+            <a:lvl8pPr marL="3200400" algn="l" defTabSz="914400" rtl="0" eaLnBrk="1" latinLnBrk="0" hangingPunct="1">
+              <a:defRPr kern="1200">
+                <a:solidFill>
+                  <a:schemeClr val="lt1"/>
+                </a:solidFill>
+                <a:latin typeface="+mn-lt"/>
+                <a:ea typeface="+mn-ea"/>
+                <a:cs typeface="+mn-cs"/>
+              </a:defRPr>
+            </a:lvl8pPr>
+            <a:lvl9pPr marL="3657600" algn="l" defTabSz="914400" rtl="0" eaLnBrk="1" latinLnBrk="0" hangingPunct="1">
+              <a:defRPr kern="1200">
+                <a:solidFill>
+                  <a:schemeClr val="lt1"/>
+                </a:solidFill>
+                <a:latin typeface="+mn-lt"/>
+                <a:ea typeface="+mn-ea"/>
+                <a:cs typeface="+mn-cs"/>
+              </a:defRPr>
+            </a:lvl9pPr>
+          </a:lstStyle>
+          <a:p>
+            <a:pPr marL="0" marR="0" lvl="0" indent="0" algn="l" defTabSz="872733" rtl="0" eaLnBrk="1" fontAlgn="base" latinLnBrk="0" hangingPunct="1">
+              <a:lnSpc>
+                <a:spcPct val="100000"/>
+              </a:lnSpc>
+              <a:spcBef>
+                <a:spcPct val="0"/>
+              </a:spcBef>
+              <a:spcAft>
+                <a:spcPct val="0"/>
+              </a:spcAft>
+              <a:buClrTx/>
+              <a:buSzTx/>
+              <a:buFontTx/>
+              <a:buNone/>
+              <a:tabLst/>
+              <a:defRPr/>
+            </a:pPr>
+            <a:r>
+              <a:rPr lang="en-US" sz="1400" dirty="0">
+                <a:solidFill>
+                  <a:srgbClr val="1F497D"/>
+                </a:solidFill>
+                <a:latin typeface="Calibri"/>
+                <a:cs typeface="Arial" charset="0"/>
+              </a:rPr>
+              <a:t>a</a:t>
+            </a:r>
+            <a:r>
+              <a:rPr kumimoji="0" lang="en-US" sz="1400" b="0" i="0" u="none" strike="noStrike" kern="1200" cap="none" spc="0" normalizeH="0" baseline="0" noProof="0">
+                <a:ln>
+                  <a:noFill/>
+                </a:ln>
+                <a:solidFill>
+                  <a:srgbClr val="1F497D"/>
+                </a:solidFill>
+                <a:effectLst/>
+                <a:uLnTx/>
+                <a:uFillTx/>
+                <a:latin typeface="Calibri"/>
+                <a:ea typeface="+mn-ea"/>
+                <a:cs typeface="Arial" charset="0"/>
+              </a:rPr>
+              <a:t>dd(</a:t>
+            </a:r>
+            <a:r>
+              <a:rPr kumimoji="0" lang="en-US" sz="1400" b="0" i="0" u="none" strike="noStrike" kern="1200" cap="none" spc="0" normalizeH="0" baseline="0" noProof="0" dirty="0" err="1">
+                <a:ln>
+                  <a:noFill/>
+                </a:ln>
+                <a:solidFill>
+                  <a:srgbClr val="1F497D"/>
+                </a:solidFill>
+                <a:effectLst/>
+                <a:uLnTx/>
+                <a:uFillTx/>
+                <a:latin typeface="Calibri"/>
+                <a:ea typeface="+mn-ea"/>
+                <a:cs typeface="Arial" charset="0"/>
+              </a:rPr>
+              <a:t>itemToAdd</a:t>
+            </a:r>
+            <a:r>
+              <a:rPr kumimoji="0" lang="en-US" sz="1600" b="0" i="0" u="none" strike="noStrike" kern="1200" cap="none" spc="0" normalizeH="0" baseline="0" noProof="0" dirty="0">
+                <a:ln>
+                  <a:noFill/>
+                </a:ln>
+                <a:solidFill>
+                  <a:srgbClr val="1F497D"/>
+                </a:solidFill>
+                <a:effectLst/>
+                <a:uLnTx/>
+                <a:uFillTx/>
+                <a:latin typeface="Calibri"/>
+                <a:ea typeface="+mn-ea"/>
+                <a:cs typeface="Arial" charset="0"/>
+              </a:rPr>
+              <a:t>)</a:t>
+            </a:r>
+          </a:p>
+        </p:txBody>
+      </p:sp>
+      <p:sp>
+        <p:nvSpPr>
+          <p:cNvPr id="90" name="Line 15">
+            <a:extLst>
+              <a:ext uri="{FF2B5EF4-FFF2-40B4-BE49-F238E27FC236}">
+                <a16:creationId xmlns:a16="http://schemas.microsoft.com/office/drawing/2014/main" id="{12440635-853B-44B8-BD04-574E7B7887B8}"/>
+              </a:ext>
+            </a:extLst>
+          </p:cNvPr>
+          <p:cNvSpPr>
+            <a:spLocks noChangeShapeType="1"/>
+          </p:cNvSpPr>
+          <p:nvPr/>
+        </p:nvSpPr>
+        <p:spPr bwMode="auto">
+          <a:xfrm flipH="1">
+            <a:off x="4307505" y="5813982"/>
+            <a:ext cx="3197216" cy="0"/>
+          </a:xfrm>
+          <a:prstGeom prst="line">
+            <a:avLst/>
+          </a:prstGeom>
+          <a:noFill/>
+          <a:ln w="19050">
+            <a:solidFill>
+              <a:srgbClr val="EEECE1">
+                <a:lumMod val="50000"/>
+              </a:srgbClr>
+            </a:solidFill>
+            <a:prstDash val="sysDash"/>
+            <a:round/>
+            <a:headEnd/>
+            <a:tailEnd type="triangle" w="lg" len="lg"/>
+          </a:ln>
+        </p:spPr>
+        <p:txBody>
+          <a:bodyPr/>
+          <a:lstStyle/>
+          <a:p>
+            <a:pPr marL="0" marR="0" lvl="0" indent="0" defTabSz="872733" eaLnBrk="1" fontAlgn="auto" latinLnBrk="0" hangingPunct="1">
+              <a:lnSpc>
+                <a:spcPct val="100000"/>
+              </a:lnSpc>
+              <a:spcBef>
+                <a:spcPts val="0"/>
+              </a:spcBef>
+              <a:spcAft>
+                <a:spcPts val="0"/>
+              </a:spcAft>
+              <a:buClrTx/>
+              <a:buSzTx/>
+              <a:buFontTx/>
+              <a:buNone/>
+              <a:tabLst/>
+              <a:defRPr/>
+            </a:pPr>
+            <a:endParaRPr kumimoji="0" lang="en-US" sz="1500" b="0" i="0" u="none" strike="noStrike" kern="0" cap="none" spc="0" normalizeH="0" baseline="0" noProof="0" dirty="0">
+              <a:ln>
+                <a:noFill/>
+              </a:ln>
+              <a:solidFill>
+                <a:prstClr val="black"/>
+              </a:solidFill>
+              <a:effectLst/>
+              <a:uLnTx/>
+              <a:uFillTx/>
+            </a:endParaRPr>
           </a:p>
         </p:txBody>
       </p:sp>
